--- a/Java Урок 20 Колекції. List. Queue Set.pptx
+++ b/Java Урок 20 Колекції. List. Queue Set.pptx
@@ -26,14 +26,14 @@
     <p:sldId id="458" r:id="rId17"/>
     <p:sldId id="328" r:id="rId18"/>
     <p:sldId id="329" r:id="rId19"/>
-    <p:sldId id="330" r:id="rId20"/>
-    <p:sldId id="331" r:id="rId21"/>
-    <p:sldId id="332" r:id="rId22"/>
-    <p:sldId id="333" r:id="rId23"/>
-    <p:sldId id="334" r:id="rId24"/>
-    <p:sldId id="335" r:id="rId25"/>
-    <p:sldId id="336" r:id="rId26"/>
-    <p:sldId id="337" r:id="rId27"/>
+    <p:sldId id="334" r:id="rId20"/>
+    <p:sldId id="335" r:id="rId21"/>
+    <p:sldId id="336" r:id="rId22"/>
+    <p:sldId id="337" r:id="rId23"/>
+    <p:sldId id="331" r:id="rId24"/>
+    <p:sldId id="330" r:id="rId25"/>
+    <p:sldId id="332" r:id="rId26"/>
+    <p:sldId id="333" r:id="rId27"/>
     <p:sldId id="490" r:id="rId28"/>
     <p:sldId id="491" r:id="rId29"/>
     <p:sldId id="315" r:id="rId30"/>
@@ -252,7 +252,7 @@
           <a:p>
             <a:fld id="{5A4F87D7-911E-4527-9694-9D5C84DC07D1}" type="datetimeFigureOut">
               <a:rPr lang="uk-UA" smtClean="0"/>
-              <a:t>01.06.2024</a:t>
+              <a:t>26.06.2024</a:t>
             </a:fld>
             <a:endParaRPr lang="uk-UA"/>
           </a:p>
@@ -1100,7 +1100,7 @@
           <a:p>
             <a:fld id="{D0D32466-2303-42CB-9FA8-8B6EFE5FE206}" type="datetimeFigureOut">
               <a:rPr lang="uk-UA" smtClean="0"/>
-              <a:t>01.06.2024</a:t>
+              <a:t>26.06.2024</a:t>
             </a:fld>
             <a:endParaRPr lang="uk-UA"/>
           </a:p>
@@ -1300,7 +1300,7 @@
           <a:p>
             <a:fld id="{D0D32466-2303-42CB-9FA8-8B6EFE5FE206}" type="datetimeFigureOut">
               <a:rPr lang="uk-UA" smtClean="0"/>
-              <a:t>01.06.2024</a:t>
+              <a:t>26.06.2024</a:t>
             </a:fld>
             <a:endParaRPr lang="uk-UA"/>
           </a:p>
@@ -1510,7 +1510,7 @@
           <a:p>
             <a:fld id="{D0D32466-2303-42CB-9FA8-8B6EFE5FE206}" type="datetimeFigureOut">
               <a:rPr lang="uk-UA" smtClean="0"/>
-              <a:t>01.06.2024</a:t>
+              <a:t>26.06.2024</a:t>
             </a:fld>
             <a:endParaRPr lang="uk-UA"/>
           </a:p>
@@ -1833,7 +1833,7 @@
           <a:p>
             <a:fld id="{D0D32466-2303-42CB-9FA8-8B6EFE5FE206}" type="datetimeFigureOut">
               <a:rPr lang="uk-UA" smtClean="0"/>
-              <a:t>01.06.2024</a:t>
+              <a:t>26.06.2024</a:t>
             </a:fld>
             <a:endParaRPr lang="uk-UA"/>
           </a:p>
@@ -2109,7 +2109,7 @@
           <a:p>
             <a:fld id="{D0D32466-2303-42CB-9FA8-8B6EFE5FE206}" type="datetimeFigureOut">
               <a:rPr lang="uk-UA" smtClean="0"/>
-              <a:t>01.06.2024</a:t>
+              <a:t>26.06.2024</a:t>
             </a:fld>
             <a:endParaRPr lang="uk-UA"/>
           </a:p>
@@ -2377,7 +2377,7 @@
           <a:p>
             <a:fld id="{D0D32466-2303-42CB-9FA8-8B6EFE5FE206}" type="datetimeFigureOut">
               <a:rPr lang="uk-UA" smtClean="0"/>
-              <a:t>01.06.2024</a:t>
+              <a:t>26.06.2024</a:t>
             </a:fld>
             <a:endParaRPr lang="uk-UA"/>
           </a:p>
@@ -2792,7 +2792,7 @@
           <a:p>
             <a:fld id="{D0D32466-2303-42CB-9FA8-8B6EFE5FE206}" type="datetimeFigureOut">
               <a:rPr lang="uk-UA" smtClean="0"/>
-              <a:t>01.06.2024</a:t>
+              <a:t>26.06.2024</a:t>
             </a:fld>
             <a:endParaRPr lang="uk-UA"/>
           </a:p>
@@ -2934,7 +2934,7 @@
           <a:p>
             <a:fld id="{D0D32466-2303-42CB-9FA8-8B6EFE5FE206}" type="datetimeFigureOut">
               <a:rPr lang="uk-UA" smtClean="0"/>
-              <a:t>01.06.2024</a:t>
+              <a:t>26.06.2024</a:t>
             </a:fld>
             <a:endParaRPr lang="uk-UA"/>
           </a:p>
@@ -3047,7 +3047,7 @@
           <a:p>
             <a:fld id="{D0D32466-2303-42CB-9FA8-8B6EFE5FE206}" type="datetimeFigureOut">
               <a:rPr lang="uk-UA" smtClean="0"/>
-              <a:t>01.06.2024</a:t>
+              <a:t>26.06.2024</a:t>
             </a:fld>
             <a:endParaRPr lang="uk-UA"/>
           </a:p>
@@ -3360,7 +3360,7 @@
           <a:p>
             <a:fld id="{D0D32466-2303-42CB-9FA8-8B6EFE5FE206}" type="datetimeFigureOut">
               <a:rPr lang="uk-UA" smtClean="0"/>
-              <a:t>01.06.2024</a:t>
+              <a:t>26.06.2024</a:t>
             </a:fld>
             <a:endParaRPr lang="uk-UA"/>
           </a:p>
@@ -3649,7 +3649,7 @@
           <a:p>
             <a:fld id="{D0D32466-2303-42CB-9FA8-8B6EFE5FE206}" type="datetimeFigureOut">
               <a:rPr lang="uk-UA" smtClean="0"/>
-              <a:t>01.06.2024</a:t>
+              <a:t>26.06.2024</a:t>
             </a:fld>
             <a:endParaRPr lang="uk-UA"/>
           </a:p>
@@ -3892,7 +3892,7 @@
           <a:p>
             <a:fld id="{D0D32466-2303-42CB-9FA8-8B6EFE5FE206}" type="datetimeFigureOut">
               <a:rPr lang="uk-UA" smtClean="0"/>
-              <a:t>01.06.2024</a:t>
+              <a:t>26.06.2024</a:t>
             </a:fld>
             <a:endParaRPr lang="uk-UA"/>
           </a:p>
@@ -9584,7 +9584,7 @@
         </p:nvSpPr>
         <p:spPr>
           <a:xfrm>
-            <a:off x="838200" y="952107"/>
+            <a:off x="838200" y="1090334"/>
             <a:ext cx="10515600" cy="4351338"/>
           </a:xfrm>
         </p:spPr>
@@ -9598,334 +9598,117 @@
               <a:buNone/>
             </a:pPr>
             <a:r>
-              <a:rPr lang="uk-UA" sz="2400" dirty="0">
-                <a:latin typeface="Times New Roman" panose="02020603050405020304" pitchFamily="18" charset="0"/>
-                <a:cs typeface="Times New Roman" panose="02020603050405020304" pitchFamily="18" charset="0"/>
-              </a:rPr>
-              <a:t>Друга форма додавання елементів в чергу зроблена спеціально для реалізацій</a:t>
-            </a:r>
-            <a:r>
-              <a:rPr lang="ru-RU" sz="2400" dirty="0">
+              <a:rPr lang="en-US" b="1" dirty="0" err="1">
+                <a:latin typeface="Times New Roman" panose="02020603050405020304" pitchFamily="18" charset="0"/>
+                <a:cs typeface="Times New Roman" panose="02020603050405020304" pitchFamily="18" charset="0"/>
+              </a:rPr>
+              <a:t>PriorityQueue</a:t>
+            </a:r>
+            <a:r>
+              <a:rPr lang="en-US" dirty="0">
+                <a:latin typeface="Times New Roman" panose="02020603050405020304" pitchFamily="18" charset="0"/>
+                <a:cs typeface="Times New Roman" panose="02020603050405020304" pitchFamily="18" charset="0"/>
+              </a:rPr>
+              <a:t> –</a:t>
+            </a:r>
+            <a:r>
+              <a:rPr lang="ru-RU" dirty="0">
                 <a:latin typeface="Times New Roman" panose="02020603050405020304" pitchFamily="18" charset="0"/>
                 <a:cs typeface="Times New Roman" panose="02020603050405020304" pitchFamily="18" charset="0"/>
               </a:rPr>
               <a:t> </a:t>
             </a:r>
             <a:r>
-              <a:rPr lang="ru-RU" sz="2400" b="1" dirty="0" err="1">
-                <a:latin typeface="Times New Roman" panose="02020603050405020304" pitchFamily="18" charset="0"/>
-                <a:cs typeface="Times New Roman" panose="02020603050405020304" pitchFamily="18" charset="0"/>
-              </a:rPr>
-              <a:t>Deque</a:t>
-            </a:r>
-            <a:r>
-              <a:rPr lang="ru-RU" sz="2400" dirty="0">
-                <a:latin typeface="Times New Roman" panose="02020603050405020304" pitchFamily="18" charset="0"/>
-                <a:cs typeface="Times New Roman" panose="02020603050405020304" pitchFamily="18" charset="0"/>
-              </a:rPr>
-              <a:t>, </a:t>
-            </a:r>
-            <a:r>
-              <a:rPr lang="uk-UA" sz="2400" dirty="0">
-                <a:latin typeface="Times New Roman" panose="02020603050405020304" pitchFamily="18" charset="0"/>
-                <a:cs typeface="Times New Roman" panose="02020603050405020304" pitchFamily="18" charset="0"/>
-              </a:rPr>
-              <a:t>які мають обмеження за розміром</a:t>
-            </a:r>
-            <a:r>
-              <a:rPr lang="ru-RU" sz="2400" dirty="0">
+              <a:rPr lang="uk-UA" dirty="0">
+                <a:latin typeface="Times New Roman" panose="02020603050405020304" pitchFamily="18" charset="0"/>
+                <a:cs typeface="Times New Roman" panose="02020603050405020304" pitchFamily="18" charset="0"/>
+              </a:rPr>
+              <a:t>це клас черги з пріоритетами. За умовчанням черга з пріоритетами розміщує елементи відповідно природному порядку сортування використовуючи</a:t>
+            </a:r>
+            <a:r>
+              <a:rPr lang="ru-RU" dirty="0">
+                <a:latin typeface="Times New Roman" panose="02020603050405020304" pitchFamily="18" charset="0"/>
+                <a:cs typeface="Times New Roman" panose="02020603050405020304" pitchFamily="18" charset="0"/>
+              </a:rPr>
+              <a:t> </a:t>
+            </a:r>
+            <a:r>
+              <a:rPr lang="en-US" dirty="0">
+                <a:latin typeface="Times New Roman" panose="02020603050405020304" pitchFamily="18" charset="0"/>
+                <a:cs typeface="Times New Roman" panose="02020603050405020304" pitchFamily="18" charset="0"/>
+              </a:rPr>
+              <a:t>Comparable</a:t>
+            </a:r>
+            <a:r>
+              <a:rPr lang="ru-RU" dirty="0">
                 <a:latin typeface="Times New Roman" panose="02020603050405020304" pitchFamily="18" charset="0"/>
                 <a:cs typeface="Times New Roman" panose="02020603050405020304" pitchFamily="18" charset="0"/>
               </a:rPr>
               <a:t>. </a:t>
             </a:r>
-          </a:p>
-          <a:p>
-            <a:pPr>
+            <a:r>
+              <a:rPr lang="uk-UA" dirty="0">
+                <a:latin typeface="Times New Roman" panose="02020603050405020304" pitchFamily="18" charset="0"/>
+                <a:cs typeface="Times New Roman" panose="02020603050405020304" pitchFamily="18" charset="0"/>
+              </a:rPr>
+              <a:t>Елементу з найменшим значенням присвоюється найбільший пріоритет. Якщо декілька елементів мають однаковий найвищий елемент – зв’язок визначається довільно.</a:t>
+            </a:r>
+          </a:p>
+          <a:p>
+            <a:pPr algn="just">
               <a:buNone/>
             </a:pPr>
-            <a:endParaRPr lang="ru-RU" sz="2400" dirty="0">
+            <a:endParaRPr lang="uk-UA" dirty="0">
               <a:latin typeface="Times New Roman" panose="02020603050405020304" pitchFamily="18" charset="0"/>
               <a:cs typeface="Times New Roman" panose="02020603050405020304" pitchFamily="18" charset="0"/>
             </a:endParaRPr>
           </a:p>
           <a:p>
-            <a:pPr>
+            <a:pPr algn="just">
               <a:buNone/>
             </a:pPr>
             <a:r>
-              <a:rPr lang="uk-UA" sz="2400" dirty="0">
-                <a:latin typeface="Times New Roman" panose="02020603050405020304" pitchFamily="18" charset="0"/>
-                <a:cs typeface="Times New Roman" panose="02020603050405020304" pitchFamily="18" charset="0"/>
-              </a:rPr>
-              <a:t>Методи</a:t>
-            </a:r>
-            <a:r>
-              <a:rPr lang="ru-RU" sz="2400" dirty="0">
+              <a:rPr lang="uk-UA" dirty="0">
+                <a:latin typeface="Times New Roman" panose="02020603050405020304" pitchFamily="18" charset="0"/>
+                <a:cs typeface="Times New Roman" panose="02020603050405020304" pitchFamily="18" charset="0"/>
+              </a:rPr>
+              <a:t>Також можна вказати спеціальний порядок розміщення, використовуючи</a:t>
+            </a:r>
+            <a:r>
+              <a:rPr lang="ru-RU" dirty="0">
                 <a:latin typeface="Times New Roman" panose="02020603050405020304" pitchFamily="18" charset="0"/>
                 <a:cs typeface="Times New Roman" panose="02020603050405020304" pitchFamily="18" charset="0"/>
               </a:rPr>
               <a:t> </a:t>
             </a:r>
             <a:r>
-              <a:rPr lang="en-US" sz="2400" b="1" dirty="0" err="1">
-                <a:latin typeface="Times New Roman" panose="02020603050405020304" pitchFamily="18" charset="0"/>
-                <a:cs typeface="Times New Roman" panose="02020603050405020304" pitchFamily="18" charset="0"/>
-              </a:rPr>
-              <a:t>addFirst</a:t>
-            </a:r>
-            <a:r>
-              <a:rPr lang="ru-RU" sz="2400" b="1" dirty="0">
-                <a:latin typeface="Times New Roman" panose="02020603050405020304" pitchFamily="18" charset="0"/>
-                <a:cs typeface="Times New Roman" panose="02020603050405020304" pitchFamily="18" charset="0"/>
-              </a:rPr>
-              <a:t>(</a:t>
-            </a:r>
-            <a:r>
-              <a:rPr lang="en-US" sz="2400" b="1" dirty="0">
-                <a:latin typeface="Times New Roman" panose="02020603050405020304" pitchFamily="18" charset="0"/>
-                <a:cs typeface="Times New Roman" panose="02020603050405020304" pitchFamily="18" charset="0"/>
-              </a:rPr>
-              <a:t>e</a:t>
-            </a:r>
-            <a:r>
-              <a:rPr lang="ru-RU" sz="2400" b="1" dirty="0">
-                <a:latin typeface="Times New Roman" panose="02020603050405020304" pitchFamily="18" charset="0"/>
-                <a:cs typeface="Times New Roman" panose="02020603050405020304" pitchFamily="18" charset="0"/>
-              </a:rPr>
-              <a:t>), </a:t>
-            </a:r>
-            <a:r>
-              <a:rPr lang="en-US" sz="2400" b="1" dirty="0" err="1">
-                <a:latin typeface="Times New Roman" panose="02020603050405020304" pitchFamily="18" charset="0"/>
-                <a:cs typeface="Times New Roman" panose="02020603050405020304" pitchFamily="18" charset="0"/>
-              </a:rPr>
-              <a:t>addLast</a:t>
-            </a:r>
-            <a:r>
-              <a:rPr lang="ru-RU" sz="2400" b="1" dirty="0">
-                <a:latin typeface="Times New Roman" panose="02020603050405020304" pitchFamily="18" charset="0"/>
-                <a:cs typeface="Times New Roman" panose="02020603050405020304" pitchFamily="18" charset="0"/>
-              </a:rPr>
-              <a:t>(</a:t>
-            </a:r>
-            <a:r>
-              <a:rPr lang="en-US" sz="2400" b="1" dirty="0">
-                <a:latin typeface="Times New Roman" panose="02020603050405020304" pitchFamily="18" charset="0"/>
-                <a:cs typeface="Times New Roman" panose="02020603050405020304" pitchFamily="18" charset="0"/>
-              </a:rPr>
-              <a:t>e</a:t>
-            </a:r>
-            <a:r>
-              <a:rPr lang="ru-RU" sz="2400" b="1" dirty="0">
-                <a:latin typeface="Times New Roman" panose="02020603050405020304" pitchFamily="18" charset="0"/>
-                <a:cs typeface="Times New Roman" panose="02020603050405020304" pitchFamily="18" charset="0"/>
-              </a:rPr>
-              <a:t>) </a:t>
-            </a:r>
-            <a:r>
-              <a:rPr lang="uk-UA" sz="2400" dirty="0">
-                <a:latin typeface="Times New Roman" panose="02020603050405020304" pitchFamily="18" charset="0"/>
-                <a:cs typeface="Times New Roman" panose="02020603050405020304" pitchFamily="18" charset="0"/>
-              </a:rPr>
-              <a:t>вставляють елементи в початок і в кінець черги відповідно</a:t>
-            </a:r>
-            <a:r>
-              <a:rPr lang="ru-RU" sz="2400" dirty="0">
-                <a:latin typeface="Times New Roman" panose="02020603050405020304" pitchFamily="18" charset="0"/>
-                <a:cs typeface="Times New Roman" panose="02020603050405020304" pitchFamily="18" charset="0"/>
-              </a:rPr>
-              <a:t>. </a:t>
-            </a:r>
-          </a:p>
-          <a:p>
-            <a:pPr>
-              <a:buNone/>
-            </a:pPr>
-            <a:endParaRPr lang="ru-RU" sz="2400" dirty="0">
+              <a:rPr lang="en-US" b="1" dirty="0">
+                <a:latin typeface="Times New Roman" panose="02020603050405020304" pitchFamily="18" charset="0"/>
+                <a:cs typeface="Times New Roman" panose="02020603050405020304" pitchFamily="18" charset="0"/>
+              </a:rPr>
+              <a:t>Comparator</a:t>
+            </a:r>
+          </a:p>
+          <a:p>
+            <a:endParaRPr lang="en-US" dirty="0">
               <a:latin typeface="Times New Roman" panose="02020603050405020304" pitchFamily="18" charset="0"/>
               <a:cs typeface="Times New Roman" panose="02020603050405020304" pitchFamily="18" charset="0"/>
             </a:endParaRPr>
           </a:p>
           <a:p>
-            <a:pPr>
-              <a:buNone/>
-            </a:pPr>
-            <a:r>
-              <a:rPr lang="ru-RU" sz="2400" dirty="0">
-                <a:latin typeface="Times New Roman" panose="02020603050405020304" pitchFamily="18" charset="0"/>
-                <a:cs typeface="Times New Roman" panose="02020603050405020304" pitchFamily="18" charset="0"/>
-              </a:rPr>
-              <a:t>Метод </a:t>
-            </a:r>
-            <a:r>
-              <a:rPr lang="en-US" sz="2400" b="1" dirty="0">
-                <a:latin typeface="Times New Roman" panose="02020603050405020304" pitchFamily="18" charset="0"/>
-                <a:cs typeface="Times New Roman" panose="02020603050405020304" pitchFamily="18" charset="0"/>
-              </a:rPr>
-              <a:t>add</a:t>
-            </a:r>
-            <a:r>
-              <a:rPr lang="ru-RU" sz="2400" b="1" dirty="0">
-                <a:latin typeface="Times New Roman" panose="02020603050405020304" pitchFamily="18" charset="0"/>
-                <a:cs typeface="Times New Roman" panose="02020603050405020304" pitchFamily="18" charset="0"/>
-              </a:rPr>
-              <a:t>(</a:t>
-            </a:r>
-            <a:r>
-              <a:rPr lang="en-US" sz="2400" b="1" dirty="0">
-                <a:latin typeface="Times New Roman" panose="02020603050405020304" pitchFamily="18" charset="0"/>
-                <a:cs typeface="Times New Roman" panose="02020603050405020304" pitchFamily="18" charset="0"/>
-              </a:rPr>
-              <a:t>e</a:t>
-            </a:r>
-            <a:r>
-              <a:rPr lang="ru-RU" sz="2400" b="1" dirty="0">
-                <a:latin typeface="Times New Roman" panose="02020603050405020304" pitchFamily="18" charset="0"/>
-                <a:cs typeface="Times New Roman" panose="02020603050405020304" pitchFamily="18" charset="0"/>
-              </a:rPr>
-              <a:t>)</a:t>
-            </a:r>
-            <a:r>
-              <a:rPr lang="ru-RU" sz="2400" dirty="0">
-                <a:latin typeface="Times New Roman" panose="02020603050405020304" pitchFamily="18" charset="0"/>
-                <a:cs typeface="Times New Roman" panose="02020603050405020304" pitchFamily="18" charset="0"/>
-              </a:rPr>
-              <a:t> </a:t>
-            </a:r>
-            <a:r>
-              <a:rPr lang="uk-UA" sz="2400" dirty="0">
-                <a:latin typeface="Times New Roman" panose="02020603050405020304" pitchFamily="18" charset="0"/>
-                <a:cs typeface="Times New Roman" panose="02020603050405020304" pitchFamily="18" charset="0"/>
-              </a:rPr>
-              <a:t>успадкований від інтерфейсу</a:t>
-            </a:r>
-            <a:r>
-              <a:rPr lang="ru-RU" sz="2400" dirty="0">
-                <a:latin typeface="Times New Roman" panose="02020603050405020304" pitchFamily="18" charset="0"/>
-                <a:cs typeface="Times New Roman" panose="02020603050405020304" pitchFamily="18" charset="0"/>
-              </a:rPr>
-              <a:t> </a:t>
-            </a:r>
-            <a:r>
-              <a:rPr lang="ru-RU" sz="2400" b="1" dirty="0" err="1">
-                <a:latin typeface="Times New Roman" panose="02020603050405020304" pitchFamily="18" charset="0"/>
-                <a:cs typeface="Times New Roman" panose="02020603050405020304" pitchFamily="18" charset="0"/>
-              </a:rPr>
-              <a:t>Queue</a:t>
-            </a:r>
-            <a:r>
-              <a:rPr lang="ru-RU" sz="2400" dirty="0">
-                <a:latin typeface="Times New Roman" panose="02020603050405020304" pitchFamily="18" charset="0"/>
-                <a:cs typeface="Times New Roman" panose="02020603050405020304" pitchFamily="18" charset="0"/>
-              </a:rPr>
-              <a:t> </a:t>
-            </a:r>
-            <a:r>
-              <a:rPr lang="uk-UA" sz="2400" dirty="0">
-                <a:latin typeface="Times New Roman" panose="02020603050405020304" pitchFamily="18" charset="0"/>
-                <a:cs typeface="Times New Roman" panose="02020603050405020304" pitchFamily="18" charset="0"/>
-              </a:rPr>
-              <a:t>і абсолютно аналогічний методу</a:t>
-            </a:r>
-            <a:r>
-              <a:rPr lang="ru-RU" sz="2400" dirty="0">
-                <a:latin typeface="Times New Roman" panose="02020603050405020304" pitchFamily="18" charset="0"/>
-                <a:cs typeface="Times New Roman" panose="02020603050405020304" pitchFamily="18" charset="0"/>
-              </a:rPr>
-              <a:t> </a:t>
-            </a:r>
-            <a:r>
-              <a:rPr lang="en-US" sz="2400" b="1" dirty="0" err="1">
-                <a:latin typeface="Times New Roman" panose="02020603050405020304" pitchFamily="18" charset="0"/>
-                <a:cs typeface="Times New Roman" panose="02020603050405020304" pitchFamily="18" charset="0"/>
-              </a:rPr>
-              <a:t>addLast</a:t>
-            </a:r>
-            <a:r>
-              <a:rPr lang="ru-RU" sz="2400" b="1" dirty="0">
-                <a:latin typeface="Times New Roman" panose="02020603050405020304" pitchFamily="18" charset="0"/>
-                <a:cs typeface="Times New Roman" panose="02020603050405020304" pitchFamily="18" charset="0"/>
-              </a:rPr>
-              <a:t>(</a:t>
-            </a:r>
-            <a:r>
-              <a:rPr lang="en-US" sz="2400" b="1" dirty="0">
-                <a:latin typeface="Times New Roman" panose="02020603050405020304" pitchFamily="18" charset="0"/>
-                <a:cs typeface="Times New Roman" panose="02020603050405020304" pitchFamily="18" charset="0"/>
-              </a:rPr>
-              <a:t>e</a:t>
-            </a:r>
-            <a:r>
-              <a:rPr lang="ru-RU" sz="2400" b="1" dirty="0">
-                <a:latin typeface="Times New Roman" panose="02020603050405020304" pitchFamily="18" charset="0"/>
-                <a:cs typeface="Times New Roman" panose="02020603050405020304" pitchFamily="18" charset="0"/>
-              </a:rPr>
-              <a:t>)</a:t>
-            </a:r>
-            <a:r>
-              <a:rPr lang="ru-RU" sz="2400" dirty="0">
-                <a:latin typeface="Times New Roman" panose="02020603050405020304" pitchFamily="18" charset="0"/>
-                <a:cs typeface="Times New Roman" panose="02020603050405020304" pitchFamily="18" charset="0"/>
-              </a:rPr>
-              <a:t> </a:t>
-            </a:r>
-            <a:r>
-              <a:rPr lang="uk-UA" sz="2400" dirty="0">
-                <a:latin typeface="Times New Roman" panose="02020603050405020304" pitchFamily="18" charset="0"/>
-                <a:cs typeface="Times New Roman" panose="02020603050405020304" pitchFamily="18" charset="0"/>
-              </a:rPr>
-              <a:t>інтерфейсу</a:t>
-            </a:r>
-            <a:r>
-              <a:rPr lang="ru-RU" sz="2400" dirty="0">
-                <a:latin typeface="Times New Roman" panose="02020603050405020304" pitchFamily="18" charset="0"/>
-                <a:cs typeface="Times New Roman" panose="02020603050405020304" pitchFamily="18" charset="0"/>
-              </a:rPr>
-              <a:t> </a:t>
-            </a:r>
-            <a:r>
-              <a:rPr lang="en-US" sz="2400" b="1" dirty="0" err="1">
-                <a:latin typeface="Times New Roman" panose="02020603050405020304" pitchFamily="18" charset="0"/>
-                <a:cs typeface="Times New Roman" panose="02020603050405020304" pitchFamily="18" charset="0"/>
-              </a:rPr>
-              <a:t>Deque</a:t>
-            </a:r>
-            <a:r>
-              <a:rPr lang="ru-RU" sz="2400" b="1" dirty="0">
-                <a:latin typeface="Times New Roman" panose="02020603050405020304" pitchFamily="18" charset="0"/>
-                <a:cs typeface="Times New Roman" panose="02020603050405020304" pitchFamily="18" charset="0"/>
-              </a:rPr>
-              <a:t>.</a:t>
-            </a:r>
-            <a:endParaRPr lang="ru-RU" sz="2400" dirty="0">
+            <a:endParaRPr lang="en-US" dirty="0">
               <a:latin typeface="Times New Roman" panose="02020603050405020304" pitchFamily="18" charset="0"/>
               <a:cs typeface="Times New Roman" panose="02020603050405020304" pitchFamily="18" charset="0"/>
             </a:endParaRPr>
           </a:p>
           <a:p>
-            <a:pPr>
-              <a:buNone/>
-            </a:pPr>
-            <a:endParaRPr lang="ru-RU" sz="2400" dirty="0">
+            <a:endParaRPr lang="en-US" dirty="0">
               <a:latin typeface="Times New Roman" panose="02020603050405020304" pitchFamily="18" charset="0"/>
               <a:cs typeface="Times New Roman" panose="02020603050405020304" pitchFamily="18" charset="0"/>
             </a:endParaRPr>
           </a:p>
           <a:p>
-            <a:pPr>
-              <a:buNone/>
-            </a:pPr>
-            <a:endParaRPr lang="ru-RU" sz="2400" dirty="0">
-              <a:latin typeface="Times New Roman" panose="02020603050405020304" pitchFamily="18" charset="0"/>
-              <a:cs typeface="Times New Roman" panose="02020603050405020304" pitchFamily="18" charset="0"/>
-            </a:endParaRPr>
-          </a:p>
-          <a:p>
-            <a:pPr>
-              <a:buNone/>
-            </a:pPr>
-            <a:endParaRPr lang="en-US" sz="2400" dirty="0">
+            <a:endParaRPr lang="en-US" dirty="0">
               <a:latin typeface="Times New Roman" panose="02020603050405020304" pitchFamily="18" charset="0"/>
               <a:cs typeface="Times New Roman" panose="02020603050405020304" pitchFamily="18" charset="0"/>
             </a:endParaRPr>
@@ -9953,74 +9736,39 @@
       </p:sp>
       <p:sp>
         <p:nvSpPr>
-          <p:cNvPr id="6" name="Заголовок 1">
+          <p:cNvPr id="7" name="Заголовок 1">
             <a:extLst>
               <a:ext uri="{FF2B5EF4-FFF2-40B4-BE49-F238E27FC236}">
-                <a16:creationId xmlns:a16="http://schemas.microsoft.com/office/drawing/2014/main" id="{549DF95B-6CA4-4B70-A750-11667125CCAC}"/>
+                <a16:creationId xmlns:a16="http://schemas.microsoft.com/office/drawing/2014/main" id="{6A6D0B8D-F332-4EAA-88F2-54CE3E930A5A}"/>
               </a:ext>
             </a:extLst>
           </p:cNvPr>
-          <p:cNvSpPr txBox="1">
-            <a:spLocks/>
+          <p:cNvSpPr>
+            <a:spLocks noGrp="1"/>
           </p:cNvSpPr>
-          <p:nvPr/>
+          <p:nvPr>
+            <p:ph type="title"/>
+          </p:nvPr>
         </p:nvSpPr>
         <p:spPr>
           <a:xfrm>
             <a:off x="0" y="1"/>
-            <a:ext cx="12192000" cy="952106"/>
+            <a:ext cx="12192000" cy="961533"/>
           </a:xfrm>
-          <a:prstGeom prst="rect">
-            <a:avLst/>
-          </a:prstGeom>
         </p:spPr>
         <p:txBody>
-          <a:bodyPr vert="horz" lIns="91440" tIns="45720" rIns="91440" bIns="45720" rtlCol="0" anchor="ctr">
-            <a:normAutofit/>
-          </a:bodyPr>
-          <a:lstStyle>
-            <a:lvl1pPr algn="l" defTabSz="914400" rtl="0" eaLnBrk="1" latinLnBrk="0" hangingPunct="1">
-              <a:lnSpc>
-                <a:spcPct val="90000"/>
-              </a:lnSpc>
-              <a:spcBef>
-                <a:spcPct val="0"/>
-              </a:spcBef>
-              <a:buNone/>
-              <a:defRPr sz="4400" kern="1200">
-                <a:solidFill>
-                  <a:schemeClr val="tx1"/>
-                </a:solidFill>
-                <a:latin typeface="+mj-lt"/>
-                <a:ea typeface="+mj-ea"/>
-                <a:cs typeface="+mj-cs"/>
-              </a:defRPr>
-            </a:lvl1pPr>
-          </a:lstStyle>
+          <a:bodyPr/>
+          <a:lstStyle/>
           <a:p>
             <a:pPr algn="ctr"/>
             <a:r>
-              <a:rPr lang="uk-UA" dirty="0">
-                <a:latin typeface="Times New Roman" panose="02020603050405020304" pitchFamily="18" charset="0"/>
-                <a:cs typeface="Times New Roman" panose="02020603050405020304" pitchFamily="18" charset="0"/>
-              </a:rPr>
-              <a:t>Черги</a:t>
-            </a:r>
-            <a:r>
-              <a:rPr lang="ru-RU" dirty="0">
-                <a:latin typeface="Times New Roman" panose="02020603050405020304" pitchFamily="18" charset="0"/>
-                <a:cs typeface="Times New Roman" panose="02020603050405020304" pitchFamily="18" charset="0"/>
-              </a:rPr>
-              <a:t> </a:t>
-            </a:r>
-            <a:r>
-              <a:rPr lang="pl-PL" dirty="0">
-                <a:latin typeface="Times New Roman" panose="02020603050405020304" pitchFamily="18" charset="0"/>
-                <a:cs typeface="Times New Roman" panose="02020603050405020304" pitchFamily="18" charset="0"/>
-              </a:rPr>
-              <a:t>Queue</a:t>
-            </a:r>
-            <a:endParaRPr lang="en-US" dirty="0">
+              <a:rPr lang="en-US" dirty="0" err="1">
+                <a:latin typeface="Times New Roman" panose="02020603050405020304" pitchFamily="18" charset="0"/>
+                <a:cs typeface="Times New Roman" panose="02020603050405020304" pitchFamily="18" charset="0"/>
+              </a:rPr>
+              <a:t>PriorityQueue</a:t>
+            </a:r>
+            <a:endParaRPr lang="uk-UA" dirty="0">
               <a:latin typeface="Times New Roman" panose="02020603050405020304" pitchFamily="18" charset="0"/>
               <a:cs typeface="Times New Roman" panose="02020603050405020304" pitchFamily="18" charset="0"/>
             </a:endParaRPr>
@@ -10030,7 +9778,7 @@
     </p:spTree>
     <p:extLst>
       <p:ext uri="{BB962C8B-B14F-4D97-AF65-F5344CB8AC3E}">
-        <p14:creationId xmlns:p14="http://schemas.microsoft.com/office/powerpoint/2010/main" val="1268245827"/>
+        <p14:creationId xmlns:p14="http://schemas.microsoft.com/office/powerpoint/2010/main" val="4283643800"/>
       </p:ext>
     </p:extLst>
   </p:cSld>
@@ -10925,130 +10673,73 @@
         </p:nvSpPr>
         <p:spPr>
           <a:xfrm>
-            <a:off x="223101" y="1168706"/>
-            <a:ext cx="11745797" cy="4520587"/>
+            <a:off x="424205" y="1414021"/>
+            <a:ext cx="11236751" cy="4762942"/>
           </a:xfrm>
         </p:spPr>
         <p:txBody>
-          <a:bodyPr>
-            <a:normAutofit/>
-          </a:bodyPr>
+          <a:bodyPr/>
           <a:lstStyle/>
-          <a:p>
-            <a:pPr algn="just">
-              <a:buNone/>
-            </a:pPr>
-            <a:r>
-              <a:rPr lang="ru-RU" sz="2400" b="1" dirty="0" err="1">
-                <a:latin typeface="Times New Roman" panose="02020603050405020304" pitchFamily="18" charset="0"/>
-                <a:cs typeface="Times New Roman" panose="02020603050405020304" pitchFamily="18" charset="0"/>
-              </a:rPr>
-              <a:t>ArrayDeque</a:t>
-            </a:r>
-            <a:r>
-              <a:rPr lang="ru-RU" sz="2400" dirty="0">
-                <a:latin typeface="Times New Roman" panose="02020603050405020304" pitchFamily="18" charset="0"/>
-                <a:cs typeface="Times New Roman" panose="02020603050405020304" pitchFamily="18" charset="0"/>
-              </a:rPr>
-              <a:t> </a:t>
-            </a:r>
-            <a:r>
-              <a:rPr lang="en-US" sz="2400" dirty="0">
-                <a:latin typeface="Times New Roman" panose="02020603050405020304" pitchFamily="18" charset="0"/>
-                <a:cs typeface="Times New Roman" panose="02020603050405020304" pitchFamily="18" charset="0"/>
-              </a:rPr>
-              <a:t>- </a:t>
-            </a:r>
-            <a:r>
-              <a:rPr lang="uk-UA" sz="2400" dirty="0">
-                <a:latin typeface="Times New Roman" panose="02020603050405020304" pitchFamily="18" charset="0"/>
-                <a:cs typeface="Times New Roman" panose="02020603050405020304" pitchFamily="18" charset="0"/>
-              </a:rPr>
-              <a:t>ефективна реалізація інтерфейсу</a:t>
-            </a:r>
-            <a:r>
-              <a:rPr lang="ru-RU" sz="2400" dirty="0">
-                <a:latin typeface="Times New Roman" panose="02020603050405020304" pitchFamily="18" charset="0"/>
-                <a:cs typeface="Times New Roman" panose="02020603050405020304" pitchFamily="18" charset="0"/>
-              </a:rPr>
-              <a:t> </a:t>
-            </a:r>
-            <a:r>
-              <a:rPr lang="ru-RU" sz="2400" b="1" dirty="0" err="1">
-                <a:latin typeface="Times New Roman" panose="02020603050405020304" pitchFamily="18" charset="0"/>
-                <a:cs typeface="Times New Roman" panose="02020603050405020304" pitchFamily="18" charset="0"/>
-              </a:rPr>
-              <a:t>Deque</a:t>
-            </a:r>
-            <a:r>
-              <a:rPr lang="ru-RU" sz="2400" dirty="0">
-                <a:latin typeface="Times New Roman" panose="02020603050405020304" pitchFamily="18" charset="0"/>
-                <a:cs typeface="Times New Roman" panose="02020603050405020304" pitchFamily="18" charset="0"/>
-              </a:rPr>
-              <a:t> </a:t>
-            </a:r>
-            <a:r>
-              <a:rPr lang="uk-UA" sz="2400" dirty="0">
-                <a:latin typeface="Times New Roman" panose="02020603050405020304" pitchFamily="18" charset="0"/>
-                <a:cs typeface="Times New Roman" panose="02020603050405020304" pitchFamily="18" charset="0"/>
-              </a:rPr>
-              <a:t>змінного розміру</a:t>
-            </a:r>
-          </a:p>
-          <a:p>
-            <a:endParaRPr lang="uk-UA" sz="2400" dirty="0">
-              <a:latin typeface="Times New Roman" panose="02020603050405020304" pitchFamily="18" charset="0"/>
-              <a:cs typeface="Times New Roman" panose="02020603050405020304" pitchFamily="18" charset="0"/>
-            </a:endParaRPr>
-          </a:p>
           <a:p>
             <a:pPr>
               <a:buNone/>
             </a:pPr>
             <a:r>
-              <a:rPr lang="uk-UA" sz="2400" dirty="0">
-                <a:latin typeface="Times New Roman" panose="02020603050405020304" pitchFamily="18" charset="0"/>
-                <a:cs typeface="Times New Roman" panose="02020603050405020304" pitchFamily="18" charset="0"/>
+              <a:rPr lang="uk-UA" sz="1800" b="1" dirty="0">
+                <a:latin typeface="Courier New" panose="02070309020205020404" pitchFamily="49" charset="0"/>
+                <a:cs typeface="Courier New" panose="02070309020205020404" pitchFamily="49" charset="0"/>
               </a:rPr>
               <a:t>Конструктори</a:t>
             </a:r>
             <a:r>
-              <a:rPr lang="ru-RU" sz="2400" dirty="0">
-                <a:latin typeface="Times New Roman" panose="02020603050405020304" pitchFamily="18" charset="0"/>
-                <a:cs typeface="Times New Roman" panose="02020603050405020304" pitchFamily="18" charset="0"/>
+              <a:rPr lang="ru-RU" sz="1800" b="1" dirty="0">
+                <a:latin typeface="Courier New" panose="02070309020205020404" pitchFamily="49" charset="0"/>
+                <a:cs typeface="Courier New" panose="02070309020205020404" pitchFamily="49" charset="0"/>
+              </a:rPr>
+              <a:t>  </a:t>
+            </a:r>
+            <a:r>
+              <a:rPr lang="en-US" sz="1800" b="1" dirty="0" err="1">
+                <a:latin typeface="Courier New" panose="02070309020205020404" pitchFamily="49" charset="0"/>
+                <a:cs typeface="Courier New" panose="02070309020205020404" pitchFamily="49" charset="0"/>
+              </a:rPr>
+              <a:t>PriorityQueue</a:t>
+            </a:r>
+            <a:r>
+              <a:rPr lang="ru-RU" sz="1800" b="1" dirty="0">
+                <a:latin typeface="Courier New" panose="02070309020205020404" pitchFamily="49" charset="0"/>
+                <a:cs typeface="Courier New" panose="02070309020205020404" pitchFamily="49" charset="0"/>
               </a:rPr>
               <a:t>:</a:t>
             </a:r>
-            <a:endParaRPr lang="en-US" sz="2400" dirty="0">
-              <a:latin typeface="Times New Roman" panose="02020603050405020304" pitchFamily="18" charset="0"/>
-              <a:cs typeface="Times New Roman" panose="02020603050405020304" pitchFamily="18" charset="0"/>
+          </a:p>
+          <a:p>
+            <a:pPr>
+              <a:buNone/>
+            </a:pPr>
+            <a:endParaRPr lang="en-US" sz="1800" dirty="0">
+              <a:latin typeface="Courier New" panose="02070309020205020404" pitchFamily="49" charset="0"/>
+              <a:cs typeface="Courier New" panose="02070309020205020404" pitchFamily="49" charset="0"/>
             </a:endParaRPr>
           </a:p>
           <a:p>
-            <a:pPr marL="1163638" indent="-436563" algn="just"/>
-            <a:r>
-              <a:rPr lang="en-US" sz="2400" b="1" dirty="0" err="1">
-                <a:latin typeface="Courier New" panose="02070309020205020404" pitchFamily="49" charset="0"/>
-                <a:cs typeface="Courier New" panose="02070309020205020404" pitchFamily="49" charset="0"/>
-              </a:rPr>
-              <a:t>ArrayDeque</a:t>
-            </a:r>
-            <a:r>
-              <a:rPr lang="en-US" sz="2400" b="1" dirty="0">
+            <a:pPr marL="1168400" indent="-444500"/>
+            <a:r>
+              <a:rPr lang="en-US" sz="1800" b="1" dirty="0" err="1">
+                <a:latin typeface="Courier New" panose="02070309020205020404" pitchFamily="49" charset="0"/>
+                <a:cs typeface="Courier New" panose="02070309020205020404" pitchFamily="49" charset="0"/>
+              </a:rPr>
+              <a:t>PriorityQueue</a:t>
+            </a:r>
+            <a:r>
+              <a:rPr lang="en-US" sz="1800" b="1" dirty="0">
                 <a:latin typeface="Courier New" panose="02070309020205020404" pitchFamily="49" charset="0"/>
                 <a:cs typeface="Courier New" panose="02070309020205020404" pitchFamily="49" charset="0"/>
               </a:rPr>
               <a:t>(); </a:t>
             </a:r>
             <a:r>
-              <a:rPr lang="ru-RU" sz="2400" b="1" dirty="0">
-                <a:latin typeface="Courier New" panose="02070309020205020404" pitchFamily="49" charset="0"/>
-                <a:cs typeface="Courier New" panose="02070309020205020404" pitchFamily="49" charset="0"/>
-              </a:rPr>
-              <a:t> </a:t>
-            </a:r>
-            <a:r>
-              <a:rPr lang="en-US" sz="2400" dirty="0">
+              <a:rPr lang="en-US" sz="1800" dirty="0">
                 <a:solidFill>
                   <a:schemeClr val="accent1">
                     <a:lumMod val="75000"/>
@@ -11060,7 +10751,7 @@
               <a:t>// </a:t>
             </a:r>
             <a:r>
-              <a:rPr lang="uk-UA" sz="2400" dirty="0">
+              <a:rPr lang="uk-UA" sz="1800" dirty="0">
                 <a:solidFill>
                   <a:schemeClr val="accent1">
                     <a:lumMod val="75000"/>
@@ -11069,10 +10760,10 @@
                 <a:latin typeface="Courier New" panose="02070309020205020404" pitchFamily="49" charset="0"/>
                 <a:cs typeface="Courier New" panose="02070309020205020404" pitchFamily="49" charset="0"/>
               </a:rPr>
-              <a:t>створює  пусту </a:t>
-            </a:r>
-            <a:r>
-              <a:rPr lang="uk-UA" sz="2400" dirty="0" err="1">
+              <a:t>створює чергу з пріоритетами початковою ємністю 11, яка розміщує елементи відповідно природному порядку сортування</a:t>
+            </a:r>
+            <a:r>
+              <a:rPr lang="ru-RU" sz="1800" dirty="0">
                 <a:solidFill>
                   <a:schemeClr val="accent1">
                     <a:lumMod val="75000"/>
@@ -11081,10 +10772,10 @@
                 <a:latin typeface="Courier New" panose="02070309020205020404" pitchFamily="49" charset="0"/>
                 <a:cs typeface="Courier New" panose="02070309020205020404" pitchFamily="49" charset="0"/>
               </a:rPr>
-              <a:t>двонаправлену</a:t>
-            </a:r>
-            <a:r>
-              <a:rPr lang="uk-UA" sz="2400" dirty="0">
+              <a:t> </a:t>
+            </a:r>
+            <a:r>
+              <a:rPr lang="en-US" sz="1800" dirty="0">
                 <a:solidFill>
                   <a:schemeClr val="accent1">
                     <a:lumMod val="75000"/>
@@ -11093,34 +10784,10 @@
                 <a:latin typeface="Courier New" panose="02070309020205020404" pitchFamily="49" charset="0"/>
                 <a:cs typeface="Courier New" panose="02070309020205020404" pitchFamily="49" charset="0"/>
               </a:rPr>
-              <a:t> чергу з місткістю 16 елементів</a:t>
-            </a:r>
-          </a:p>
-          <a:p>
-            <a:pPr marL="1163638" indent="-436563" algn="just"/>
-            <a:r>
-              <a:rPr lang="en-US" sz="2400" b="1" dirty="0" err="1">
-                <a:latin typeface="Courier New" panose="02070309020205020404" pitchFamily="49" charset="0"/>
-                <a:cs typeface="Courier New" panose="02070309020205020404" pitchFamily="49" charset="0"/>
-              </a:rPr>
-              <a:t>ArrayDeque</a:t>
-            </a:r>
-            <a:r>
-              <a:rPr lang="en-US" sz="2400" b="1" dirty="0">
-                <a:latin typeface="Courier New" panose="02070309020205020404" pitchFamily="49" charset="0"/>
-                <a:cs typeface="Courier New" panose="02070309020205020404" pitchFamily="49" charset="0"/>
-              </a:rPr>
-              <a:t>(Collection&lt;? extends E&gt; c);</a:t>
-            </a:r>
-            <a:r>
-              <a:rPr lang="ru-RU" sz="2400" b="1" dirty="0">
-                <a:latin typeface="Courier New" panose="02070309020205020404" pitchFamily="49" charset="0"/>
-                <a:cs typeface="Courier New" panose="02070309020205020404" pitchFamily="49" charset="0"/>
-              </a:rPr>
-              <a:t> </a:t>
-            </a:r>
-            <a:r>
-              <a:rPr lang="en-US" sz="2400" dirty="0">
+              <a:t>(</a:t>
+            </a:r>
+            <a:r>
+              <a:rPr lang="en-US" sz="1800" b="1" dirty="0">
                 <a:solidFill>
                   <a:schemeClr val="accent1">
                     <a:lumMod val="75000"/>
@@ -11129,10 +10796,10 @@
                 <a:latin typeface="Courier New" panose="02070309020205020404" pitchFamily="49" charset="0"/>
                 <a:cs typeface="Courier New" panose="02070309020205020404" pitchFamily="49" charset="0"/>
               </a:rPr>
-              <a:t>//  </a:t>
-            </a:r>
-            <a:r>
-              <a:rPr lang="uk-UA" sz="2400" dirty="0">
+              <a:t>Comparable</a:t>
+            </a:r>
+            <a:r>
+              <a:rPr lang="en-US" sz="1800" dirty="0">
                 <a:solidFill>
                   <a:schemeClr val="accent1">
                     <a:lumMod val="75000"/>
@@ -11141,342 +10808,235 @@
                 <a:latin typeface="Courier New" panose="02070309020205020404" pitchFamily="49" charset="0"/>
                 <a:cs typeface="Courier New" panose="02070309020205020404" pitchFamily="49" charset="0"/>
               </a:rPr>
-              <a:t>створює </a:t>
-            </a:r>
-            <a:r>
-              <a:rPr lang="uk-UA" sz="2400" dirty="0" err="1">
-                <a:solidFill>
-                  <a:schemeClr val="accent1">
-                    <a:lumMod val="75000"/>
-                  </a:schemeClr>
-                </a:solidFill>
-                <a:latin typeface="Courier New" panose="02070309020205020404" pitchFamily="49" charset="0"/>
-                <a:cs typeface="Courier New" panose="02070309020205020404" pitchFamily="49" charset="0"/>
-              </a:rPr>
-              <a:t>двонаправлену</a:t>
-            </a:r>
-            <a:r>
-              <a:rPr lang="uk-UA" sz="2400" dirty="0">
-                <a:solidFill>
-                  <a:schemeClr val="accent1">
-                    <a:lumMod val="75000"/>
-                  </a:schemeClr>
-                </a:solidFill>
-                <a:latin typeface="Courier New" panose="02070309020205020404" pitchFamily="49" charset="0"/>
-                <a:cs typeface="Courier New" panose="02070309020205020404" pitchFamily="49" charset="0"/>
-              </a:rPr>
-              <a:t> чергу з елементів колекції в тому порядку, в якому вони повертаються </a:t>
-            </a:r>
-            <a:r>
-              <a:rPr lang="uk-UA" sz="2400" dirty="0" err="1">
-                <a:solidFill>
-                  <a:schemeClr val="accent1">
-                    <a:lumMod val="75000"/>
-                  </a:schemeClr>
-                </a:solidFill>
-                <a:latin typeface="Courier New" panose="02070309020205020404" pitchFamily="49" charset="0"/>
-                <a:cs typeface="Courier New" panose="02070309020205020404" pitchFamily="49" charset="0"/>
-              </a:rPr>
-              <a:t>ітератором</a:t>
-            </a:r>
-            <a:r>
-              <a:rPr lang="uk-UA" sz="2400" dirty="0">
-                <a:solidFill>
-                  <a:schemeClr val="accent1">
-                    <a:lumMod val="75000"/>
-                  </a:schemeClr>
-                </a:solidFill>
-                <a:latin typeface="Courier New" panose="02070309020205020404" pitchFamily="49" charset="0"/>
-                <a:cs typeface="Courier New" panose="02070309020205020404" pitchFamily="49" charset="0"/>
-              </a:rPr>
-              <a:t> колекції</a:t>
-            </a:r>
-            <a:r>
-              <a:rPr lang="ru-RU" sz="2400" dirty="0">
-                <a:solidFill>
-                  <a:schemeClr val="accent1">
-                    <a:lumMod val="75000"/>
-                  </a:schemeClr>
-                </a:solidFill>
+              <a:t>).</a:t>
+            </a:r>
+          </a:p>
+          <a:p>
+            <a:pPr marL="1168400" indent="-444500"/>
+            <a:r>
+              <a:rPr lang="en-US" sz="1800" b="1" dirty="0" err="1">
+                <a:latin typeface="Courier New" panose="02070309020205020404" pitchFamily="49" charset="0"/>
+                <a:cs typeface="Courier New" panose="02070309020205020404" pitchFamily="49" charset="0"/>
+              </a:rPr>
+              <a:t>PriorityQueue</a:t>
+            </a:r>
+            <a:r>
+              <a:rPr lang="en-US" sz="1800" b="1" dirty="0">
+                <a:latin typeface="Courier New" panose="02070309020205020404" pitchFamily="49" charset="0"/>
+                <a:cs typeface="Courier New" panose="02070309020205020404" pitchFamily="49" charset="0"/>
+              </a:rPr>
+              <a:t>(Collection&lt;? extends E&gt; c); </a:t>
+            </a:r>
+          </a:p>
+          <a:p>
+            <a:pPr marL="1168400" indent="-444500"/>
+            <a:r>
+              <a:rPr lang="en-US" sz="1800" b="1" dirty="0" err="1">
+                <a:latin typeface="Courier New" panose="02070309020205020404" pitchFamily="49" charset="0"/>
+                <a:cs typeface="Courier New" panose="02070309020205020404" pitchFamily="49" charset="0"/>
+              </a:rPr>
+              <a:t>PriorityQueue</a:t>
+            </a:r>
+            <a:r>
+              <a:rPr lang="en-US" sz="1800" b="1" dirty="0">
+                <a:latin typeface="Courier New" panose="02070309020205020404" pitchFamily="49" charset="0"/>
+                <a:cs typeface="Courier New" panose="02070309020205020404" pitchFamily="49" charset="0"/>
+              </a:rPr>
+              <a:t>(</a:t>
+            </a:r>
+            <a:r>
+              <a:rPr lang="en-US" sz="1800" b="1" dirty="0" err="1">
+                <a:latin typeface="Courier New" panose="02070309020205020404" pitchFamily="49" charset="0"/>
+                <a:cs typeface="Courier New" panose="02070309020205020404" pitchFamily="49" charset="0"/>
+              </a:rPr>
+              <a:t>int</a:t>
+            </a:r>
+            <a:r>
+              <a:rPr lang="en-US" sz="1800" b="1" dirty="0">
                 <a:latin typeface="Courier New" panose="02070309020205020404" pitchFamily="49" charset="0"/>
                 <a:cs typeface="Courier New" panose="02070309020205020404" pitchFamily="49" charset="0"/>
               </a:rPr>
               <a:t> </a:t>
             </a:r>
             <a:r>
-              <a:rPr lang="en-US" sz="2400" b="1" dirty="0">
-                <a:solidFill>
-                  <a:schemeClr val="accent1">
-                    <a:lumMod val="75000"/>
-                  </a:schemeClr>
-                </a:solidFill>
-                <a:latin typeface="Courier New" panose="02070309020205020404" pitchFamily="49" charset="0"/>
-                <a:cs typeface="Courier New" panose="02070309020205020404" pitchFamily="49" charset="0"/>
-              </a:rPr>
-              <a:t>c</a:t>
-            </a:r>
-            <a:r>
-              <a:rPr lang="en-US" sz="2400" dirty="0">
-                <a:solidFill>
-                  <a:schemeClr val="accent1">
-                    <a:lumMod val="75000"/>
-                  </a:schemeClr>
-                </a:solidFill>
-                <a:latin typeface="Courier New" panose="02070309020205020404" pitchFamily="49" charset="0"/>
-                <a:cs typeface="Courier New" panose="02070309020205020404" pitchFamily="49" charset="0"/>
-              </a:rPr>
-              <a:t>.</a:t>
-            </a:r>
-          </a:p>
-          <a:p>
-            <a:pPr marL="1163638" indent="-436563" algn="just"/>
-            <a:r>
-              <a:rPr lang="en-US" sz="2400" b="1" dirty="0" err="1">
-                <a:latin typeface="Courier New" panose="02070309020205020404" pitchFamily="49" charset="0"/>
-                <a:cs typeface="Courier New" panose="02070309020205020404" pitchFamily="49" charset="0"/>
-              </a:rPr>
-              <a:t>ArrayDeque</a:t>
-            </a:r>
-            <a:r>
-              <a:rPr lang="en-US" sz="2400" b="1" dirty="0">
+              <a:rPr lang="en-US" sz="1800" b="1" dirty="0" err="1">
+                <a:latin typeface="Courier New" panose="02070309020205020404" pitchFamily="49" charset="0"/>
+                <a:cs typeface="Courier New" panose="02070309020205020404" pitchFamily="49" charset="0"/>
+              </a:rPr>
+              <a:t>initialCapacity</a:t>
+            </a:r>
+            <a:r>
+              <a:rPr lang="en-US" sz="1800" b="1" dirty="0">
+                <a:latin typeface="Courier New" panose="02070309020205020404" pitchFamily="49" charset="0"/>
+                <a:cs typeface="Courier New" panose="02070309020205020404" pitchFamily="49" charset="0"/>
+              </a:rPr>
+              <a:t>);</a:t>
+            </a:r>
+          </a:p>
+          <a:p>
+            <a:pPr marL="1168400" indent="-444500"/>
+            <a:r>
+              <a:rPr lang="en-US" sz="1800" b="1" dirty="0" err="1">
+                <a:latin typeface="Courier New" panose="02070309020205020404" pitchFamily="49" charset="0"/>
+                <a:cs typeface="Courier New" panose="02070309020205020404" pitchFamily="49" charset="0"/>
+              </a:rPr>
+              <a:t>PriorityQueue</a:t>
+            </a:r>
+            <a:r>
+              <a:rPr lang="en-US" sz="1800" b="1" dirty="0">
                 <a:latin typeface="Courier New" panose="02070309020205020404" pitchFamily="49" charset="0"/>
                 <a:cs typeface="Courier New" panose="02070309020205020404" pitchFamily="49" charset="0"/>
               </a:rPr>
               <a:t>(</a:t>
             </a:r>
             <a:r>
-              <a:rPr lang="en-US" sz="2400" b="1" dirty="0" err="1">
+              <a:rPr lang="en-US" sz="1800" b="1" dirty="0" err="1">
                 <a:latin typeface="Courier New" panose="02070309020205020404" pitchFamily="49" charset="0"/>
                 <a:cs typeface="Courier New" panose="02070309020205020404" pitchFamily="49" charset="0"/>
               </a:rPr>
               <a:t>int</a:t>
             </a:r>
             <a:r>
-              <a:rPr lang="en-US" sz="2400" b="1" dirty="0">
+              <a:rPr lang="en-US" sz="1800" b="1" dirty="0">
                 <a:latin typeface="Courier New" panose="02070309020205020404" pitchFamily="49" charset="0"/>
                 <a:cs typeface="Courier New" panose="02070309020205020404" pitchFamily="49" charset="0"/>
               </a:rPr>
               <a:t> </a:t>
             </a:r>
             <a:r>
-              <a:rPr lang="en-US" sz="2400" b="1" dirty="0" err="1">
-                <a:latin typeface="Courier New" panose="02070309020205020404" pitchFamily="49" charset="0"/>
-                <a:cs typeface="Courier New" panose="02070309020205020404" pitchFamily="49" charset="0"/>
-              </a:rPr>
-              <a:t>numElements</a:t>
-            </a:r>
-            <a:r>
-              <a:rPr lang="en-US" sz="2400" b="1" dirty="0">
-                <a:latin typeface="Courier New" panose="02070309020205020404" pitchFamily="49" charset="0"/>
-                <a:cs typeface="Courier New" panose="02070309020205020404" pitchFamily="49" charset="0"/>
-              </a:rPr>
-              <a:t>); </a:t>
-            </a:r>
-            <a:r>
-              <a:rPr lang="ru-RU" sz="2400" b="1" dirty="0">
-                <a:latin typeface="Courier New" panose="02070309020205020404" pitchFamily="49" charset="0"/>
-                <a:cs typeface="Courier New" panose="02070309020205020404" pitchFamily="49" charset="0"/>
-              </a:rPr>
-              <a:t> </a:t>
-            </a:r>
-            <a:r>
-              <a:rPr lang="en-US" sz="2400" dirty="0">
-                <a:solidFill>
-                  <a:schemeClr val="accent1">
-                    <a:lumMod val="75000"/>
-                  </a:schemeClr>
-                </a:solidFill>
-                <a:latin typeface="Courier New" panose="02070309020205020404" pitchFamily="49" charset="0"/>
-                <a:cs typeface="Courier New" panose="02070309020205020404" pitchFamily="49" charset="0"/>
-              </a:rPr>
-              <a:t>// </a:t>
-            </a:r>
-            <a:r>
-              <a:rPr lang="uk-UA" sz="2400" dirty="0">
-                <a:solidFill>
-                  <a:schemeClr val="accent1">
-                    <a:lumMod val="75000"/>
-                  </a:schemeClr>
-                </a:solidFill>
-                <a:latin typeface="Courier New" panose="02070309020205020404" pitchFamily="49" charset="0"/>
-                <a:cs typeface="Courier New" panose="02070309020205020404" pitchFamily="49" charset="0"/>
-              </a:rPr>
-              <a:t>створює пусту </a:t>
-            </a:r>
-            <a:r>
-              <a:rPr lang="uk-UA" sz="2400" dirty="0" err="1">
-                <a:solidFill>
-                  <a:schemeClr val="accent1">
-                    <a:lumMod val="75000"/>
-                  </a:schemeClr>
-                </a:solidFill>
-                <a:latin typeface="Courier New" panose="02070309020205020404" pitchFamily="49" charset="0"/>
-                <a:cs typeface="Courier New" panose="02070309020205020404" pitchFamily="49" charset="0"/>
-              </a:rPr>
-              <a:t>двонаправлену</a:t>
-            </a:r>
-            <a:r>
-              <a:rPr lang="uk-UA" sz="2400" dirty="0">
-                <a:solidFill>
-                  <a:schemeClr val="accent1">
-                    <a:lumMod val="75000"/>
-                  </a:schemeClr>
-                </a:solidFill>
-                <a:latin typeface="Courier New" panose="02070309020205020404" pitchFamily="49" charset="0"/>
-                <a:cs typeface="Courier New" panose="02070309020205020404" pitchFamily="49" charset="0"/>
-              </a:rPr>
-              <a:t> чергу з місткістю</a:t>
-            </a:r>
-            <a:r>
-              <a:rPr lang="ru-RU" sz="2400" dirty="0">
-                <a:solidFill>
-                  <a:schemeClr val="accent1">
-                    <a:lumMod val="75000"/>
-                  </a:schemeClr>
-                </a:solidFill>
-                <a:latin typeface="Courier New" panose="02070309020205020404" pitchFamily="49" charset="0"/>
-                <a:cs typeface="Courier New" panose="02070309020205020404" pitchFamily="49" charset="0"/>
-              </a:rPr>
-              <a:t> </a:t>
-            </a:r>
-            <a:r>
-              <a:rPr lang="en-US" sz="2400" b="1" dirty="0" err="1">
-                <a:solidFill>
-                  <a:schemeClr val="accent1">
-                    <a:lumMod val="75000"/>
-                  </a:schemeClr>
-                </a:solidFill>
-                <a:latin typeface="Courier New" panose="02070309020205020404" pitchFamily="49" charset="0"/>
-                <a:cs typeface="Courier New" panose="02070309020205020404" pitchFamily="49" charset="0"/>
-              </a:rPr>
-              <a:t>numElements</a:t>
-            </a:r>
-            <a:r>
-              <a:rPr lang="en-US" sz="2400" dirty="0">
-                <a:solidFill>
-                  <a:schemeClr val="accent1">
-                    <a:lumMod val="75000"/>
-                  </a:schemeClr>
-                </a:solidFill>
-                <a:latin typeface="Courier New" panose="02070309020205020404" pitchFamily="49" charset="0"/>
-                <a:cs typeface="Courier New" panose="02070309020205020404" pitchFamily="49" charset="0"/>
-              </a:rPr>
-              <a:t>.</a:t>
-            </a:r>
-          </a:p>
-          <a:p>
-            <a:endParaRPr lang="en-US" sz="2400" dirty="0">
-              <a:latin typeface="Times New Roman" panose="02020603050405020304" pitchFamily="18" charset="0"/>
-              <a:cs typeface="Times New Roman" panose="02020603050405020304" pitchFamily="18" charset="0"/>
-            </a:endParaRPr>
-          </a:p>
-          <a:p>
-            <a:endParaRPr lang="en-US" sz="2400" dirty="0">
-              <a:latin typeface="Times New Roman" panose="02020603050405020304" pitchFamily="18" charset="0"/>
-              <a:cs typeface="Times New Roman" panose="02020603050405020304" pitchFamily="18" charset="0"/>
-            </a:endParaRPr>
+              <a:rPr lang="en-US" sz="1800" b="1" dirty="0" err="1">
+                <a:latin typeface="Courier New" panose="02070309020205020404" pitchFamily="49" charset="0"/>
+                <a:cs typeface="Courier New" panose="02070309020205020404" pitchFamily="49" charset="0"/>
+              </a:rPr>
+              <a:t>initialCapacity</a:t>
+            </a:r>
+            <a:r>
+              <a:rPr lang="en-US" sz="1800" b="1" dirty="0">
+                <a:latin typeface="Courier New" panose="02070309020205020404" pitchFamily="49" charset="0"/>
+                <a:cs typeface="Courier New" panose="02070309020205020404" pitchFamily="49" charset="0"/>
+              </a:rPr>
+              <a:t>, Comparator&lt;? super E&gt; comparator); </a:t>
+            </a:r>
+          </a:p>
+          <a:p>
+            <a:pPr marL="1168400" indent="-444500"/>
+            <a:r>
+              <a:rPr lang="en-US" sz="1800" b="1" dirty="0" err="1">
+                <a:latin typeface="Courier New" panose="02070309020205020404" pitchFamily="49" charset="0"/>
+                <a:cs typeface="Courier New" panose="02070309020205020404" pitchFamily="49" charset="0"/>
+              </a:rPr>
+              <a:t>PriorityQueue</a:t>
+            </a:r>
+            <a:r>
+              <a:rPr lang="en-US" sz="1800" b="1" dirty="0">
+                <a:latin typeface="Courier New" panose="02070309020205020404" pitchFamily="49" charset="0"/>
+                <a:cs typeface="Courier New" panose="02070309020205020404" pitchFamily="49" charset="0"/>
+              </a:rPr>
+              <a:t>(</a:t>
+            </a:r>
+            <a:r>
+              <a:rPr lang="en-US" sz="1800" b="1" dirty="0" err="1">
+                <a:latin typeface="Courier New" panose="02070309020205020404" pitchFamily="49" charset="0"/>
+                <a:cs typeface="Courier New" panose="02070309020205020404" pitchFamily="49" charset="0"/>
+              </a:rPr>
+              <a:t>PriorityQueue</a:t>
+            </a:r>
+            <a:r>
+              <a:rPr lang="en-US" sz="1800" b="1" dirty="0">
+                <a:latin typeface="Courier New" panose="02070309020205020404" pitchFamily="49" charset="0"/>
+                <a:cs typeface="Courier New" panose="02070309020205020404" pitchFamily="49" charset="0"/>
+              </a:rPr>
+              <a:t>&lt;? extends E&gt; c);</a:t>
+            </a:r>
+          </a:p>
+          <a:p>
+            <a:pPr marL="1168400" indent="-444500"/>
+            <a:r>
+              <a:rPr lang="en-US" sz="1800" b="1" dirty="0" err="1">
+                <a:latin typeface="Courier New" panose="02070309020205020404" pitchFamily="49" charset="0"/>
+                <a:cs typeface="Courier New" panose="02070309020205020404" pitchFamily="49" charset="0"/>
+              </a:rPr>
+              <a:t>PriorityQueue</a:t>
+            </a:r>
+            <a:r>
+              <a:rPr lang="en-US" sz="1800" b="1" dirty="0">
+                <a:latin typeface="Courier New" panose="02070309020205020404" pitchFamily="49" charset="0"/>
+                <a:cs typeface="Courier New" panose="02070309020205020404" pitchFamily="49" charset="0"/>
+              </a:rPr>
+              <a:t>(</a:t>
+            </a:r>
+            <a:r>
+              <a:rPr lang="en-US" sz="1800" b="1" dirty="0" err="1">
+                <a:latin typeface="Courier New" panose="02070309020205020404" pitchFamily="49" charset="0"/>
+                <a:cs typeface="Courier New" panose="02070309020205020404" pitchFamily="49" charset="0"/>
+              </a:rPr>
+              <a:t>SortedSet</a:t>
+            </a:r>
+            <a:r>
+              <a:rPr lang="en-US" sz="1800" b="1" dirty="0">
+                <a:latin typeface="Courier New" panose="02070309020205020404" pitchFamily="49" charset="0"/>
+                <a:cs typeface="Courier New" panose="02070309020205020404" pitchFamily="49" charset="0"/>
+              </a:rPr>
+              <a:t>&lt;? extends E&gt; c);</a:t>
+            </a:r>
           </a:p>
         </p:txBody>
       </p:sp>
       <p:sp>
         <p:nvSpPr>
-          <p:cNvPr id="5" name="Номер слайда 4"/>
+          <p:cNvPr id="7" name="Заголовок 1">
+            <a:extLst>
+              <a:ext uri="{FF2B5EF4-FFF2-40B4-BE49-F238E27FC236}">
+                <a16:creationId xmlns:a16="http://schemas.microsoft.com/office/drawing/2014/main" id="{AD22F9A0-027B-4AD4-9F9C-183FAE98D945}"/>
+              </a:ext>
+            </a:extLst>
+          </p:cNvPr>
           <p:cNvSpPr>
             <a:spLocks noGrp="1"/>
           </p:cNvSpPr>
           <p:nvPr>
-            <p:ph type="sldNum" sz="quarter" idx="11"/>
+            <p:ph type="title"/>
           </p:nvPr>
-        </p:nvSpPr>
-        <p:spPr/>
-        <p:txBody>
-          <a:bodyPr/>
-          <a:lstStyle/>
-          <a:p>
-            <a:endParaRPr lang="en-US" dirty="0"/>
-          </a:p>
-        </p:txBody>
-      </p:sp>
-      <p:sp>
-        <p:nvSpPr>
-          <p:cNvPr id="6" name="Заголовок 1">
-            <a:extLst>
-              <a:ext uri="{FF2B5EF4-FFF2-40B4-BE49-F238E27FC236}">
-                <a16:creationId xmlns:a16="http://schemas.microsoft.com/office/drawing/2014/main" id="{DC21B0EE-8C68-411E-80E4-B9EF293935D7}"/>
-              </a:ext>
-            </a:extLst>
-          </p:cNvPr>
-          <p:cNvSpPr txBox="1">
-            <a:spLocks/>
-          </p:cNvSpPr>
-          <p:nvPr/>
         </p:nvSpPr>
         <p:spPr>
           <a:xfrm>
             <a:off x="0" y="1"/>
-            <a:ext cx="12192000" cy="952106"/>
+            <a:ext cx="12192000" cy="961533"/>
           </a:xfrm>
-          <a:prstGeom prst="rect">
-            <a:avLst/>
-          </a:prstGeom>
         </p:spPr>
         <p:txBody>
-          <a:bodyPr vert="horz" lIns="91440" tIns="45720" rIns="91440" bIns="45720" rtlCol="0" anchor="ctr">
-            <a:normAutofit/>
-          </a:bodyPr>
-          <a:lstStyle>
-            <a:lvl1pPr algn="l" defTabSz="914400" rtl="0" eaLnBrk="1" latinLnBrk="0" hangingPunct="1">
-              <a:lnSpc>
-                <a:spcPct val="90000"/>
-              </a:lnSpc>
-              <a:spcBef>
-                <a:spcPct val="0"/>
-              </a:spcBef>
-              <a:buNone/>
-              <a:defRPr sz="4400" kern="1200">
-                <a:solidFill>
-                  <a:schemeClr val="tx1"/>
-                </a:solidFill>
-                <a:latin typeface="+mj-lt"/>
-                <a:ea typeface="+mj-ea"/>
-                <a:cs typeface="+mj-cs"/>
-              </a:defRPr>
-            </a:lvl1pPr>
-          </a:lstStyle>
+          <a:bodyPr/>
+          <a:lstStyle/>
           <a:p>
             <a:pPr algn="ctr"/>
             <a:r>
+              <a:rPr lang="en-US" dirty="0" err="1">
+                <a:latin typeface="Times New Roman" panose="02020603050405020304" pitchFamily="18" charset="0"/>
+                <a:cs typeface="Times New Roman" panose="02020603050405020304" pitchFamily="18" charset="0"/>
+              </a:rPr>
+              <a:t>PriorityQueue</a:t>
+            </a:r>
+            <a:r>
+              <a:rPr lang="en-US" dirty="0">
+                <a:latin typeface="Times New Roman" panose="02020603050405020304" pitchFamily="18" charset="0"/>
+                <a:cs typeface="Times New Roman" panose="02020603050405020304" pitchFamily="18" charset="0"/>
+              </a:rPr>
+              <a:t>. </a:t>
+            </a:r>
+            <a:r>
               <a:rPr lang="uk-UA" dirty="0">
                 <a:latin typeface="Times New Roman" panose="02020603050405020304" pitchFamily="18" charset="0"/>
                 <a:cs typeface="Times New Roman" panose="02020603050405020304" pitchFamily="18" charset="0"/>
               </a:rPr>
-              <a:t>Черги</a:t>
-            </a:r>
-            <a:r>
-              <a:rPr lang="ru-RU" dirty="0">
-                <a:latin typeface="Times New Roman" panose="02020603050405020304" pitchFamily="18" charset="0"/>
-                <a:cs typeface="Times New Roman" panose="02020603050405020304" pitchFamily="18" charset="0"/>
-              </a:rPr>
-              <a:t> </a:t>
-            </a:r>
-            <a:r>
-              <a:rPr lang="pl-PL" dirty="0">
-                <a:latin typeface="Times New Roman" panose="02020603050405020304" pitchFamily="18" charset="0"/>
-                <a:cs typeface="Times New Roman" panose="02020603050405020304" pitchFamily="18" charset="0"/>
-              </a:rPr>
-              <a:t>Queue</a:t>
-            </a:r>
-            <a:endParaRPr lang="en-US" dirty="0">
-              <a:latin typeface="Times New Roman" panose="02020603050405020304" pitchFamily="18" charset="0"/>
-              <a:cs typeface="Times New Roman" panose="02020603050405020304" pitchFamily="18" charset="0"/>
-            </a:endParaRPr>
+              <a:t>Конструктори</a:t>
+            </a:r>
           </a:p>
         </p:txBody>
       </p:sp>
     </p:spTree>
     <p:extLst>
       <p:ext uri="{BB962C8B-B14F-4D97-AF65-F5344CB8AC3E}">
-        <p14:creationId xmlns:p14="http://schemas.microsoft.com/office/powerpoint/2010/main" val="3095470511"/>
+        <p14:creationId xmlns:p14="http://schemas.microsoft.com/office/powerpoint/2010/main" val="1331912459"/>
       </p:ext>
     </p:extLst>
   </p:cSld>
@@ -11516,6 +11076,3258 @@
         <p:spPr>
           <a:xfrm>
             <a:off x="0" y="1"/>
+            <a:ext cx="12192000" cy="725863"/>
+          </a:xfrm>
+        </p:spPr>
+        <p:txBody>
+          <a:bodyPr/>
+          <a:lstStyle/>
+          <a:p>
+            <a:pPr algn="ctr"/>
+            <a:r>
+              <a:rPr lang="uk-UA" dirty="0">
+                <a:latin typeface="Times New Roman" panose="02020603050405020304" pitchFamily="18" charset="0"/>
+                <a:cs typeface="Times New Roman" panose="02020603050405020304" pitchFamily="18" charset="0"/>
+              </a:rPr>
+              <a:t>Черги</a:t>
+            </a:r>
+            <a:r>
+              <a:rPr lang="ru-RU" dirty="0">
+                <a:latin typeface="Times New Roman" panose="02020603050405020304" pitchFamily="18" charset="0"/>
+                <a:cs typeface="Times New Roman" panose="02020603050405020304" pitchFamily="18" charset="0"/>
+              </a:rPr>
+              <a:t> </a:t>
+            </a:r>
+            <a:r>
+              <a:rPr lang="pl-PL" dirty="0">
+                <a:latin typeface="Times New Roman" panose="02020603050405020304" pitchFamily="18" charset="0"/>
+                <a:cs typeface="Times New Roman" panose="02020603050405020304" pitchFamily="18" charset="0"/>
+              </a:rPr>
+              <a:t>Queue</a:t>
+            </a:r>
+            <a:r>
+              <a:rPr lang="ru-RU" dirty="0">
+                <a:latin typeface="Times New Roman" panose="02020603050405020304" pitchFamily="18" charset="0"/>
+                <a:cs typeface="Times New Roman" panose="02020603050405020304" pitchFamily="18" charset="0"/>
+              </a:rPr>
+              <a:t>. </a:t>
+            </a:r>
+            <a:r>
+              <a:rPr lang="uk-UA" dirty="0">
+                <a:latin typeface="Times New Roman" panose="02020603050405020304" pitchFamily="18" charset="0"/>
+                <a:cs typeface="Times New Roman" panose="02020603050405020304" pitchFamily="18" charset="0"/>
+              </a:rPr>
+              <a:t>Приклад</a:t>
+            </a:r>
+            <a:endParaRPr lang="en-US" dirty="0">
+              <a:latin typeface="Times New Roman" panose="02020603050405020304" pitchFamily="18" charset="0"/>
+              <a:cs typeface="Times New Roman" panose="02020603050405020304" pitchFamily="18" charset="0"/>
+            </a:endParaRPr>
+          </a:p>
+        </p:txBody>
+      </p:sp>
+      <p:sp>
+        <p:nvSpPr>
+          <p:cNvPr id="5" name="Номер слайда 4"/>
+          <p:cNvSpPr>
+            <a:spLocks noGrp="1"/>
+          </p:cNvSpPr>
+          <p:nvPr>
+            <p:ph type="sldNum" sz="quarter" idx="11"/>
+          </p:nvPr>
+        </p:nvSpPr>
+        <p:spPr/>
+        <p:txBody>
+          <a:bodyPr/>
+          <a:lstStyle/>
+          <a:p>
+            <a:endParaRPr lang="en-US" dirty="0"/>
+          </a:p>
+        </p:txBody>
+      </p:sp>
+      <p:sp>
+        <p:nvSpPr>
+          <p:cNvPr id="112641" name="Rectangle 1"/>
+          <p:cNvSpPr>
+            <a:spLocks noChangeArrowheads="1"/>
+          </p:cNvSpPr>
+          <p:nvPr/>
+        </p:nvSpPr>
+        <p:spPr bwMode="auto">
+          <a:xfrm>
+            <a:off x="1313416" y="1031815"/>
+            <a:ext cx="9565167" cy="5324535"/>
+          </a:xfrm>
+          <a:prstGeom prst="rect">
+            <a:avLst/>
+          </a:prstGeom>
+          <a:solidFill>
+            <a:schemeClr val="bg1">
+              <a:lumMod val="95000"/>
+            </a:schemeClr>
+          </a:solidFill>
+          <a:ln w="9525">
+            <a:noFill/>
+            <a:miter lim="800000"/>
+            <a:headEnd/>
+            <a:tailEnd/>
+          </a:ln>
+          <a:effectLst/>
+        </p:spPr>
+        <p:txBody>
+          <a:bodyPr vert="horz" wrap="square" lIns="91440" tIns="45720" rIns="91440" bIns="45720" numCol="1" anchor="ctr" anchorCtr="0" compatLnSpc="1">
+            <a:prstTxWarp prst="textNoShape">
+              <a:avLst/>
+            </a:prstTxWarp>
+            <a:spAutoFit/>
+          </a:bodyPr>
+          <a:lstStyle/>
+          <a:p>
+            <a:pPr fontAlgn="base">
+              <a:spcBef>
+                <a:spcPct val="0"/>
+              </a:spcBef>
+              <a:spcAft>
+                <a:spcPct val="0"/>
+              </a:spcAft>
+            </a:pPr>
+            <a:r>
+              <a:rPr lang="en-US" sz="2000" b="1" dirty="0">
+                <a:solidFill>
+                  <a:srgbClr val="7F0055"/>
+                </a:solidFill>
+                <a:latin typeface="Courier New" pitchFamily="49" charset="0"/>
+                <a:ea typeface="Calibri" pitchFamily="34" charset="0"/>
+                <a:cs typeface="Courier New" pitchFamily="49" charset="0"/>
+              </a:rPr>
+              <a:t>package</a:t>
+            </a:r>
+            <a:r>
+              <a:rPr lang="en-US" sz="2000" dirty="0">
+                <a:solidFill>
+                  <a:srgbClr val="000000"/>
+                </a:solidFill>
+                <a:latin typeface="Courier New" pitchFamily="49" charset="0"/>
+                <a:ea typeface="Calibri" pitchFamily="34" charset="0"/>
+                <a:cs typeface="Courier New" pitchFamily="49" charset="0"/>
+              </a:rPr>
+              <a:t> _java._</a:t>
+            </a:r>
+            <a:r>
+              <a:rPr lang="en-US" sz="2000" dirty="0" err="1">
+                <a:solidFill>
+                  <a:srgbClr val="000000"/>
+                </a:solidFill>
+                <a:latin typeface="Courier New" pitchFamily="49" charset="0"/>
+                <a:ea typeface="Calibri" pitchFamily="34" charset="0"/>
+                <a:cs typeface="Courier New" pitchFamily="49" charset="0"/>
+              </a:rPr>
+              <a:t>se.queue</a:t>
+            </a:r>
+            <a:r>
+              <a:rPr lang="en-US" sz="2000" dirty="0">
+                <a:solidFill>
+                  <a:srgbClr val="000000"/>
+                </a:solidFill>
+                <a:latin typeface="Courier New" pitchFamily="49" charset="0"/>
+                <a:ea typeface="Calibri" pitchFamily="34" charset="0"/>
+                <a:cs typeface="Courier New" pitchFamily="49" charset="0"/>
+              </a:rPr>
+              <a:t>;</a:t>
+            </a:r>
+            <a:endParaRPr lang="en-US" sz="2000" dirty="0">
+              <a:latin typeface="Arial" pitchFamily="34" charset="0"/>
+              <a:cs typeface="Arial" pitchFamily="34" charset="0"/>
+            </a:endParaRPr>
+          </a:p>
+          <a:p>
+            <a:pPr eaLnBrk="0" fontAlgn="base" hangingPunct="0">
+              <a:spcBef>
+                <a:spcPct val="0"/>
+              </a:spcBef>
+              <a:spcAft>
+                <a:spcPct val="0"/>
+              </a:spcAft>
+            </a:pPr>
+            <a:r>
+              <a:rPr lang="en-US" sz="2000" b="1" dirty="0">
+                <a:solidFill>
+                  <a:srgbClr val="7F0055"/>
+                </a:solidFill>
+                <a:latin typeface="Courier New" pitchFamily="49" charset="0"/>
+                <a:ea typeface="Calibri" pitchFamily="34" charset="0"/>
+                <a:cs typeface="Courier New" pitchFamily="49" charset="0"/>
+              </a:rPr>
+              <a:t>import</a:t>
+            </a:r>
+            <a:r>
+              <a:rPr lang="en-US" sz="2000" dirty="0">
+                <a:solidFill>
+                  <a:srgbClr val="000000"/>
+                </a:solidFill>
+                <a:latin typeface="Courier New" pitchFamily="49" charset="0"/>
+                <a:ea typeface="Calibri" pitchFamily="34" charset="0"/>
+                <a:cs typeface="Courier New" pitchFamily="49" charset="0"/>
+              </a:rPr>
+              <a:t> </a:t>
+            </a:r>
+            <a:r>
+              <a:rPr lang="en-US" sz="2000" dirty="0" err="1">
+                <a:solidFill>
+                  <a:srgbClr val="000000"/>
+                </a:solidFill>
+                <a:latin typeface="Courier New" pitchFamily="49" charset="0"/>
+                <a:ea typeface="Calibri" pitchFamily="34" charset="0"/>
+                <a:cs typeface="Courier New" pitchFamily="49" charset="0"/>
+              </a:rPr>
+              <a:t>java.util.Collections</a:t>
+            </a:r>
+            <a:r>
+              <a:rPr lang="en-US" sz="2000" dirty="0">
+                <a:solidFill>
+                  <a:srgbClr val="000000"/>
+                </a:solidFill>
+                <a:latin typeface="Courier New" pitchFamily="49" charset="0"/>
+                <a:ea typeface="Calibri" pitchFamily="34" charset="0"/>
+                <a:cs typeface="Courier New" pitchFamily="49" charset="0"/>
+              </a:rPr>
+              <a:t>;</a:t>
+            </a:r>
+            <a:endParaRPr lang="en-US" sz="2000" dirty="0">
+              <a:latin typeface="Arial" pitchFamily="34" charset="0"/>
+              <a:cs typeface="Arial" pitchFamily="34" charset="0"/>
+            </a:endParaRPr>
+          </a:p>
+          <a:p>
+            <a:pPr eaLnBrk="0" fontAlgn="base" hangingPunct="0">
+              <a:spcBef>
+                <a:spcPct val="0"/>
+              </a:spcBef>
+              <a:spcAft>
+                <a:spcPct val="0"/>
+              </a:spcAft>
+            </a:pPr>
+            <a:r>
+              <a:rPr lang="en-US" sz="2000" b="1" dirty="0">
+                <a:solidFill>
+                  <a:srgbClr val="7F0055"/>
+                </a:solidFill>
+                <a:latin typeface="Courier New" pitchFamily="49" charset="0"/>
+                <a:ea typeface="Calibri" pitchFamily="34" charset="0"/>
+                <a:cs typeface="Courier New" pitchFamily="49" charset="0"/>
+              </a:rPr>
+              <a:t>import</a:t>
+            </a:r>
+            <a:r>
+              <a:rPr lang="en-US" sz="2000" dirty="0">
+                <a:solidFill>
+                  <a:srgbClr val="000000"/>
+                </a:solidFill>
+                <a:latin typeface="Courier New" pitchFamily="49" charset="0"/>
+                <a:ea typeface="Calibri" pitchFamily="34" charset="0"/>
+                <a:cs typeface="Courier New" pitchFamily="49" charset="0"/>
+              </a:rPr>
+              <a:t> </a:t>
+            </a:r>
+            <a:r>
+              <a:rPr lang="en-US" sz="2000" dirty="0" err="1">
+                <a:solidFill>
+                  <a:srgbClr val="000000"/>
+                </a:solidFill>
+                <a:latin typeface="Courier New" pitchFamily="49" charset="0"/>
+                <a:ea typeface="Calibri" pitchFamily="34" charset="0"/>
+                <a:cs typeface="Courier New" pitchFamily="49" charset="0"/>
+              </a:rPr>
+              <a:t>java.util.PriorityQueue</a:t>
+            </a:r>
+            <a:r>
+              <a:rPr lang="en-US" sz="2000" dirty="0">
+                <a:solidFill>
+                  <a:srgbClr val="000000"/>
+                </a:solidFill>
+                <a:latin typeface="Courier New" pitchFamily="49" charset="0"/>
+                <a:ea typeface="Calibri" pitchFamily="34" charset="0"/>
+                <a:cs typeface="Courier New" pitchFamily="49" charset="0"/>
+              </a:rPr>
+              <a:t>;</a:t>
+            </a:r>
+            <a:endParaRPr lang="en-US" sz="2000" dirty="0">
+              <a:latin typeface="Arial" pitchFamily="34" charset="0"/>
+              <a:cs typeface="Arial" pitchFamily="34" charset="0"/>
+            </a:endParaRPr>
+          </a:p>
+          <a:p>
+            <a:pPr eaLnBrk="0" fontAlgn="base" hangingPunct="0">
+              <a:spcBef>
+                <a:spcPct val="0"/>
+              </a:spcBef>
+              <a:spcAft>
+                <a:spcPct val="0"/>
+              </a:spcAft>
+            </a:pPr>
+            <a:r>
+              <a:rPr lang="en-US" sz="2000" b="1" dirty="0">
+                <a:solidFill>
+                  <a:srgbClr val="7F0055"/>
+                </a:solidFill>
+                <a:latin typeface="Courier New" pitchFamily="49" charset="0"/>
+                <a:ea typeface="Calibri" pitchFamily="34" charset="0"/>
+                <a:cs typeface="Courier New" pitchFamily="49" charset="0"/>
+              </a:rPr>
+              <a:t>public</a:t>
+            </a:r>
+            <a:r>
+              <a:rPr lang="en-US" sz="2000" dirty="0">
+                <a:solidFill>
+                  <a:srgbClr val="000000"/>
+                </a:solidFill>
+                <a:latin typeface="Courier New" pitchFamily="49" charset="0"/>
+                <a:ea typeface="Calibri" pitchFamily="34" charset="0"/>
+                <a:cs typeface="Courier New" pitchFamily="49" charset="0"/>
+              </a:rPr>
+              <a:t> </a:t>
+            </a:r>
+            <a:r>
+              <a:rPr lang="en-US" sz="2000" b="1" dirty="0">
+                <a:solidFill>
+                  <a:srgbClr val="7F0055"/>
+                </a:solidFill>
+                <a:latin typeface="Courier New" pitchFamily="49" charset="0"/>
+                <a:ea typeface="Calibri" pitchFamily="34" charset="0"/>
+                <a:cs typeface="Courier New" pitchFamily="49" charset="0"/>
+              </a:rPr>
+              <a:t>class</a:t>
+            </a:r>
+            <a:r>
+              <a:rPr lang="en-US" sz="2000" dirty="0">
+                <a:solidFill>
+                  <a:srgbClr val="000000"/>
+                </a:solidFill>
+                <a:latin typeface="Courier New" pitchFamily="49" charset="0"/>
+                <a:ea typeface="Calibri" pitchFamily="34" charset="0"/>
+                <a:cs typeface="Courier New" pitchFamily="49" charset="0"/>
+              </a:rPr>
+              <a:t> </a:t>
+            </a:r>
+            <a:r>
+              <a:rPr lang="en-US" sz="2000" dirty="0" err="1">
+                <a:solidFill>
+                  <a:srgbClr val="000000"/>
+                </a:solidFill>
+                <a:latin typeface="Courier New" pitchFamily="49" charset="0"/>
+                <a:ea typeface="Calibri" pitchFamily="34" charset="0"/>
+                <a:cs typeface="Courier New" pitchFamily="49" charset="0"/>
+              </a:rPr>
+              <a:t>PriorityQueueExample</a:t>
+            </a:r>
+            <a:r>
+              <a:rPr lang="en-US" sz="2000" dirty="0">
+                <a:solidFill>
+                  <a:srgbClr val="000000"/>
+                </a:solidFill>
+                <a:latin typeface="Courier New" pitchFamily="49" charset="0"/>
+                <a:ea typeface="Calibri" pitchFamily="34" charset="0"/>
+                <a:cs typeface="Courier New" pitchFamily="49" charset="0"/>
+              </a:rPr>
+              <a:t> {</a:t>
+            </a:r>
+            <a:endParaRPr lang="en-US" sz="2000" dirty="0">
+              <a:latin typeface="Arial" pitchFamily="34" charset="0"/>
+              <a:cs typeface="Arial" pitchFamily="34" charset="0"/>
+            </a:endParaRPr>
+          </a:p>
+          <a:p>
+            <a:pPr eaLnBrk="0" fontAlgn="base" hangingPunct="0">
+              <a:spcBef>
+                <a:spcPct val="0"/>
+              </a:spcBef>
+              <a:spcAft>
+                <a:spcPct val="0"/>
+              </a:spcAft>
+            </a:pPr>
+            <a:r>
+              <a:rPr lang="ru-RU" sz="2000" b="1" dirty="0">
+                <a:solidFill>
+                  <a:srgbClr val="7F0055"/>
+                </a:solidFill>
+                <a:latin typeface="Courier New" pitchFamily="49" charset="0"/>
+                <a:ea typeface="Calibri" pitchFamily="34" charset="0"/>
+                <a:cs typeface="Courier New" pitchFamily="49" charset="0"/>
+              </a:rPr>
+              <a:t>  </a:t>
+            </a:r>
+            <a:r>
+              <a:rPr lang="en-US" sz="2000" b="1" dirty="0">
+                <a:solidFill>
+                  <a:srgbClr val="7F0055"/>
+                </a:solidFill>
+                <a:latin typeface="Courier New" pitchFamily="49" charset="0"/>
+                <a:ea typeface="Calibri" pitchFamily="34" charset="0"/>
+                <a:cs typeface="Courier New" pitchFamily="49" charset="0"/>
+              </a:rPr>
+              <a:t>public</a:t>
+            </a:r>
+            <a:r>
+              <a:rPr lang="en-US" sz="2000" dirty="0">
+                <a:solidFill>
+                  <a:srgbClr val="000000"/>
+                </a:solidFill>
+                <a:latin typeface="Courier New" pitchFamily="49" charset="0"/>
+                <a:ea typeface="Calibri" pitchFamily="34" charset="0"/>
+                <a:cs typeface="Courier New" pitchFamily="49" charset="0"/>
+              </a:rPr>
+              <a:t> </a:t>
+            </a:r>
+            <a:r>
+              <a:rPr lang="en-US" sz="2000" b="1" dirty="0">
+                <a:solidFill>
+                  <a:srgbClr val="7F0055"/>
+                </a:solidFill>
+                <a:latin typeface="Courier New" pitchFamily="49" charset="0"/>
+                <a:ea typeface="Calibri" pitchFamily="34" charset="0"/>
+                <a:cs typeface="Courier New" pitchFamily="49" charset="0"/>
+              </a:rPr>
+              <a:t>static</a:t>
+            </a:r>
+            <a:r>
+              <a:rPr lang="en-US" sz="2000" dirty="0">
+                <a:solidFill>
+                  <a:srgbClr val="000000"/>
+                </a:solidFill>
+                <a:latin typeface="Courier New" pitchFamily="49" charset="0"/>
+                <a:ea typeface="Calibri" pitchFamily="34" charset="0"/>
+                <a:cs typeface="Courier New" pitchFamily="49" charset="0"/>
+              </a:rPr>
+              <a:t> </a:t>
+            </a:r>
+            <a:r>
+              <a:rPr lang="en-US" sz="2000" b="1" dirty="0">
+                <a:solidFill>
+                  <a:srgbClr val="7F0055"/>
+                </a:solidFill>
+                <a:latin typeface="Courier New" pitchFamily="49" charset="0"/>
+                <a:ea typeface="Calibri" pitchFamily="34" charset="0"/>
+                <a:cs typeface="Courier New" pitchFamily="49" charset="0"/>
+              </a:rPr>
+              <a:t>void</a:t>
+            </a:r>
+            <a:r>
+              <a:rPr lang="en-US" sz="2000" dirty="0">
+                <a:solidFill>
+                  <a:srgbClr val="000000"/>
+                </a:solidFill>
+                <a:latin typeface="Courier New" pitchFamily="49" charset="0"/>
+                <a:ea typeface="Calibri" pitchFamily="34" charset="0"/>
+                <a:cs typeface="Courier New" pitchFamily="49" charset="0"/>
+              </a:rPr>
+              <a:t> main(String[] </a:t>
+            </a:r>
+            <a:r>
+              <a:rPr lang="en-US" sz="2000" dirty="0" err="1">
+                <a:solidFill>
+                  <a:srgbClr val="000000"/>
+                </a:solidFill>
+                <a:latin typeface="Courier New" pitchFamily="49" charset="0"/>
+                <a:ea typeface="Calibri" pitchFamily="34" charset="0"/>
+                <a:cs typeface="Courier New" pitchFamily="49" charset="0"/>
+              </a:rPr>
+              <a:t>args</a:t>
+            </a:r>
+            <a:r>
+              <a:rPr lang="en-US" sz="2000" dirty="0">
+                <a:solidFill>
+                  <a:srgbClr val="000000"/>
+                </a:solidFill>
+                <a:latin typeface="Courier New" pitchFamily="49" charset="0"/>
+                <a:ea typeface="Calibri" pitchFamily="34" charset="0"/>
+                <a:cs typeface="Courier New" pitchFamily="49" charset="0"/>
+              </a:rPr>
+              <a:t>) {</a:t>
+            </a:r>
+            <a:endParaRPr lang="ru-RU" sz="2000" dirty="0">
+              <a:solidFill>
+                <a:srgbClr val="000000"/>
+              </a:solidFill>
+              <a:latin typeface="Courier New" pitchFamily="49" charset="0"/>
+              <a:ea typeface="Calibri" pitchFamily="34" charset="0"/>
+              <a:cs typeface="Courier New" pitchFamily="49" charset="0"/>
+            </a:endParaRPr>
+          </a:p>
+          <a:p>
+            <a:pPr eaLnBrk="0" fontAlgn="base" hangingPunct="0">
+              <a:spcBef>
+                <a:spcPct val="0"/>
+              </a:spcBef>
+              <a:spcAft>
+                <a:spcPct val="0"/>
+              </a:spcAft>
+            </a:pPr>
+            <a:endParaRPr lang="en-US" sz="2000" dirty="0">
+              <a:latin typeface="Arial" pitchFamily="34" charset="0"/>
+              <a:cs typeface="Arial" pitchFamily="34" charset="0"/>
+            </a:endParaRPr>
+          </a:p>
+          <a:p>
+            <a:pPr eaLnBrk="0" fontAlgn="base" hangingPunct="0">
+              <a:spcBef>
+                <a:spcPct val="0"/>
+              </a:spcBef>
+              <a:spcAft>
+                <a:spcPct val="0"/>
+              </a:spcAft>
+            </a:pPr>
+            <a:r>
+              <a:rPr lang="en-US" sz="2000" dirty="0">
+                <a:solidFill>
+                  <a:srgbClr val="000000"/>
+                </a:solidFill>
+                <a:latin typeface="Courier New" pitchFamily="49" charset="0"/>
+                <a:ea typeface="Calibri" pitchFamily="34" charset="0"/>
+                <a:cs typeface="Courier New" pitchFamily="49" charset="0"/>
+              </a:rPr>
+              <a:t>	</a:t>
+            </a:r>
+            <a:r>
+              <a:rPr lang="en-US" sz="2000" dirty="0" err="1">
+                <a:solidFill>
+                  <a:srgbClr val="000000"/>
+                </a:solidFill>
+                <a:latin typeface="Courier New" pitchFamily="49" charset="0"/>
+                <a:ea typeface="Calibri" pitchFamily="34" charset="0"/>
+                <a:cs typeface="Courier New" pitchFamily="49" charset="0"/>
+              </a:rPr>
+              <a:t>PriorityQueue</a:t>
+            </a:r>
+            <a:r>
+              <a:rPr lang="en-US" sz="2000" dirty="0">
+                <a:solidFill>
+                  <a:srgbClr val="000000"/>
+                </a:solidFill>
+                <a:latin typeface="Courier New" pitchFamily="49" charset="0"/>
+                <a:ea typeface="Calibri" pitchFamily="34" charset="0"/>
+                <a:cs typeface="Courier New" pitchFamily="49" charset="0"/>
+              </a:rPr>
+              <a:t>&lt;String&gt; queue1 </a:t>
+            </a:r>
+            <a:endParaRPr lang="ru-RU" sz="2000" dirty="0">
+              <a:solidFill>
+                <a:srgbClr val="000000"/>
+              </a:solidFill>
+              <a:latin typeface="Courier New" pitchFamily="49" charset="0"/>
+              <a:ea typeface="Calibri" pitchFamily="34" charset="0"/>
+              <a:cs typeface="Courier New" pitchFamily="49" charset="0"/>
+            </a:endParaRPr>
+          </a:p>
+          <a:p>
+            <a:pPr eaLnBrk="0" fontAlgn="base" hangingPunct="0">
+              <a:spcBef>
+                <a:spcPct val="0"/>
+              </a:spcBef>
+              <a:spcAft>
+                <a:spcPct val="0"/>
+              </a:spcAft>
+            </a:pPr>
+            <a:r>
+              <a:rPr lang="ru-RU" sz="2000" dirty="0">
+                <a:solidFill>
+                  <a:srgbClr val="000000"/>
+                </a:solidFill>
+                <a:latin typeface="Courier New" pitchFamily="49" charset="0"/>
+                <a:ea typeface="Calibri" pitchFamily="34" charset="0"/>
+                <a:cs typeface="Courier New" pitchFamily="49" charset="0"/>
+              </a:rPr>
+              <a:t>				</a:t>
+            </a:r>
+            <a:r>
+              <a:rPr lang="en-US" sz="2000" dirty="0">
+                <a:solidFill>
+                  <a:srgbClr val="000000"/>
+                </a:solidFill>
+                <a:latin typeface="Courier New" pitchFamily="49" charset="0"/>
+                <a:ea typeface="Calibri" pitchFamily="34" charset="0"/>
+                <a:cs typeface="Courier New" pitchFamily="49" charset="0"/>
+              </a:rPr>
+              <a:t>= </a:t>
+            </a:r>
+            <a:r>
+              <a:rPr lang="en-US" sz="2000" b="1" dirty="0">
+                <a:solidFill>
+                  <a:srgbClr val="7F0055"/>
+                </a:solidFill>
+                <a:latin typeface="Courier New" pitchFamily="49" charset="0"/>
+                <a:ea typeface="Calibri" pitchFamily="34" charset="0"/>
+                <a:cs typeface="Courier New" pitchFamily="49" charset="0"/>
+              </a:rPr>
+              <a:t>new</a:t>
+            </a:r>
+            <a:r>
+              <a:rPr lang="en-US" sz="2000" dirty="0">
+                <a:solidFill>
+                  <a:srgbClr val="000000"/>
+                </a:solidFill>
+                <a:latin typeface="Courier New" pitchFamily="49" charset="0"/>
+                <a:ea typeface="Calibri" pitchFamily="34" charset="0"/>
+                <a:cs typeface="Courier New" pitchFamily="49" charset="0"/>
+              </a:rPr>
+              <a:t> </a:t>
+            </a:r>
+            <a:r>
+              <a:rPr lang="en-US" sz="2000" dirty="0" err="1">
+                <a:solidFill>
+                  <a:srgbClr val="000000"/>
+                </a:solidFill>
+                <a:latin typeface="Courier New" pitchFamily="49" charset="0"/>
+                <a:ea typeface="Calibri" pitchFamily="34" charset="0"/>
+                <a:cs typeface="Courier New" pitchFamily="49" charset="0"/>
+              </a:rPr>
+              <a:t>PriorityQueue</a:t>
+            </a:r>
+            <a:r>
+              <a:rPr lang="en-US" sz="2000" dirty="0">
+                <a:solidFill>
+                  <a:srgbClr val="000000"/>
+                </a:solidFill>
+                <a:latin typeface="Courier New" pitchFamily="49" charset="0"/>
+                <a:ea typeface="Calibri" pitchFamily="34" charset="0"/>
+                <a:cs typeface="Courier New" pitchFamily="49" charset="0"/>
+              </a:rPr>
+              <a:t>&lt;String&gt;();</a:t>
+            </a:r>
+            <a:endParaRPr lang="en-US" sz="2000" dirty="0">
+              <a:latin typeface="Arial" pitchFamily="34" charset="0"/>
+              <a:cs typeface="Arial" pitchFamily="34" charset="0"/>
+            </a:endParaRPr>
+          </a:p>
+          <a:p>
+            <a:pPr eaLnBrk="0" fontAlgn="base" hangingPunct="0">
+              <a:spcBef>
+                <a:spcPct val="0"/>
+              </a:spcBef>
+              <a:spcAft>
+                <a:spcPct val="0"/>
+              </a:spcAft>
+            </a:pPr>
+            <a:r>
+              <a:rPr lang="en-US" sz="2000" dirty="0">
+                <a:solidFill>
+                  <a:srgbClr val="000000"/>
+                </a:solidFill>
+                <a:latin typeface="Courier New" pitchFamily="49" charset="0"/>
+                <a:ea typeface="Calibri" pitchFamily="34" charset="0"/>
+                <a:cs typeface="Courier New" pitchFamily="49" charset="0"/>
+              </a:rPr>
+              <a:t>	queue1.offer(</a:t>
+            </a:r>
+            <a:r>
+              <a:rPr lang="en-US" sz="2000" dirty="0">
+                <a:solidFill>
+                  <a:srgbClr val="2A00FF"/>
+                </a:solidFill>
+                <a:latin typeface="Courier New" pitchFamily="49" charset="0"/>
+                <a:ea typeface="Calibri" pitchFamily="34" charset="0"/>
+                <a:cs typeface="Courier New" pitchFamily="49" charset="0"/>
+              </a:rPr>
+              <a:t>"Oklahoma"</a:t>
+            </a:r>
+            <a:r>
+              <a:rPr lang="en-US" sz="2000" dirty="0">
+                <a:solidFill>
+                  <a:srgbClr val="000000"/>
+                </a:solidFill>
+                <a:latin typeface="Courier New" pitchFamily="49" charset="0"/>
+                <a:ea typeface="Calibri" pitchFamily="34" charset="0"/>
+                <a:cs typeface="Courier New" pitchFamily="49" charset="0"/>
+              </a:rPr>
+              <a:t>);</a:t>
+            </a:r>
+            <a:endParaRPr lang="en-US" sz="2000" dirty="0">
+              <a:latin typeface="Arial" pitchFamily="34" charset="0"/>
+              <a:cs typeface="Arial" pitchFamily="34" charset="0"/>
+            </a:endParaRPr>
+          </a:p>
+          <a:p>
+            <a:pPr eaLnBrk="0" fontAlgn="base" hangingPunct="0">
+              <a:spcBef>
+                <a:spcPct val="0"/>
+              </a:spcBef>
+              <a:spcAft>
+                <a:spcPct val="0"/>
+              </a:spcAft>
+            </a:pPr>
+            <a:r>
+              <a:rPr lang="en-US" sz="2000" dirty="0">
+                <a:solidFill>
+                  <a:srgbClr val="000000"/>
+                </a:solidFill>
+                <a:latin typeface="Courier New" pitchFamily="49" charset="0"/>
+                <a:ea typeface="Calibri" pitchFamily="34" charset="0"/>
+                <a:cs typeface="Courier New" pitchFamily="49" charset="0"/>
+              </a:rPr>
+              <a:t>	queue1.offer(</a:t>
+            </a:r>
+            <a:r>
+              <a:rPr lang="en-US" sz="2000" dirty="0">
+                <a:solidFill>
+                  <a:srgbClr val="2A00FF"/>
+                </a:solidFill>
+                <a:latin typeface="Courier New" pitchFamily="49" charset="0"/>
+                <a:ea typeface="Calibri" pitchFamily="34" charset="0"/>
+                <a:cs typeface="Courier New" pitchFamily="49" charset="0"/>
+              </a:rPr>
+              <a:t>"Indiana"</a:t>
+            </a:r>
+            <a:r>
+              <a:rPr lang="en-US" sz="2000" dirty="0">
+                <a:solidFill>
+                  <a:srgbClr val="000000"/>
+                </a:solidFill>
+                <a:latin typeface="Courier New" pitchFamily="49" charset="0"/>
+                <a:ea typeface="Calibri" pitchFamily="34" charset="0"/>
+                <a:cs typeface="Courier New" pitchFamily="49" charset="0"/>
+              </a:rPr>
+              <a:t>);</a:t>
+            </a:r>
+            <a:endParaRPr lang="en-US" sz="2000" dirty="0">
+              <a:latin typeface="Arial" pitchFamily="34" charset="0"/>
+              <a:cs typeface="Arial" pitchFamily="34" charset="0"/>
+            </a:endParaRPr>
+          </a:p>
+          <a:p>
+            <a:pPr eaLnBrk="0" fontAlgn="base" hangingPunct="0">
+              <a:spcBef>
+                <a:spcPct val="0"/>
+              </a:spcBef>
+              <a:spcAft>
+                <a:spcPct val="0"/>
+              </a:spcAft>
+            </a:pPr>
+            <a:r>
+              <a:rPr lang="en-US" sz="2000" dirty="0">
+                <a:solidFill>
+                  <a:srgbClr val="000000"/>
+                </a:solidFill>
+                <a:latin typeface="Courier New" pitchFamily="49" charset="0"/>
+                <a:ea typeface="Calibri" pitchFamily="34" charset="0"/>
+                <a:cs typeface="Courier New" pitchFamily="49" charset="0"/>
+              </a:rPr>
+              <a:t>	queue1.offer(</a:t>
+            </a:r>
+            <a:r>
+              <a:rPr lang="en-US" sz="2000" dirty="0">
+                <a:solidFill>
+                  <a:srgbClr val="2A00FF"/>
+                </a:solidFill>
+                <a:latin typeface="Courier New" pitchFamily="49" charset="0"/>
+                <a:ea typeface="Calibri" pitchFamily="34" charset="0"/>
+                <a:cs typeface="Courier New" pitchFamily="49" charset="0"/>
+              </a:rPr>
+              <a:t>"Georgia"</a:t>
+            </a:r>
+            <a:r>
+              <a:rPr lang="en-US" sz="2000" dirty="0">
+                <a:solidFill>
+                  <a:srgbClr val="000000"/>
+                </a:solidFill>
+                <a:latin typeface="Courier New" pitchFamily="49" charset="0"/>
+                <a:ea typeface="Calibri" pitchFamily="34" charset="0"/>
+                <a:cs typeface="Courier New" pitchFamily="49" charset="0"/>
+              </a:rPr>
+              <a:t>);</a:t>
+            </a:r>
+            <a:endParaRPr lang="en-US" sz="2000" dirty="0">
+              <a:latin typeface="Arial" pitchFamily="34" charset="0"/>
+              <a:cs typeface="Arial" pitchFamily="34" charset="0"/>
+            </a:endParaRPr>
+          </a:p>
+          <a:p>
+            <a:pPr eaLnBrk="0" fontAlgn="base" hangingPunct="0">
+              <a:spcBef>
+                <a:spcPct val="0"/>
+              </a:spcBef>
+              <a:spcAft>
+                <a:spcPct val="0"/>
+              </a:spcAft>
+            </a:pPr>
+            <a:r>
+              <a:rPr lang="en-US" sz="2000" dirty="0">
+                <a:solidFill>
+                  <a:srgbClr val="000000"/>
+                </a:solidFill>
+                <a:latin typeface="Courier New" pitchFamily="49" charset="0"/>
+                <a:ea typeface="Calibri" pitchFamily="34" charset="0"/>
+                <a:cs typeface="Courier New" pitchFamily="49" charset="0"/>
+              </a:rPr>
+              <a:t>	queue1.offer(</a:t>
+            </a:r>
+            <a:r>
+              <a:rPr lang="en-US" sz="2000" dirty="0">
+                <a:solidFill>
+                  <a:srgbClr val="2A00FF"/>
+                </a:solidFill>
+                <a:latin typeface="Courier New" pitchFamily="49" charset="0"/>
+                <a:ea typeface="Calibri" pitchFamily="34" charset="0"/>
+                <a:cs typeface="Courier New" pitchFamily="49" charset="0"/>
+              </a:rPr>
+              <a:t>"Texas"</a:t>
+            </a:r>
+            <a:r>
+              <a:rPr lang="en-US" sz="2000" dirty="0">
+                <a:solidFill>
+                  <a:srgbClr val="000000"/>
+                </a:solidFill>
+                <a:latin typeface="Courier New" pitchFamily="49" charset="0"/>
+                <a:ea typeface="Calibri" pitchFamily="34" charset="0"/>
+                <a:cs typeface="Courier New" pitchFamily="49" charset="0"/>
+              </a:rPr>
+              <a:t>);</a:t>
+            </a:r>
+            <a:endParaRPr lang="en-US" sz="2000" dirty="0">
+              <a:latin typeface="Arial" pitchFamily="34" charset="0"/>
+              <a:cs typeface="Arial" pitchFamily="34" charset="0"/>
+            </a:endParaRPr>
+          </a:p>
+          <a:p>
+            <a:pPr eaLnBrk="0" fontAlgn="base" hangingPunct="0">
+              <a:spcBef>
+                <a:spcPct val="0"/>
+              </a:spcBef>
+              <a:spcAft>
+                <a:spcPct val="0"/>
+              </a:spcAft>
+            </a:pPr>
+            <a:r>
+              <a:rPr lang="en-US" sz="2000" dirty="0">
+                <a:solidFill>
+                  <a:srgbClr val="000000"/>
+                </a:solidFill>
+                <a:latin typeface="Courier New" pitchFamily="49" charset="0"/>
+                <a:ea typeface="Calibri" pitchFamily="34" charset="0"/>
+                <a:cs typeface="Courier New" pitchFamily="49" charset="0"/>
+              </a:rPr>
+              <a:t>	</a:t>
+            </a:r>
+            <a:r>
+              <a:rPr lang="en-US" sz="2000" dirty="0" err="1">
+                <a:solidFill>
+                  <a:srgbClr val="000000"/>
+                </a:solidFill>
+                <a:latin typeface="Courier New" pitchFamily="49" charset="0"/>
+                <a:ea typeface="Calibri" pitchFamily="34" charset="0"/>
+                <a:cs typeface="Courier New" pitchFamily="49" charset="0"/>
+              </a:rPr>
+              <a:t>System.</a:t>
+            </a:r>
+            <a:r>
+              <a:rPr lang="en-US" sz="2000" i="1" dirty="0" err="1">
+                <a:solidFill>
+                  <a:srgbClr val="0000C0"/>
+                </a:solidFill>
+                <a:latin typeface="Courier New" pitchFamily="49" charset="0"/>
+                <a:ea typeface="Calibri" pitchFamily="34" charset="0"/>
+                <a:cs typeface="Courier New" pitchFamily="49" charset="0"/>
+              </a:rPr>
+              <a:t>out</a:t>
+            </a:r>
+            <a:r>
+              <a:rPr lang="en-US" sz="2000" dirty="0" err="1">
+                <a:solidFill>
+                  <a:srgbClr val="000000"/>
+                </a:solidFill>
+                <a:latin typeface="Courier New" pitchFamily="49" charset="0"/>
+                <a:ea typeface="Calibri" pitchFamily="34" charset="0"/>
+                <a:cs typeface="Courier New" pitchFamily="49" charset="0"/>
+              </a:rPr>
+              <a:t>.println</a:t>
+            </a:r>
+            <a:r>
+              <a:rPr lang="en-US" sz="2000" dirty="0">
+                <a:solidFill>
+                  <a:srgbClr val="000000"/>
+                </a:solidFill>
+                <a:latin typeface="Courier New" pitchFamily="49" charset="0"/>
+                <a:ea typeface="Calibri" pitchFamily="34" charset="0"/>
+                <a:cs typeface="Courier New" pitchFamily="49" charset="0"/>
+              </a:rPr>
+              <a:t>(</a:t>
+            </a:r>
+            <a:r>
+              <a:rPr lang="en-US" sz="2000" dirty="0">
+                <a:solidFill>
+                  <a:srgbClr val="2A00FF"/>
+                </a:solidFill>
+                <a:latin typeface="Courier New" pitchFamily="49" charset="0"/>
+                <a:ea typeface="Calibri" pitchFamily="34" charset="0"/>
+                <a:cs typeface="Courier New" pitchFamily="49" charset="0"/>
+              </a:rPr>
+              <a:t>"Priority queue using Comparable:"</a:t>
+            </a:r>
+            <a:r>
+              <a:rPr lang="en-US" sz="2000" dirty="0">
+                <a:solidFill>
+                  <a:srgbClr val="000000"/>
+                </a:solidFill>
+                <a:latin typeface="Courier New" pitchFamily="49" charset="0"/>
+                <a:ea typeface="Calibri" pitchFamily="34" charset="0"/>
+                <a:cs typeface="Courier New" pitchFamily="49" charset="0"/>
+              </a:rPr>
+              <a:t>);</a:t>
+            </a:r>
+            <a:endParaRPr lang="en-US" sz="2000" dirty="0">
+              <a:latin typeface="Arial" pitchFamily="34" charset="0"/>
+              <a:cs typeface="Arial" pitchFamily="34" charset="0"/>
+            </a:endParaRPr>
+          </a:p>
+          <a:p>
+            <a:pPr eaLnBrk="0" fontAlgn="base" hangingPunct="0">
+              <a:spcBef>
+                <a:spcPct val="0"/>
+              </a:spcBef>
+              <a:spcAft>
+                <a:spcPct val="0"/>
+              </a:spcAft>
+            </a:pPr>
+            <a:r>
+              <a:rPr lang="en-US" sz="2000" dirty="0">
+                <a:solidFill>
+                  <a:srgbClr val="000000"/>
+                </a:solidFill>
+                <a:latin typeface="Courier New" pitchFamily="49" charset="0"/>
+                <a:ea typeface="Calibri" pitchFamily="34" charset="0"/>
+                <a:cs typeface="Courier New" pitchFamily="49" charset="0"/>
+              </a:rPr>
+              <a:t>	</a:t>
+            </a:r>
+            <a:r>
+              <a:rPr lang="en-US" sz="2000" b="1" dirty="0">
+                <a:solidFill>
+                  <a:srgbClr val="7F0055"/>
+                </a:solidFill>
+                <a:latin typeface="Courier New" pitchFamily="49" charset="0"/>
+                <a:ea typeface="Calibri" pitchFamily="34" charset="0"/>
+                <a:cs typeface="Courier New" pitchFamily="49" charset="0"/>
+              </a:rPr>
+              <a:t>while</a:t>
+            </a:r>
+            <a:r>
+              <a:rPr lang="en-US" sz="2000" dirty="0">
+                <a:solidFill>
+                  <a:srgbClr val="000000"/>
+                </a:solidFill>
+                <a:latin typeface="Courier New" pitchFamily="49" charset="0"/>
+                <a:ea typeface="Calibri" pitchFamily="34" charset="0"/>
+                <a:cs typeface="Courier New" pitchFamily="49" charset="0"/>
+              </a:rPr>
+              <a:t> (queue1.size() &gt; 0) {</a:t>
+            </a:r>
+            <a:endParaRPr lang="en-US" sz="2000" dirty="0">
+              <a:latin typeface="Arial" pitchFamily="34" charset="0"/>
+              <a:cs typeface="Arial" pitchFamily="34" charset="0"/>
+            </a:endParaRPr>
+          </a:p>
+          <a:p>
+            <a:pPr eaLnBrk="0" fontAlgn="base" hangingPunct="0">
+              <a:spcBef>
+                <a:spcPct val="0"/>
+              </a:spcBef>
+              <a:spcAft>
+                <a:spcPct val="0"/>
+              </a:spcAft>
+            </a:pPr>
+            <a:r>
+              <a:rPr lang="en-US" sz="2000" dirty="0">
+                <a:solidFill>
+                  <a:srgbClr val="000000"/>
+                </a:solidFill>
+                <a:latin typeface="Courier New" pitchFamily="49" charset="0"/>
+                <a:ea typeface="Calibri" pitchFamily="34" charset="0"/>
+                <a:cs typeface="Courier New" pitchFamily="49" charset="0"/>
+              </a:rPr>
+              <a:t>		</a:t>
+            </a:r>
+            <a:r>
+              <a:rPr lang="en-US" sz="2000" dirty="0" err="1">
+                <a:solidFill>
+                  <a:srgbClr val="000000"/>
+                </a:solidFill>
+                <a:latin typeface="Courier New" pitchFamily="49" charset="0"/>
+                <a:ea typeface="Calibri" pitchFamily="34" charset="0"/>
+                <a:cs typeface="Courier New" pitchFamily="49" charset="0"/>
+              </a:rPr>
+              <a:t>System.</a:t>
+            </a:r>
+            <a:r>
+              <a:rPr lang="en-US" sz="2000" i="1" dirty="0" err="1">
+                <a:solidFill>
+                  <a:srgbClr val="0000C0"/>
+                </a:solidFill>
+                <a:latin typeface="Courier New" pitchFamily="49" charset="0"/>
+                <a:ea typeface="Calibri" pitchFamily="34" charset="0"/>
+                <a:cs typeface="Courier New" pitchFamily="49" charset="0"/>
+              </a:rPr>
+              <a:t>out</a:t>
+            </a:r>
+            <a:r>
+              <a:rPr lang="en-US" sz="2000" dirty="0" err="1">
+                <a:solidFill>
+                  <a:srgbClr val="000000"/>
+                </a:solidFill>
+                <a:latin typeface="Courier New" pitchFamily="49" charset="0"/>
+                <a:ea typeface="Calibri" pitchFamily="34" charset="0"/>
+                <a:cs typeface="Courier New" pitchFamily="49" charset="0"/>
+              </a:rPr>
+              <a:t>.print</a:t>
+            </a:r>
+            <a:r>
+              <a:rPr lang="en-US" sz="2000" dirty="0">
+                <a:solidFill>
+                  <a:srgbClr val="000000"/>
+                </a:solidFill>
+                <a:latin typeface="Courier New" pitchFamily="49" charset="0"/>
+                <a:ea typeface="Calibri" pitchFamily="34" charset="0"/>
+                <a:cs typeface="Courier New" pitchFamily="49" charset="0"/>
+              </a:rPr>
+              <a:t>(queue1.remove() + </a:t>
+            </a:r>
+            <a:r>
+              <a:rPr lang="en-US" sz="2000" dirty="0">
+                <a:solidFill>
+                  <a:srgbClr val="2A00FF"/>
+                </a:solidFill>
+                <a:latin typeface="Courier New" pitchFamily="49" charset="0"/>
+                <a:ea typeface="Calibri" pitchFamily="34" charset="0"/>
+                <a:cs typeface="Courier New" pitchFamily="49" charset="0"/>
+              </a:rPr>
+              <a:t>" "</a:t>
+            </a:r>
+            <a:r>
+              <a:rPr lang="en-US" sz="2000" dirty="0">
+                <a:solidFill>
+                  <a:srgbClr val="000000"/>
+                </a:solidFill>
+                <a:latin typeface="Courier New" pitchFamily="49" charset="0"/>
+                <a:ea typeface="Calibri" pitchFamily="34" charset="0"/>
+                <a:cs typeface="Courier New" pitchFamily="49" charset="0"/>
+              </a:rPr>
+              <a:t>);</a:t>
+            </a:r>
+            <a:endParaRPr lang="en-US" sz="2000" dirty="0">
+              <a:latin typeface="Arial" pitchFamily="34" charset="0"/>
+              <a:cs typeface="Arial" pitchFamily="34" charset="0"/>
+            </a:endParaRPr>
+          </a:p>
+          <a:p>
+            <a:pPr eaLnBrk="0" fontAlgn="base" hangingPunct="0">
+              <a:spcBef>
+                <a:spcPct val="0"/>
+              </a:spcBef>
+              <a:spcAft>
+                <a:spcPct val="0"/>
+              </a:spcAft>
+            </a:pPr>
+            <a:r>
+              <a:rPr lang="en-US" sz="2000" dirty="0">
+                <a:solidFill>
+                  <a:srgbClr val="000000"/>
+                </a:solidFill>
+                <a:latin typeface="Courier New" pitchFamily="49" charset="0"/>
+                <a:ea typeface="Calibri" pitchFamily="34" charset="0"/>
+                <a:cs typeface="Courier New" pitchFamily="49" charset="0"/>
+              </a:rPr>
+              <a:t>	}</a:t>
+            </a:r>
+            <a:endParaRPr lang="en-US" sz="2000" dirty="0">
+              <a:latin typeface="Arial" pitchFamily="34" charset="0"/>
+              <a:cs typeface="Arial" pitchFamily="34" charset="0"/>
+            </a:endParaRPr>
+          </a:p>
+          <a:p>
+            <a:pPr eaLnBrk="0" fontAlgn="base" hangingPunct="0">
+              <a:spcBef>
+                <a:spcPct val="0"/>
+              </a:spcBef>
+              <a:spcAft>
+                <a:spcPct val="0"/>
+              </a:spcAft>
+            </a:pPr>
+            <a:r>
+              <a:rPr lang="en-US" sz="2000" dirty="0">
+                <a:solidFill>
+                  <a:srgbClr val="000000"/>
+                </a:solidFill>
+                <a:latin typeface="Courier New" pitchFamily="49" charset="0"/>
+                <a:ea typeface="Calibri" pitchFamily="34" charset="0"/>
+                <a:cs typeface="Courier New" pitchFamily="49" charset="0"/>
+              </a:rPr>
+              <a:t>	</a:t>
+            </a:r>
+            <a:endParaRPr lang="en-US" sz="2000" dirty="0">
+              <a:latin typeface="Arial" pitchFamily="34" charset="0"/>
+              <a:cs typeface="Arial" pitchFamily="34" charset="0"/>
+            </a:endParaRPr>
+          </a:p>
+        </p:txBody>
+      </p:sp>
+    </p:spTree>
+    <p:extLst>
+      <p:ext uri="{BB962C8B-B14F-4D97-AF65-F5344CB8AC3E}">
+        <p14:creationId xmlns:p14="http://schemas.microsoft.com/office/powerpoint/2010/main" val="2527041500"/>
+      </p:ext>
+    </p:extLst>
+  </p:cSld>
+  <p:clrMapOvr>
+    <a:masterClrMapping/>
+  </p:clrMapOvr>
+</p:sld>
+</file>
+
+<file path=ppt/slides/slide22.xml><?xml version="1.0" encoding="utf-8"?>
+<p:sld xmlns:a="http://schemas.openxmlformats.org/drawingml/2006/main" xmlns:r="http://schemas.openxmlformats.org/officeDocument/2006/relationships" xmlns:p="http://schemas.openxmlformats.org/presentationml/2006/main">
+  <p:cSld>
+    <p:spTree>
+      <p:nvGrpSpPr>
+        <p:cNvPr id="1" name=""/>
+        <p:cNvGrpSpPr/>
+        <p:nvPr/>
+      </p:nvGrpSpPr>
+      <p:grpSpPr>
+        <a:xfrm>
+          <a:off x="0" y="0"/>
+          <a:ext cx="0" cy="0"/>
+          <a:chOff x="0" y="0"/>
+          <a:chExt cx="0" cy="0"/>
+        </a:xfrm>
+      </p:grpSpPr>
+      <p:sp>
+        <p:nvSpPr>
+          <p:cNvPr id="2" name="Заголовок 1"/>
+          <p:cNvSpPr>
+            <a:spLocks noGrp="1"/>
+          </p:cNvSpPr>
+          <p:nvPr>
+            <p:ph type="title"/>
+          </p:nvPr>
+        </p:nvSpPr>
+        <p:spPr>
+          <a:xfrm>
+            <a:off x="0" y="1"/>
+            <a:ext cx="12192000" cy="781040"/>
+          </a:xfrm>
+        </p:spPr>
+        <p:txBody>
+          <a:bodyPr/>
+          <a:lstStyle/>
+          <a:p>
+            <a:pPr algn="ctr"/>
+            <a:r>
+              <a:rPr lang="uk-UA" dirty="0">
+                <a:latin typeface="Times New Roman" panose="02020603050405020304" pitchFamily="18" charset="0"/>
+                <a:cs typeface="Times New Roman" panose="02020603050405020304" pitchFamily="18" charset="0"/>
+              </a:rPr>
+              <a:t>Черги</a:t>
+            </a:r>
+            <a:r>
+              <a:rPr lang="ru-RU" dirty="0">
+                <a:latin typeface="Times New Roman" panose="02020603050405020304" pitchFamily="18" charset="0"/>
+                <a:cs typeface="Times New Roman" panose="02020603050405020304" pitchFamily="18" charset="0"/>
+              </a:rPr>
+              <a:t> </a:t>
+            </a:r>
+            <a:r>
+              <a:rPr lang="pl-PL" dirty="0">
+                <a:latin typeface="Times New Roman" panose="02020603050405020304" pitchFamily="18" charset="0"/>
+                <a:cs typeface="Times New Roman" panose="02020603050405020304" pitchFamily="18" charset="0"/>
+              </a:rPr>
+              <a:t>Queue</a:t>
+            </a:r>
+            <a:r>
+              <a:rPr lang="ru-RU" dirty="0">
+                <a:latin typeface="Times New Roman" panose="02020603050405020304" pitchFamily="18" charset="0"/>
+                <a:cs typeface="Times New Roman" panose="02020603050405020304" pitchFamily="18" charset="0"/>
+              </a:rPr>
+              <a:t>. </a:t>
+            </a:r>
+            <a:r>
+              <a:rPr lang="uk-UA" dirty="0">
+                <a:latin typeface="Times New Roman" panose="02020603050405020304" pitchFamily="18" charset="0"/>
+                <a:cs typeface="Times New Roman" panose="02020603050405020304" pitchFamily="18" charset="0"/>
+              </a:rPr>
+              <a:t>Приклад</a:t>
+            </a:r>
+            <a:endParaRPr lang="en-US" dirty="0">
+              <a:latin typeface="Times New Roman" panose="02020603050405020304" pitchFamily="18" charset="0"/>
+              <a:cs typeface="Times New Roman" panose="02020603050405020304" pitchFamily="18" charset="0"/>
+            </a:endParaRPr>
+          </a:p>
+        </p:txBody>
+      </p:sp>
+      <p:sp>
+        <p:nvSpPr>
+          <p:cNvPr id="5" name="Номер слайда 4"/>
+          <p:cNvSpPr>
+            <a:spLocks noGrp="1"/>
+          </p:cNvSpPr>
+          <p:nvPr>
+            <p:ph type="sldNum" sz="quarter" idx="11"/>
+          </p:nvPr>
+        </p:nvSpPr>
+        <p:spPr/>
+        <p:txBody>
+          <a:bodyPr/>
+          <a:lstStyle/>
+          <a:p>
+            <a:endParaRPr lang="en-US" dirty="0"/>
+          </a:p>
+        </p:txBody>
+      </p:sp>
+      <p:sp>
+        <p:nvSpPr>
+          <p:cNvPr id="112641" name="Rectangle 1"/>
+          <p:cNvSpPr>
+            <a:spLocks noChangeArrowheads="1"/>
+          </p:cNvSpPr>
+          <p:nvPr/>
+        </p:nvSpPr>
+        <p:spPr bwMode="auto">
+          <a:xfrm>
+            <a:off x="496478" y="829133"/>
+            <a:ext cx="9879628" cy="4093428"/>
+          </a:xfrm>
+          <a:prstGeom prst="rect">
+            <a:avLst/>
+          </a:prstGeom>
+          <a:solidFill>
+            <a:schemeClr val="bg1">
+              <a:lumMod val="95000"/>
+            </a:schemeClr>
+          </a:solidFill>
+          <a:ln w="9525">
+            <a:noFill/>
+            <a:miter lim="800000"/>
+            <a:headEnd/>
+            <a:tailEnd/>
+          </a:ln>
+          <a:effectLst/>
+        </p:spPr>
+        <p:txBody>
+          <a:bodyPr vert="horz" wrap="none" lIns="91440" tIns="45720" rIns="91440" bIns="45720" numCol="1" anchor="ctr" anchorCtr="0" compatLnSpc="1">
+            <a:prstTxWarp prst="textNoShape">
+              <a:avLst/>
+            </a:prstTxWarp>
+            <a:spAutoFit/>
+          </a:bodyPr>
+          <a:lstStyle/>
+          <a:p>
+            <a:pPr eaLnBrk="0" fontAlgn="base" hangingPunct="0">
+              <a:spcBef>
+                <a:spcPct val="0"/>
+              </a:spcBef>
+              <a:spcAft>
+                <a:spcPct val="0"/>
+              </a:spcAft>
+            </a:pPr>
+            <a:r>
+              <a:rPr lang="en-US" sz="2000" dirty="0">
+                <a:solidFill>
+                  <a:srgbClr val="000000"/>
+                </a:solidFill>
+                <a:latin typeface="Courier New" pitchFamily="49" charset="0"/>
+                <a:ea typeface="Calibri" pitchFamily="34" charset="0"/>
+                <a:cs typeface="Courier New" pitchFamily="49" charset="0"/>
+              </a:rPr>
+              <a:t>	</a:t>
+            </a:r>
+            <a:r>
+              <a:rPr lang="en-US" sz="2000" dirty="0" err="1">
+                <a:solidFill>
+                  <a:srgbClr val="000000"/>
+                </a:solidFill>
+                <a:latin typeface="Courier New" pitchFamily="49" charset="0"/>
+                <a:ea typeface="Calibri" pitchFamily="34" charset="0"/>
+                <a:cs typeface="Courier New" pitchFamily="49" charset="0"/>
+              </a:rPr>
+              <a:t>PriorityQueue</a:t>
+            </a:r>
+            <a:r>
+              <a:rPr lang="en-US" sz="2000" dirty="0">
+                <a:solidFill>
+                  <a:srgbClr val="000000"/>
+                </a:solidFill>
+                <a:latin typeface="Courier New" pitchFamily="49" charset="0"/>
+                <a:ea typeface="Calibri" pitchFamily="34" charset="0"/>
+                <a:cs typeface="Courier New" pitchFamily="49" charset="0"/>
+              </a:rPr>
+              <a:t>&lt;String&gt; queue2 </a:t>
+            </a:r>
+            <a:endParaRPr lang="ru-RU" sz="2000" dirty="0">
+              <a:solidFill>
+                <a:srgbClr val="000000"/>
+              </a:solidFill>
+              <a:latin typeface="Courier New" pitchFamily="49" charset="0"/>
+              <a:ea typeface="Calibri" pitchFamily="34" charset="0"/>
+              <a:cs typeface="Courier New" pitchFamily="49" charset="0"/>
+            </a:endParaRPr>
+          </a:p>
+          <a:p>
+            <a:pPr eaLnBrk="0" fontAlgn="base" hangingPunct="0">
+              <a:spcBef>
+                <a:spcPct val="0"/>
+              </a:spcBef>
+              <a:spcAft>
+                <a:spcPct val="0"/>
+              </a:spcAft>
+            </a:pPr>
+            <a:r>
+              <a:rPr lang="ru-RU" sz="2000" dirty="0">
+                <a:solidFill>
+                  <a:srgbClr val="000000"/>
+                </a:solidFill>
+                <a:latin typeface="Courier New" pitchFamily="49" charset="0"/>
+                <a:ea typeface="Calibri" pitchFamily="34" charset="0"/>
+                <a:cs typeface="Courier New" pitchFamily="49" charset="0"/>
+              </a:rPr>
+              <a:t>			</a:t>
+            </a:r>
+            <a:r>
+              <a:rPr lang="en-US" sz="2000" dirty="0">
+                <a:solidFill>
+                  <a:srgbClr val="000000"/>
+                </a:solidFill>
+                <a:latin typeface="Courier New" pitchFamily="49" charset="0"/>
+                <a:ea typeface="Calibri" pitchFamily="34" charset="0"/>
+                <a:cs typeface="Courier New" pitchFamily="49" charset="0"/>
+              </a:rPr>
+              <a:t>= </a:t>
+            </a:r>
+            <a:r>
+              <a:rPr lang="en-US" sz="2000" b="1" dirty="0">
+                <a:solidFill>
+                  <a:srgbClr val="7F0055"/>
+                </a:solidFill>
+                <a:latin typeface="Courier New" pitchFamily="49" charset="0"/>
+                <a:ea typeface="Calibri" pitchFamily="34" charset="0"/>
+                <a:cs typeface="Courier New" pitchFamily="49" charset="0"/>
+              </a:rPr>
+              <a:t>new</a:t>
+            </a:r>
+            <a:r>
+              <a:rPr lang="en-US" sz="2000" dirty="0">
+                <a:solidFill>
+                  <a:srgbClr val="000000"/>
+                </a:solidFill>
+                <a:latin typeface="Courier New" pitchFamily="49" charset="0"/>
+                <a:ea typeface="Calibri" pitchFamily="34" charset="0"/>
+                <a:cs typeface="Courier New" pitchFamily="49" charset="0"/>
+              </a:rPr>
+              <a:t> </a:t>
+            </a:r>
+            <a:r>
+              <a:rPr lang="en-US" sz="2000" dirty="0" err="1">
+                <a:solidFill>
+                  <a:srgbClr val="000000"/>
+                </a:solidFill>
+                <a:latin typeface="Courier New" pitchFamily="49" charset="0"/>
+                <a:ea typeface="Calibri" pitchFamily="34" charset="0"/>
+                <a:cs typeface="Courier New" pitchFamily="49" charset="0"/>
+              </a:rPr>
+              <a:t>PriorityQueue</a:t>
+            </a:r>
+            <a:r>
+              <a:rPr lang="en-US" sz="2000" dirty="0">
+                <a:solidFill>
+                  <a:srgbClr val="000000"/>
+                </a:solidFill>
+                <a:latin typeface="Courier New" pitchFamily="49" charset="0"/>
+                <a:ea typeface="Calibri" pitchFamily="34" charset="0"/>
+                <a:cs typeface="Courier New" pitchFamily="49" charset="0"/>
+              </a:rPr>
+              <a:t>&lt;String&gt;(4,</a:t>
+            </a:r>
+            <a:endParaRPr lang="en-US" sz="2000" dirty="0">
+              <a:latin typeface="Arial" pitchFamily="34" charset="0"/>
+              <a:cs typeface="Arial" pitchFamily="34" charset="0"/>
+            </a:endParaRPr>
+          </a:p>
+          <a:p>
+            <a:pPr eaLnBrk="0" fontAlgn="base" hangingPunct="0">
+              <a:spcBef>
+                <a:spcPct val="0"/>
+              </a:spcBef>
+              <a:spcAft>
+                <a:spcPct val="0"/>
+              </a:spcAft>
+            </a:pPr>
+            <a:r>
+              <a:rPr lang="en-US" sz="2000" dirty="0">
+                <a:solidFill>
+                  <a:srgbClr val="000000"/>
+                </a:solidFill>
+                <a:latin typeface="Courier New" pitchFamily="49" charset="0"/>
+                <a:ea typeface="Calibri" pitchFamily="34" charset="0"/>
+                <a:cs typeface="Courier New" pitchFamily="49" charset="0"/>
+              </a:rPr>
+              <a:t>			</a:t>
+            </a:r>
+            <a:r>
+              <a:rPr lang="en-US" sz="2000" dirty="0" err="1">
+                <a:solidFill>
+                  <a:srgbClr val="000000"/>
+                </a:solidFill>
+                <a:latin typeface="Courier New" pitchFamily="49" charset="0"/>
+                <a:ea typeface="Calibri" pitchFamily="34" charset="0"/>
+                <a:cs typeface="Courier New" pitchFamily="49" charset="0"/>
+              </a:rPr>
+              <a:t>Collections.</a:t>
+            </a:r>
+            <a:r>
+              <a:rPr lang="en-US" sz="2000" i="1" dirty="0" err="1">
+                <a:solidFill>
+                  <a:srgbClr val="000000"/>
+                </a:solidFill>
+                <a:latin typeface="Courier New" pitchFamily="49" charset="0"/>
+                <a:ea typeface="Calibri" pitchFamily="34" charset="0"/>
+                <a:cs typeface="Courier New" pitchFamily="49" charset="0"/>
+              </a:rPr>
+              <a:t>reverseOrder</a:t>
+            </a:r>
+            <a:r>
+              <a:rPr lang="en-US" sz="2000" dirty="0">
+                <a:solidFill>
+                  <a:srgbClr val="000000"/>
+                </a:solidFill>
+                <a:latin typeface="Courier New" pitchFamily="49" charset="0"/>
+                <a:ea typeface="Calibri" pitchFamily="34" charset="0"/>
+                <a:cs typeface="Courier New" pitchFamily="49" charset="0"/>
+              </a:rPr>
+              <a:t>());</a:t>
+            </a:r>
+            <a:endParaRPr lang="en-US" sz="2000" dirty="0">
+              <a:latin typeface="Arial" pitchFamily="34" charset="0"/>
+              <a:cs typeface="Arial" pitchFamily="34" charset="0"/>
+            </a:endParaRPr>
+          </a:p>
+          <a:p>
+            <a:pPr eaLnBrk="0" fontAlgn="base" hangingPunct="0">
+              <a:spcBef>
+                <a:spcPct val="0"/>
+              </a:spcBef>
+              <a:spcAft>
+                <a:spcPct val="0"/>
+              </a:spcAft>
+            </a:pPr>
+            <a:r>
+              <a:rPr lang="en-US" sz="2000" dirty="0">
+                <a:solidFill>
+                  <a:srgbClr val="000000"/>
+                </a:solidFill>
+                <a:latin typeface="Courier New" pitchFamily="49" charset="0"/>
+                <a:ea typeface="Calibri" pitchFamily="34" charset="0"/>
+                <a:cs typeface="Courier New" pitchFamily="49" charset="0"/>
+              </a:rPr>
+              <a:t>	queue2.offer(</a:t>
+            </a:r>
+            <a:r>
+              <a:rPr lang="en-US" sz="2000" dirty="0">
+                <a:solidFill>
+                  <a:srgbClr val="2A00FF"/>
+                </a:solidFill>
+                <a:latin typeface="Courier New" pitchFamily="49" charset="0"/>
+                <a:ea typeface="Calibri" pitchFamily="34" charset="0"/>
+                <a:cs typeface="Courier New" pitchFamily="49" charset="0"/>
+              </a:rPr>
+              <a:t>"Oklahoma"</a:t>
+            </a:r>
+            <a:r>
+              <a:rPr lang="en-US" sz="2000" dirty="0">
+                <a:solidFill>
+                  <a:srgbClr val="000000"/>
+                </a:solidFill>
+                <a:latin typeface="Courier New" pitchFamily="49" charset="0"/>
+                <a:ea typeface="Calibri" pitchFamily="34" charset="0"/>
+                <a:cs typeface="Courier New" pitchFamily="49" charset="0"/>
+              </a:rPr>
+              <a:t>);</a:t>
+            </a:r>
+            <a:endParaRPr lang="en-US" sz="2000" dirty="0">
+              <a:latin typeface="Arial" pitchFamily="34" charset="0"/>
+              <a:cs typeface="Arial" pitchFamily="34" charset="0"/>
+            </a:endParaRPr>
+          </a:p>
+          <a:p>
+            <a:pPr eaLnBrk="0" fontAlgn="base" hangingPunct="0">
+              <a:spcBef>
+                <a:spcPct val="0"/>
+              </a:spcBef>
+              <a:spcAft>
+                <a:spcPct val="0"/>
+              </a:spcAft>
+            </a:pPr>
+            <a:r>
+              <a:rPr lang="en-US" sz="2000" dirty="0">
+                <a:solidFill>
+                  <a:srgbClr val="000000"/>
+                </a:solidFill>
+                <a:latin typeface="Courier New" pitchFamily="49" charset="0"/>
+                <a:ea typeface="Calibri" pitchFamily="34" charset="0"/>
+                <a:cs typeface="Courier New" pitchFamily="49" charset="0"/>
+              </a:rPr>
+              <a:t>	queue2.offer(</a:t>
+            </a:r>
+            <a:r>
+              <a:rPr lang="en-US" sz="2000" dirty="0">
+                <a:solidFill>
+                  <a:srgbClr val="2A00FF"/>
+                </a:solidFill>
+                <a:latin typeface="Courier New" pitchFamily="49" charset="0"/>
+                <a:ea typeface="Calibri" pitchFamily="34" charset="0"/>
+                <a:cs typeface="Courier New" pitchFamily="49" charset="0"/>
+              </a:rPr>
+              <a:t>"Indiana"</a:t>
+            </a:r>
+            <a:r>
+              <a:rPr lang="en-US" sz="2000" dirty="0">
+                <a:solidFill>
+                  <a:srgbClr val="000000"/>
+                </a:solidFill>
+                <a:latin typeface="Courier New" pitchFamily="49" charset="0"/>
+                <a:ea typeface="Calibri" pitchFamily="34" charset="0"/>
+                <a:cs typeface="Courier New" pitchFamily="49" charset="0"/>
+              </a:rPr>
+              <a:t>);</a:t>
+            </a:r>
+            <a:endParaRPr lang="en-US" sz="2000" dirty="0">
+              <a:latin typeface="Arial" pitchFamily="34" charset="0"/>
+              <a:cs typeface="Arial" pitchFamily="34" charset="0"/>
+            </a:endParaRPr>
+          </a:p>
+          <a:p>
+            <a:pPr eaLnBrk="0" fontAlgn="base" hangingPunct="0">
+              <a:spcBef>
+                <a:spcPct val="0"/>
+              </a:spcBef>
+              <a:spcAft>
+                <a:spcPct val="0"/>
+              </a:spcAft>
+            </a:pPr>
+            <a:r>
+              <a:rPr lang="en-US" sz="2000" dirty="0">
+                <a:solidFill>
+                  <a:srgbClr val="000000"/>
+                </a:solidFill>
+                <a:latin typeface="Courier New" pitchFamily="49" charset="0"/>
+                <a:ea typeface="Calibri" pitchFamily="34" charset="0"/>
+                <a:cs typeface="Courier New" pitchFamily="49" charset="0"/>
+              </a:rPr>
+              <a:t>	queue2.offer(</a:t>
+            </a:r>
+            <a:r>
+              <a:rPr lang="en-US" sz="2000" dirty="0">
+                <a:solidFill>
+                  <a:srgbClr val="2A00FF"/>
+                </a:solidFill>
+                <a:latin typeface="Courier New" pitchFamily="49" charset="0"/>
+                <a:ea typeface="Calibri" pitchFamily="34" charset="0"/>
+                <a:cs typeface="Courier New" pitchFamily="49" charset="0"/>
+              </a:rPr>
+              <a:t>"Georgia"</a:t>
+            </a:r>
+            <a:r>
+              <a:rPr lang="en-US" sz="2000" dirty="0">
+                <a:solidFill>
+                  <a:srgbClr val="000000"/>
+                </a:solidFill>
+                <a:latin typeface="Courier New" pitchFamily="49" charset="0"/>
+                <a:ea typeface="Calibri" pitchFamily="34" charset="0"/>
+                <a:cs typeface="Courier New" pitchFamily="49" charset="0"/>
+              </a:rPr>
+              <a:t>);</a:t>
+            </a:r>
+            <a:endParaRPr lang="en-US" sz="2000" dirty="0">
+              <a:latin typeface="Arial" pitchFamily="34" charset="0"/>
+              <a:cs typeface="Arial" pitchFamily="34" charset="0"/>
+            </a:endParaRPr>
+          </a:p>
+          <a:p>
+            <a:pPr eaLnBrk="0" fontAlgn="base" hangingPunct="0">
+              <a:spcBef>
+                <a:spcPct val="0"/>
+              </a:spcBef>
+              <a:spcAft>
+                <a:spcPct val="0"/>
+              </a:spcAft>
+            </a:pPr>
+            <a:r>
+              <a:rPr lang="en-US" sz="2000" dirty="0">
+                <a:solidFill>
+                  <a:srgbClr val="000000"/>
+                </a:solidFill>
+                <a:latin typeface="Courier New" pitchFamily="49" charset="0"/>
+                <a:ea typeface="Calibri" pitchFamily="34" charset="0"/>
+                <a:cs typeface="Courier New" pitchFamily="49" charset="0"/>
+              </a:rPr>
+              <a:t>	queue2.offer(</a:t>
+            </a:r>
+            <a:r>
+              <a:rPr lang="en-US" sz="2000" dirty="0">
+                <a:solidFill>
+                  <a:srgbClr val="2A00FF"/>
+                </a:solidFill>
+                <a:latin typeface="Courier New" pitchFamily="49" charset="0"/>
+                <a:ea typeface="Calibri" pitchFamily="34" charset="0"/>
+                <a:cs typeface="Courier New" pitchFamily="49" charset="0"/>
+              </a:rPr>
+              <a:t>"Texas"</a:t>
+            </a:r>
+            <a:r>
+              <a:rPr lang="en-US" sz="2000" dirty="0">
+                <a:solidFill>
+                  <a:srgbClr val="000000"/>
+                </a:solidFill>
+                <a:latin typeface="Courier New" pitchFamily="49" charset="0"/>
+                <a:ea typeface="Calibri" pitchFamily="34" charset="0"/>
+                <a:cs typeface="Courier New" pitchFamily="49" charset="0"/>
+              </a:rPr>
+              <a:t>);</a:t>
+            </a:r>
+            <a:endParaRPr lang="en-US" sz="2000" dirty="0">
+              <a:latin typeface="Arial" pitchFamily="34" charset="0"/>
+              <a:cs typeface="Arial" pitchFamily="34" charset="0"/>
+            </a:endParaRPr>
+          </a:p>
+          <a:p>
+            <a:pPr eaLnBrk="0" fontAlgn="base" hangingPunct="0">
+              <a:spcBef>
+                <a:spcPct val="0"/>
+              </a:spcBef>
+              <a:spcAft>
+                <a:spcPct val="0"/>
+              </a:spcAft>
+            </a:pPr>
+            <a:r>
+              <a:rPr lang="en-US" sz="2000" dirty="0">
+                <a:solidFill>
+                  <a:srgbClr val="000000"/>
+                </a:solidFill>
+                <a:latin typeface="Courier New" pitchFamily="49" charset="0"/>
+                <a:ea typeface="Calibri" pitchFamily="34" charset="0"/>
+                <a:cs typeface="Courier New" pitchFamily="49" charset="0"/>
+              </a:rPr>
+              <a:t>	</a:t>
+            </a:r>
+            <a:r>
+              <a:rPr lang="en-US" sz="2000" dirty="0" err="1">
+                <a:solidFill>
+                  <a:srgbClr val="000000"/>
+                </a:solidFill>
+                <a:latin typeface="Courier New" pitchFamily="49" charset="0"/>
+                <a:ea typeface="Calibri" pitchFamily="34" charset="0"/>
+                <a:cs typeface="Courier New" pitchFamily="49" charset="0"/>
+              </a:rPr>
+              <a:t>System.</a:t>
+            </a:r>
+            <a:r>
+              <a:rPr lang="en-US" sz="2000" i="1" dirty="0" err="1">
+                <a:solidFill>
+                  <a:srgbClr val="0000C0"/>
+                </a:solidFill>
+                <a:latin typeface="Courier New" pitchFamily="49" charset="0"/>
+                <a:ea typeface="Calibri" pitchFamily="34" charset="0"/>
+                <a:cs typeface="Courier New" pitchFamily="49" charset="0"/>
+              </a:rPr>
+              <a:t>out</a:t>
+            </a:r>
+            <a:r>
+              <a:rPr lang="en-US" sz="2000" dirty="0" err="1">
+                <a:solidFill>
+                  <a:srgbClr val="000000"/>
+                </a:solidFill>
+                <a:latin typeface="Courier New" pitchFamily="49" charset="0"/>
+                <a:ea typeface="Calibri" pitchFamily="34" charset="0"/>
+                <a:cs typeface="Courier New" pitchFamily="49" charset="0"/>
+              </a:rPr>
+              <a:t>.println</a:t>
+            </a:r>
+            <a:r>
+              <a:rPr lang="en-US" sz="2000" dirty="0">
+                <a:solidFill>
+                  <a:srgbClr val="000000"/>
+                </a:solidFill>
+                <a:latin typeface="Courier New" pitchFamily="49" charset="0"/>
+                <a:ea typeface="Calibri" pitchFamily="34" charset="0"/>
+                <a:cs typeface="Courier New" pitchFamily="49" charset="0"/>
+              </a:rPr>
+              <a:t>(</a:t>
+            </a:r>
+            <a:r>
+              <a:rPr lang="en-US" sz="2000" dirty="0">
+                <a:solidFill>
+                  <a:srgbClr val="2A00FF"/>
+                </a:solidFill>
+                <a:latin typeface="Courier New" pitchFamily="49" charset="0"/>
+                <a:ea typeface="Calibri" pitchFamily="34" charset="0"/>
+                <a:cs typeface="Courier New" pitchFamily="49" charset="0"/>
+              </a:rPr>
+              <a:t>"\</a:t>
+            </a:r>
+            <a:r>
+              <a:rPr lang="en-US" sz="2000" dirty="0" err="1">
+                <a:solidFill>
+                  <a:srgbClr val="2A00FF"/>
+                </a:solidFill>
+                <a:latin typeface="Courier New" pitchFamily="49" charset="0"/>
+                <a:ea typeface="Calibri" pitchFamily="34" charset="0"/>
+                <a:cs typeface="Courier New" pitchFamily="49" charset="0"/>
+              </a:rPr>
+              <a:t>nPriority</a:t>
+            </a:r>
+            <a:r>
+              <a:rPr lang="en-US" sz="2000" dirty="0">
+                <a:solidFill>
+                  <a:srgbClr val="2A00FF"/>
+                </a:solidFill>
+                <a:latin typeface="Courier New" pitchFamily="49" charset="0"/>
+                <a:ea typeface="Calibri" pitchFamily="34" charset="0"/>
+                <a:cs typeface="Courier New" pitchFamily="49" charset="0"/>
+              </a:rPr>
+              <a:t> queue using Comparator:"</a:t>
+            </a:r>
+            <a:r>
+              <a:rPr lang="en-US" sz="2000" dirty="0">
+                <a:solidFill>
+                  <a:srgbClr val="000000"/>
+                </a:solidFill>
+                <a:latin typeface="Courier New" pitchFamily="49" charset="0"/>
+                <a:ea typeface="Calibri" pitchFamily="34" charset="0"/>
+                <a:cs typeface="Courier New" pitchFamily="49" charset="0"/>
+              </a:rPr>
+              <a:t>);</a:t>
+            </a:r>
+            <a:endParaRPr lang="en-US" sz="2000" dirty="0">
+              <a:latin typeface="Arial" pitchFamily="34" charset="0"/>
+              <a:cs typeface="Arial" pitchFamily="34" charset="0"/>
+            </a:endParaRPr>
+          </a:p>
+          <a:p>
+            <a:pPr eaLnBrk="0" fontAlgn="base" hangingPunct="0">
+              <a:spcBef>
+                <a:spcPct val="0"/>
+              </a:spcBef>
+              <a:spcAft>
+                <a:spcPct val="0"/>
+              </a:spcAft>
+            </a:pPr>
+            <a:r>
+              <a:rPr lang="en-US" sz="2000" dirty="0">
+                <a:solidFill>
+                  <a:srgbClr val="000000"/>
+                </a:solidFill>
+                <a:latin typeface="Courier New" pitchFamily="49" charset="0"/>
+                <a:ea typeface="Calibri" pitchFamily="34" charset="0"/>
+                <a:cs typeface="Courier New" pitchFamily="49" charset="0"/>
+              </a:rPr>
+              <a:t>	</a:t>
+            </a:r>
+            <a:r>
+              <a:rPr lang="en-US" sz="2000" b="1" dirty="0">
+                <a:solidFill>
+                  <a:srgbClr val="7F0055"/>
+                </a:solidFill>
+                <a:latin typeface="Courier New" pitchFamily="49" charset="0"/>
+                <a:ea typeface="Calibri" pitchFamily="34" charset="0"/>
+                <a:cs typeface="Courier New" pitchFamily="49" charset="0"/>
+              </a:rPr>
+              <a:t>while</a:t>
+            </a:r>
+            <a:r>
+              <a:rPr lang="en-US" sz="2000" dirty="0">
+                <a:solidFill>
+                  <a:srgbClr val="000000"/>
+                </a:solidFill>
+                <a:latin typeface="Courier New" pitchFamily="49" charset="0"/>
+                <a:ea typeface="Calibri" pitchFamily="34" charset="0"/>
+                <a:cs typeface="Courier New" pitchFamily="49" charset="0"/>
+              </a:rPr>
+              <a:t> (queue2.size() &gt; 0) {</a:t>
+            </a:r>
+            <a:endParaRPr lang="en-US" sz="2000" dirty="0">
+              <a:latin typeface="Arial" pitchFamily="34" charset="0"/>
+              <a:cs typeface="Arial" pitchFamily="34" charset="0"/>
+            </a:endParaRPr>
+          </a:p>
+          <a:p>
+            <a:pPr eaLnBrk="0" fontAlgn="base" hangingPunct="0">
+              <a:spcBef>
+                <a:spcPct val="0"/>
+              </a:spcBef>
+              <a:spcAft>
+                <a:spcPct val="0"/>
+              </a:spcAft>
+            </a:pPr>
+            <a:r>
+              <a:rPr lang="en-US" sz="2000" dirty="0">
+                <a:solidFill>
+                  <a:srgbClr val="000000"/>
+                </a:solidFill>
+                <a:latin typeface="Courier New" pitchFamily="49" charset="0"/>
+                <a:ea typeface="Calibri" pitchFamily="34" charset="0"/>
+                <a:cs typeface="Courier New" pitchFamily="49" charset="0"/>
+              </a:rPr>
+              <a:t>		</a:t>
+            </a:r>
+            <a:r>
+              <a:rPr lang="en-US" sz="2000" dirty="0" err="1">
+                <a:solidFill>
+                  <a:srgbClr val="000000"/>
+                </a:solidFill>
+                <a:latin typeface="Courier New" pitchFamily="49" charset="0"/>
+                <a:ea typeface="Calibri" pitchFamily="34" charset="0"/>
+                <a:cs typeface="Courier New" pitchFamily="49" charset="0"/>
+              </a:rPr>
+              <a:t>System.</a:t>
+            </a:r>
+            <a:r>
+              <a:rPr lang="en-US" sz="2000" i="1" dirty="0" err="1">
+                <a:solidFill>
+                  <a:srgbClr val="0000C0"/>
+                </a:solidFill>
+                <a:latin typeface="Courier New" pitchFamily="49" charset="0"/>
+                <a:ea typeface="Calibri" pitchFamily="34" charset="0"/>
+                <a:cs typeface="Courier New" pitchFamily="49" charset="0"/>
+              </a:rPr>
+              <a:t>out</a:t>
+            </a:r>
+            <a:r>
+              <a:rPr lang="en-US" sz="2000" dirty="0" err="1">
+                <a:solidFill>
+                  <a:srgbClr val="000000"/>
+                </a:solidFill>
+                <a:latin typeface="Courier New" pitchFamily="49" charset="0"/>
+                <a:ea typeface="Calibri" pitchFamily="34" charset="0"/>
+                <a:cs typeface="Courier New" pitchFamily="49" charset="0"/>
+              </a:rPr>
+              <a:t>.print</a:t>
+            </a:r>
+            <a:r>
+              <a:rPr lang="en-US" sz="2000" dirty="0">
+                <a:solidFill>
+                  <a:srgbClr val="000000"/>
+                </a:solidFill>
+                <a:latin typeface="Courier New" pitchFamily="49" charset="0"/>
+                <a:ea typeface="Calibri" pitchFamily="34" charset="0"/>
+                <a:cs typeface="Courier New" pitchFamily="49" charset="0"/>
+              </a:rPr>
+              <a:t>(queue2.remove() + </a:t>
+            </a:r>
+            <a:r>
+              <a:rPr lang="en-US" sz="2000" dirty="0">
+                <a:solidFill>
+                  <a:srgbClr val="2A00FF"/>
+                </a:solidFill>
+                <a:latin typeface="Courier New" pitchFamily="49" charset="0"/>
+                <a:ea typeface="Calibri" pitchFamily="34" charset="0"/>
+                <a:cs typeface="Courier New" pitchFamily="49" charset="0"/>
+              </a:rPr>
+              <a:t>" "</a:t>
+            </a:r>
+            <a:r>
+              <a:rPr lang="en-US" sz="2000" dirty="0">
+                <a:solidFill>
+                  <a:srgbClr val="000000"/>
+                </a:solidFill>
+                <a:latin typeface="Courier New" pitchFamily="49" charset="0"/>
+                <a:ea typeface="Calibri" pitchFamily="34" charset="0"/>
+                <a:cs typeface="Courier New" pitchFamily="49" charset="0"/>
+              </a:rPr>
+              <a:t>);</a:t>
+            </a:r>
+            <a:endParaRPr lang="en-US" sz="2000" dirty="0">
+              <a:latin typeface="Arial" pitchFamily="34" charset="0"/>
+              <a:cs typeface="Arial" pitchFamily="34" charset="0"/>
+            </a:endParaRPr>
+          </a:p>
+          <a:p>
+            <a:pPr eaLnBrk="0" fontAlgn="base" hangingPunct="0">
+              <a:spcBef>
+                <a:spcPct val="0"/>
+              </a:spcBef>
+              <a:spcAft>
+                <a:spcPct val="0"/>
+              </a:spcAft>
+            </a:pPr>
+            <a:r>
+              <a:rPr lang="en-US" sz="2000" dirty="0">
+                <a:solidFill>
+                  <a:srgbClr val="000000"/>
+                </a:solidFill>
+                <a:latin typeface="Courier New" pitchFamily="49" charset="0"/>
+                <a:ea typeface="Calibri" pitchFamily="34" charset="0"/>
+                <a:cs typeface="Courier New" pitchFamily="49" charset="0"/>
+              </a:rPr>
+              <a:t>	}</a:t>
+            </a:r>
+            <a:endParaRPr lang="en-US" sz="2000" dirty="0">
+              <a:latin typeface="Arial" pitchFamily="34" charset="0"/>
+              <a:cs typeface="Arial" pitchFamily="34" charset="0"/>
+            </a:endParaRPr>
+          </a:p>
+          <a:p>
+            <a:pPr eaLnBrk="0" fontAlgn="base" hangingPunct="0">
+              <a:spcBef>
+                <a:spcPct val="0"/>
+              </a:spcBef>
+              <a:spcAft>
+                <a:spcPct val="0"/>
+              </a:spcAft>
+            </a:pPr>
+            <a:r>
+              <a:rPr lang="ru-RU" sz="2000" dirty="0">
+                <a:solidFill>
+                  <a:srgbClr val="000000"/>
+                </a:solidFill>
+                <a:latin typeface="Courier New" pitchFamily="49" charset="0"/>
+                <a:ea typeface="Calibri" pitchFamily="34" charset="0"/>
+                <a:cs typeface="Courier New" pitchFamily="49" charset="0"/>
+              </a:rPr>
+              <a:t>  </a:t>
+            </a:r>
+            <a:r>
+              <a:rPr lang="en-US" sz="2000" dirty="0">
+                <a:solidFill>
+                  <a:srgbClr val="000000"/>
+                </a:solidFill>
+                <a:latin typeface="Courier New" pitchFamily="49" charset="0"/>
+                <a:ea typeface="Calibri" pitchFamily="34" charset="0"/>
+                <a:cs typeface="Courier New" pitchFamily="49" charset="0"/>
+              </a:rPr>
+              <a:t>}</a:t>
+            </a:r>
+            <a:endParaRPr lang="en-US" sz="2000" dirty="0">
+              <a:latin typeface="Arial" pitchFamily="34" charset="0"/>
+              <a:cs typeface="Arial" pitchFamily="34" charset="0"/>
+            </a:endParaRPr>
+          </a:p>
+          <a:p>
+            <a:pPr eaLnBrk="0" fontAlgn="base" hangingPunct="0">
+              <a:spcBef>
+                <a:spcPct val="0"/>
+              </a:spcBef>
+              <a:spcAft>
+                <a:spcPct val="0"/>
+              </a:spcAft>
+            </a:pPr>
+            <a:r>
+              <a:rPr lang="en-US" sz="2000" dirty="0">
+                <a:solidFill>
+                  <a:srgbClr val="000000"/>
+                </a:solidFill>
+                <a:latin typeface="Courier New" pitchFamily="49" charset="0"/>
+                <a:ea typeface="Calibri" pitchFamily="34" charset="0"/>
+                <a:cs typeface="Courier New" pitchFamily="49" charset="0"/>
+              </a:rPr>
+              <a:t>}</a:t>
+            </a:r>
+            <a:endParaRPr lang="en-US" sz="2000" dirty="0">
+              <a:latin typeface="Arial" pitchFamily="34" charset="0"/>
+              <a:cs typeface="Arial" pitchFamily="34" charset="0"/>
+            </a:endParaRPr>
+          </a:p>
+        </p:txBody>
+      </p:sp>
+      <p:sp>
+        <p:nvSpPr>
+          <p:cNvPr id="6" name="Содержимое 2"/>
+          <p:cNvSpPr>
+            <a:spLocks noGrp="1"/>
+          </p:cNvSpPr>
+          <p:nvPr>
+            <p:ph idx="1"/>
+          </p:nvPr>
+        </p:nvSpPr>
+        <p:spPr>
+          <a:xfrm>
+            <a:off x="7595870" y="4986986"/>
+            <a:ext cx="1578429" cy="390520"/>
+          </a:xfrm>
+        </p:spPr>
+        <p:txBody>
+          <a:bodyPr>
+            <a:normAutofit lnSpcReduction="10000"/>
+          </a:bodyPr>
+          <a:lstStyle/>
+          <a:p>
+            <a:pPr>
+              <a:buNone/>
+            </a:pPr>
+            <a:r>
+              <a:rPr lang="ru-RU" sz="2400" dirty="0">
+                <a:latin typeface="Times New Roman" panose="02020603050405020304" pitchFamily="18" charset="0"/>
+                <a:cs typeface="Times New Roman" panose="02020603050405020304" pitchFamily="18" charset="0"/>
+              </a:rPr>
+              <a:t>Результат:</a:t>
+            </a:r>
+            <a:endParaRPr lang="en-US" sz="2400" dirty="0">
+              <a:latin typeface="Times New Roman" panose="02020603050405020304" pitchFamily="18" charset="0"/>
+              <a:cs typeface="Times New Roman" panose="02020603050405020304" pitchFamily="18" charset="0"/>
+            </a:endParaRPr>
+          </a:p>
+        </p:txBody>
+      </p:sp>
+      <p:sp>
+        <p:nvSpPr>
+          <p:cNvPr id="7" name="Rectangle 2"/>
+          <p:cNvSpPr>
+            <a:spLocks noChangeAspect="1" noChangeArrowheads="1"/>
+          </p:cNvSpPr>
+          <p:nvPr/>
+        </p:nvSpPr>
+        <p:spPr bwMode="auto">
+          <a:xfrm>
+            <a:off x="7595870" y="5425598"/>
+            <a:ext cx="4596130" cy="1200329"/>
+          </a:xfrm>
+          <a:prstGeom prst="rect">
+            <a:avLst/>
+          </a:prstGeom>
+          <a:solidFill>
+            <a:schemeClr val="bg1">
+              <a:lumMod val="95000"/>
+            </a:schemeClr>
+          </a:solidFill>
+          <a:ln w="9525">
+            <a:noFill/>
+            <a:miter lim="800000"/>
+            <a:headEnd/>
+            <a:tailEnd/>
+          </a:ln>
+          <a:effectLst/>
+        </p:spPr>
+        <p:txBody>
+          <a:bodyPr vert="horz" wrap="none" lIns="91440" tIns="45720" rIns="91440" bIns="45720" numCol="1" anchor="ctr" anchorCtr="0" compatLnSpc="1">
+            <a:prstTxWarp prst="textNoShape">
+              <a:avLst/>
+            </a:prstTxWarp>
+            <a:spAutoFit/>
+          </a:bodyPr>
+          <a:lstStyle/>
+          <a:p>
+            <a:pPr fontAlgn="base">
+              <a:spcBef>
+                <a:spcPct val="0"/>
+              </a:spcBef>
+              <a:spcAft>
+                <a:spcPct val="0"/>
+              </a:spcAft>
+            </a:pPr>
+            <a:r>
+              <a:rPr lang="en-US" dirty="0">
+                <a:solidFill>
+                  <a:srgbClr val="000000"/>
+                </a:solidFill>
+                <a:latin typeface="Courier New" pitchFamily="49" charset="0"/>
+                <a:ea typeface="Calibri" pitchFamily="34" charset="0"/>
+                <a:cs typeface="Courier New" pitchFamily="49" charset="0"/>
+              </a:rPr>
+              <a:t>Priority queue using Comparable:</a:t>
+            </a:r>
+            <a:endParaRPr lang="en-US" dirty="0">
+              <a:latin typeface="Arial" pitchFamily="34" charset="0"/>
+              <a:cs typeface="Arial" pitchFamily="34" charset="0"/>
+            </a:endParaRPr>
+          </a:p>
+          <a:p>
+            <a:pPr eaLnBrk="0" fontAlgn="base" hangingPunct="0">
+              <a:spcBef>
+                <a:spcPct val="0"/>
+              </a:spcBef>
+              <a:spcAft>
+                <a:spcPct val="0"/>
+              </a:spcAft>
+            </a:pPr>
+            <a:r>
+              <a:rPr lang="en-US" dirty="0">
+                <a:solidFill>
+                  <a:srgbClr val="000000"/>
+                </a:solidFill>
+                <a:latin typeface="Courier New" pitchFamily="49" charset="0"/>
+                <a:ea typeface="Calibri" pitchFamily="34" charset="0"/>
+                <a:cs typeface="Courier New" pitchFamily="49" charset="0"/>
+              </a:rPr>
+              <a:t>Georgia Indiana Oklahoma Texas </a:t>
+            </a:r>
+            <a:endParaRPr lang="en-US" dirty="0">
+              <a:latin typeface="Arial" pitchFamily="34" charset="0"/>
+              <a:cs typeface="Arial" pitchFamily="34" charset="0"/>
+            </a:endParaRPr>
+          </a:p>
+          <a:p>
+            <a:pPr eaLnBrk="0" fontAlgn="base" hangingPunct="0">
+              <a:spcBef>
+                <a:spcPct val="0"/>
+              </a:spcBef>
+              <a:spcAft>
+                <a:spcPct val="0"/>
+              </a:spcAft>
+            </a:pPr>
+            <a:r>
+              <a:rPr lang="en-US" dirty="0">
+                <a:solidFill>
+                  <a:srgbClr val="000000"/>
+                </a:solidFill>
+                <a:latin typeface="Courier New" pitchFamily="49" charset="0"/>
+                <a:ea typeface="Calibri" pitchFamily="34" charset="0"/>
+                <a:cs typeface="Courier New" pitchFamily="49" charset="0"/>
+              </a:rPr>
+              <a:t>Priority queue using Comparator:</a:t>
+            </a:r>
+            <a:endParaRPr lang="en-US" dirty="0">
+              <a:latin typeface="Arial" pitchFamily="34" charset="0"/>
+              <a:cs typeface="Arial" pitchFamily="34" charset="0"/>
+            </a:endParaRPr>
+          </a:p>
+          <a:p>
+            <a:pPr eaLnBrk="0" fontAlgn="base" hangingPunct="0">
+              <a:spcBef>
+                <a:spcPct val="0"/>
+              </a:spcBef>
+              <a:spcAft>
+                <a:spcPct val="0"/>
+              </a:spcAft>
+            </a:pPr>
+            <a:r>
+              <a:rPr lang="en-US" dirty="0">
+                <a:solidFill>
+                  <a:srgbClr val="000000"/>
+                </a:solidFill>
+                <a:latin typeface="Courier New" pitchFamily="49" charset="0"/>
+                <a:ea typeface="Calibri" pitchFamily="34" charset="0"/>
+                <a:cs typeface="Courier New" pitchFamily="49" charset="0"/>
+              </a:rPr>
+              <a:t>Texas Oklahoma Indiana Georgia</a:t>
+            </a:r>
+            <a:endParaRPr lang="en-US" dirty="0">
+              <a:latin typeface="Arial" pitchFamily="34" charset="0"/>
+              <a:cs typeface="Arial" pitchFamily="34" charset="0"/>
+            </a:endParaRPr>
+          </a:p>
+        </p:txBody>
+      </p:sp>
+    </p:spTree>
+    <p:extLst>
+      <p:ext uri="{BB962C8B-B14F-4D97-AF65-F5344CB8AC3E}">
+        <p14:creationId xmlns:p14="http://schemas.microsoft.com/office/powerpoint/2010/main" val="989906326"/>
+      </p:ext>
+    </p:extLst>
+  </p:cSld>
+  <p:clrMapOvr>
+    <a:masterClrMapping/>
+  </p:clrMapOvr>
+</p:sld>
+</file>
+
+<file path=ppt/slides/slide23.xml><?xml version="1.0" encoding="utf-8"?>
+<p:sld xmlns:a="http://schemas.openxmlformats.org/drawingml/2006/main" xmlns:r="http://schemas.openxmlformats.org/officeDocument/2006/relationships" xmlns:p="http://schemas.openxmlformats.org/presentationml/2006/main">
+  <p:cSld>
+    <p:spTree>
+      <p:nvGrpSpPr>
+        <p:cNvPr id="1" name=""/>
+        <p:cNvGrpSpPr/>
+        <p:nvPr/>
+      </p:nvGrpSpPr>
+      <p:grpSpPr>
+        <a:xfrm>
+          <a:off x="0" y="0"/>
+          <a:ext cx="0" cy="0"/>
+          <a:chOff x="0" y="0"/>
+          <a:chExt cx="0" cy="0"/>
+        </a:xfrm>
+      </p:grpSpPr>
+      <p:sp>
+        <p:nvSpPr>
+          <p:cNvPr id="3" name="Содержимое 2"/>
+          <p:cNvSpPr>
+            <a:spLocks noGrp="1"/>
+          </p:cNvSpPr>
+          <p:nvPr>
+            <p:ph idx="1"/>
+          </p:nvPr>
+        </p:nvSpPr>
+        <p:spPr>
+          <a:xfrm>
+            <a:off x="223101" y="1168706"/>
+            <a:ext cx="11745797" cy="4520587"/>
+          </a:xfrm>
+        </p:spPr>
+        <p:txBody>
+          <a:bodyPr>
+            <a:normAutofit/>
+          </a:bodyPr>
+          <a:lstStyle/>
+          <a:p>
+            <a:pPr algn="just">
+              <a:buNone/>
+            </a:pPr>
+            <a:r>
+              <a:rPr lang="ru-RU" sz="2400" b="1" dirty="0" err="1">
+                <a:latin typeface="Times New Roman" panose="02020603050405020304" pitchFamily="18" charset="0"/>
+                <a:cs typeface="Times New Roman" panose="02020603050405020304" pitchFamily="18" charset="0"/>
+              </a:rPr>
+              <a:t>ArrayDeque</a:t>
+            </a:r>
+            <a:r>
+              <a:rPr lang="ru-RU" sz="2400" dirty="0">
+                <a:latin typeface="Times New Roman" panose="02020603050405020304" pitchFamily="18" charset="0"/>
+                <a:cs typeface="Times New Roman" panose="02020603050405020304" pitchFamily="18" charset="0"/>
+              </a:rPr>
+              <a:t> </a:t>
+            </a:r>
+            <a:r>
+              <a:rPr lang="en-US" sz="2400" dirty="0">
+                <a:latin typeface="Times New Roman" panose="02020603050405020304" pitchFamily="18" charset="0"/>
+                <a:cs typeface="Times New Roman" panose="02020603050405020304" pitchFamily="18" charset="0"/>
+              </a:rPr>
+              <a:t>- </a:t>
+            </a:r>
+            <a:r>
+              <a:rPr lang="uk-UA" sz="2400" dirty="0">
+                <a:latin typeface="Times New Roman" panose="02020603050405020304" pitchFamily="18" charset="0"/>
+                <a:cs typeface="Times New Roman" panose="02020603050405020304" pitchFamily="18" charset="0"/>
+              </a:rPr>
+              <a:t>ефективна реалізація інтерфейсу</a:t>
+            </a:r>
+            <a:r>
+              <a:rPr lang="ru-RU" sz="2400" dirty="0">
+                <a:latin typeface="Times New Roman" panose="02020603050405020304" pitchFamily="18" charset="0"/>
+                <a:cs typeface="Times New Roman" panose="02020603050405020304" pitchFamily="18" charset="0"/>
+              </a:rPr>
+              <a:t> </a:t>
+            </a:r>
+            <a:r>
+              <a:rPr lang="ru-RU" sz="2400" b="1" dirty="0" err="1">
+                <a:latin typeface="Times New Roman" panose="02020603050405020304" pitchFamily="18" charset="0"/>
+                <a:cs typeface="Times New Roman" panose="02020603050405020304" pitchFamily="18" charset="0"/>
+              </a:rPr>
+              <a:t>Deque</a:t>
+            </a:r>
+            <a:r>
+              <a:rPr lang="ru-RU" sz="2400" dirty="0">
+                <a:latin typeface="Times New Roman" panose="02020603050405020304" pitchFamily="18" charset="0"/>
+                <a:cs typeface="Times New Roman" panose="02020603050405020304" pitchFamily="18" charset="0"/>
+              </a:rPr>
+              <a:t> </a:t>
+            </a:r>
+            <a:r>
+              <a:rPr lang="uk-UA" sz="2400" dirty="0">
+                <a:latin typeface="Times New Roman" panose="02020603050405020304" pitchFamily="18" charset="0"/>
+                <a:cs typeface="Times New Roman" panose="02020603050405020304" pitchFamily="18" charset="0"/>
+              </a:rPr>
+              <a:t>змінного розміру</a:t>
+            </a:r>
+          </a:p>
+          <a:p>
+            <a:endParaRPr lang="uk-UA" sz="2400" dirty="0">
+              <a:latin typeface="Times New Roman" panose="02020603050405020304" pitchFamily="18" charset="0"/>
+              <a:cs typeface="Times New Roman" panose="02020603050405020304" pitchFamily="18" charset="0"/>
+            </a:endParaRPr>
+          </a:p>
+          <a:p>
+            <a:pPr>
+              <a:buNone/>
+            </a:pPr>
+            <a:r>
+              <a:rPr lang="uk-UA" sz="2400" dirty="0">
+                <a:latin typeface="Times New Roman" panose="02020603050405020304" pitchFamily="18" charset="0"/>
+                <a:cs typeface="Times New Roman" panose="02020603050405020304" pitchFamily="18" charset="0"/>
+              </a:rPr>
+              <a:t>Конструктори</a:t>
+            </a:r>
+            <a:r>
+              <a:rPr lang="ru-RU" sz="2400" dirty="0">
+                <a:latin typeface="Times New Roman" panose="02020603050405020304" pitchFamily="18" charset="0"/>
+                <a:cs typeface="Times New Roman" panose="02020603050405020304" pitchFamily="18" charset="0"/>
+              </a:rPr>
+              <a:t>:</a:t>
+            </a:r>
+            <a:endParaRPr lang="en-US" sz="2400" dirty="0">
+              <a:latin typeface="Times New Roman" panose="02020603050405020304" pitchFamily="18" charset="0"/>
+              <a:cs typeface="Times New Roman" panose="02020603050405020304" pitchFamily="18" charset="0"/>
+            </a:endParaRPr>
+          </a:p>
+          <a:p>
+            <a:pPr marL="1163638" indent="-436563" algn="just"/>
+            <a:r>
+              <a:rPr lang="en-US" sz="2400" b="1" dirty="0" err="1">
+                <a:latin typeface="Courier New" panose="02070309020205020404" pitchFamily="49" charset="0"/>
+                <a:cs typeface="Courier New" panose="02070309020205020404" pitchFamily="49" charset="0"/>
+              </a:rPr>
+              <a:t>ArrayDeque</a:t>
+            </a:r>
+            <a:r>
+              <a:rPr lang="en-US" sz="2400" b="1" dirty="0">
+                <a:latin typeface="Courier New" panose="02070309020205020404" pitchFamily="49" charset="0"/>
+                <a:cs typeface="Courier New" panose="02070309020205020404" pitchFamily="49" charset="0"/>
+              </a:rPr>
+              <a:t>(); </a:t>
+            </a:r>
+            <a:r>
+              <a:rPr lang="ru-RU" sz="2400" b="1" dirty="0">
+                <a:latin typeface="Courier New" panose="02070309020205020404" pitchFamily="49" charset="0"/>
+                <a:cs typeface="Courier New" panose="02070309020205020404" pitchFamily="49" charset="0"/>
+              </a:rPr>
+              <a:t> </a:t>
+            </a:r>
+            <a:r>
+              <a:rPr lang="en-US" sz="2400" dirty="0">
+                <a:solidFill>
+                  <a:schemeClr val="accent1">
+                    <a:lumMod val="75000"/>
+                  </a:schemeClr>
+                </a:solidFill>
+                <a:latin typeface="Courier New" panose="02070309020205020404" pitchFamily="49" charset="0"/>
+                <a:cs typeface="Courier New" panose="02070309020205020404" pitchFamily="49" charset="0"/>
+              </a:rPr>
+              <a:t>// </a:t>
+            </a:r>
+            <a:r>
+              <a:rPr lang="uk-UA" sz="2400" dirty="0">
+                <a:solidFill>
+                  <a:schemeClr val="accent1">
+                    <a:lumMod val="75000"/>
+                  </a:schemeClr>
+                </a:solidFill>
+                <a:latin typeface="Courier New" panose="02070309020205020404" pitchFamily="49" charset="0"/>
+                <a:cs typeface="Courier New" panose="02070309020205020404" pitchFamily="49" charset="0"/>
+              </a:rPr>
+              <a:t>створює  пусту </a:t>
+            </a:r>
+            <a:r>
+              <a:rPr lang="uk-UA" sz="2400" dirty="0" err="1">
+                <a:solidFill>
+                  <a:schemeClr val="accent1">
+                    <a:lumMod val="75000"/>
+                  </a:schemeClr>
+                </a:solidFill>
+                <a:latin typeface="Courier New" panose="02070309020205020404" pitchFamily="49" charset="0"/>
+                <a:cs typeface="Courier New" panose="02070309020205020404" pitchFamily="49" charset="0"/>
+              </a:rPr>
+              <a:t>двонаправлену</a:t>
+            </a:r>
+            <a:r>
+              <a:rPr lang="uk-UA" sz="2400" dirty="0">
+                <a:solidFill>
+                  <a:schemeClr val="accent1">
+                    <a:lumMod val="75000"/>
+                  </a:schemeClr>
+                </a:solidFill>
+                <a:latin typeface="Courier New" panose="02070309020205020404" pitchFamily="49" charset="0"/>
+                <a:cs typeface="Courier New" panose="02070309020205020404" pitchFamily="49" charset="0"/>
+              </a:rPr>
+              <a:t> чергу з місткістю 16 елементів</a:t>
+            </a:r>
+          </a:p>
+          <a:p>
+            <a:pPr marL="1163638" indent="-436563" algn="just"/>
+            <a:r>
+              <a:rPr lang="en-US" sz="2400" b="1" dirty="0" err="1">
+                <a:latin typeface="Courier New" panose="02070309020205020404" pitchFamily="49" charset="0"/>
+                <a:cs typeface="Courier New" panose="02070309020205020404" pitchFamily="49" charset="0"/>
+              </a:rPr>
+              <a:t>ArrayDeque</a:t>
+            </a:r>
+            <a:r>
+              <a:rPr lang="en-US" sz="2400" b="1" dirty="0">
+                <a:latin typeface="Courier New" panose="02070309020205020404" pitchFamily="49" charset="0"/>
+                <a:cs typeface="Courier New" panose="02070309020205020404" pitchFamily="49" charset="0"/>
+              </a:rPr>
+              <a:t>(Collection&lt;? extends E&gt; c);</a:t>
+            </a:r>
+            <a:r>
+              <a:rPr lang="ru-RU" sz="2400" b="1" dirty="0">
+                <a:latin typeface="Courier New" panose="02070309020205020404" pitchFamily="49" charset="0"/>
+                <a:cs typeface="Courier New" panose="02070309020205020404" pitchFamily="49" charset="0"/>
+              </a:rPr>
+              <a:t> </a:t>
+            </a:r>
+            <a:r>
+              <a:rPr lang="en-US" sz="2400" dirty="0">
+                <a:solidFill>
+                  <a:schemeClr val="accent1">
+                    <a:lumMod val="75000"/>
+                  </a:schemeClr>
+                </a:solidFill>
+                <a:latin typeface="Courier New" panose="02070309020205020404" pitchFamily="49" charset="0"/>
+                <a:cs typeface="Courier New" panose="02070309020205020404" pitchFamily="49" charset="0"/>
+              </a:rPr>
+              <a:t>//  </a:t>
+            </a:r>
+            <a:r>
+              <a:rPr lang="uk-UA" sz="2400" dirty="0">
+                <a:solidFill>
+                  <a:schemeClr val="accent1">
+                    <a:lumMod val="75000"/>
+                  </a:schemeClr>
+                </a:solidFill>
+                <a:latin typeface="Courier New" panose="02070309020205020404" pitchFamily="49" charset="0"/>
+                <a:cs typeface="Courier New" panose="02070309020205020404" pitchFamily="49" charset="0"/>
+              </a:rPr>
+              <a:t>створює </a:t>
+            </a:r>
+            <a:r>
+              <a:rPr lang="uk-UA" sz="2400" dirty="0" err="1">
+                <a:solidFill>
+                  <a:schemeClr val="accent1">
+                    <a:lumMod val="75000"/>
+                  </a:schemeClr>
+                </a:solidFill>
+                <a:latin typeface="Courier New" panose="02070309020205020404" pitchFamily="49" charset="0"/>
+                <a:cs typeface="Courier New" panose="02070309020205020404" pitchFamily="49" charset="0"/>
+              </a:rPr>
+              <a:t>двонаправлену</a:t>
+            </a:r>
+            <a:r>
+              <a:rPr lang="uk-UA" sz="2400" dirty="0">
+                <a:solidFill>
+                  <a:schemeClr val="accent1">
+                    <a:lumMod val="75000"/>
+                  </a:schemeClr>
+                </a:solidFill>
+                <a:latin typeface="Courier New" panose="02070309020205020404" pitchFamily="49" charset="0"/>
+                <a:cs typeface="Courier New" panose="02070309020205020404" pitchFamily="49" charset="0"/>
+              </a:rPr>
+              <a:t> чергу з елементів колекції в тому порядку, в якому вони повертаються </a:t>
+            </a:r>
+            <a:r>
+              <a:rPr lang="uk-UA" sz="2400" dirty="0" err="1">
+                <a:solidFill>
+                  <a:schemeClr val="accent1">
+                    <a:lumMod val="75000"/>
+                  </a:schemeClr>
+                </a:solidFill>
+                <a:latin typeface="Courier New" panose="02070309020205020404" pitchFamily="49" charset="0"/>
+                <a:cs typeface="Courier New" panose="02070309020205020404" pitchFamily="49" charset="0"/>
+              </a:rPr>
+              <a:t>ітератором</a:t>
+            </a:r>
+            <a:r>
+              <a:rPr lang="uk-UA" sz="2400" dirty="0">
+                <a:solidFill>
+                  <a:schemeClr val="accent1">
+                    <a:lumMod val="75000"/>
+                  </a:schemeClr>
+                </a:solidFill>
+                <a:latin typeface="Courier New" panose="02070309020205020404" pitchFamily="49" charset="0"/>
+                <a:cs typeface="Courier New" panose="02070309020205020404" pitchFamily="49" charset="0"/>
+              </a:rPr>
+              <a:t> колекції</a:t>
+            </a:r>
+            <a:r>
+              <a:rPr lang="ru-RU" sz="2400" dirty="0">
+                <a:solidFill>
+                  <a:schemeClr val="accent1">
+                    <a:lumMod val="75000"/>
+                  </a:schemeClr>
+                </a:solidFill>
+                <a:latin typeface="Courier New" panose="02070309020205020404" pitchFamily="49" charset="0"/>
+                <a:cs typeface="Courier New" panose="02070309020205020404" pitchFamily="49" charset="0"/>
+              </a:rPr>
+              <a:t> </a:t>
+            </a:r>
+            <a:r>
+              <a:rPr lang="en-US" sz="2400" b="1" dirty="0">
+                <a:solidFill>
+                  <a:schemeClr val="accent1">
+                    <a:lumMod val="75000"/>
+                  </a:schemeClr>
+                </a:solidFill>
+                <a:latin typeface="Courier New" panose="02070309020205020404" pitchFamily="49" charset="0"/>
+                <a:cs typeface="Courier New" panose="02070309020205020404" pitchFamily="49" charset="0"/>
+              </a:rPr>
+              <a:t>c</a:t>
+            </a:r>
+            <a:r>
+              <a:rPr lang="en-US" sz="2400" dirty="0">
+                <a:solidFill>
+                  <a:schemeClr val="accent1">
+                    <a:lumMod val="75000"/>
+                  </a:schemeClr>
+                </a:solidFill>
+                <a:latin typeface="Courier New" panose="02070309020205020404" pitchFamily="49" charset="0"/>
+                <a:cs typeface="Courier New" panose="02070309020205020404" pitchFamily="49" charset="0"/>
+              </a:rPr>
+              <a:t>.</a:t>
+            </a:r>
+          </a:p>
+          <a:p>
+            <a:pPr marL="1163638" indent="-436563" algn="just"/>
+            <a:r>
+              <a:rPr lang="en-US" sz="2400" b="1" dirty="0" err="1">
+                <a:latin typeface="Courier New" panose="02070309020205020404" pitchFamily="49" charset="0"/>
+                <a:cs typeface="Courier New" panose="02070309020205020404" pitchFamily="49" charset="0"/>
+              </a:rPr>
+              <a:t>ArrayDeque</a:t>
+            </a:r>
+            <a:r>
+              <a:rPr lang="en-US" sz="2400" b="1" dirty="0">
+                <a:latin typeface="Courier New" panose="02070309020205020404" pitchFamily="49" charset="0"/>
+                <a:cs typeface="Courier New" panose="02070309020205020404" pitchFamily="49" charset="0"/>
+              </a:rPr>
+              <a:t>(</a:t>
+            </a:r>
+            <a:r>
+              <a:rPr lang="en-US" sz="2400" b="1" dirty="0" err="1">
+                <a:latin typeface="Courier New" panose="02070309020205020404" pitchFamily="49" charset="0"/>
+                <a:cs typeface="Courier New" panose="02070309020205020404" pitchFamily="49" charset="0"/>
+              </a:rPr>
+              <a:t>int</a:t>
+            </a:r>
+            <a:r>
+              <a:rPr lang="en-US" sz="2400" b="1" dirty="0">
+                <a:latin typeface="Courier New" panose="02070309020205020404" pitchFamily="49" charset="0"/>
+                <a:cs typeface="Courier New" panose="02070309020205020404" pitchFamily="49" charset="0"/>
+              </a:rPr>
+              <a:t> </a:t>
+            </a:r>
+            <a:r>
+              <a:rPr lang="en-US" sz="2400" b="1" dirty="0" err="1">
+                <a:latin typeface="Courier New" panose="02070309020205020404" pitchFamily="49" charset="0"/>
+                <a:cs typeface="Courier New" panose="02070309020205020404" pitchFamily="49" charset="0"/>
+              </a:rPr>
+              <a:t>numElements</a:t>
+            </a:r>
+            <a:r>
+              <a:rPr lang="en-US" sz="2400" b="1" dirty="0">
+                <a:latin typeface="Courier New" panose="02070309020205020404" pitchFamily="49" charset="0"/>
+                <a:cs typeface="Courier New" panose="02070309020205020404" pitchFamily="49" charset="0"/>
+              </a:rPr>
+              <a:t>); </a:t>
+            </a:r>
+            <a:r>
+              <a:rPr lang="ru-RU" sz="2400" b="1" dirty="0">
+                <a:latin typeface="Courier New" panose="02070309020205020404" pitchFamily="49" charset="0"/>
+                <a:cs typeface="Courier New" panose="02070309020205020404" pitchFamily="49" charset="0"/>
+              </a:rPr>
+              <a:t> </a:t>
+            </a:r>
+            <a:r>
+              <a:rPr lang="en-US" sz="2400" dirty="0">
+                <a:solidFill>
+                  <a:schemeClr val="accent1">
+                    <a:lumMod val="75000"/>
+                  </a:schemeClr>
+                </a:solidFill>
+                <a:latin typeface="Courier New" panose="02070309020205020404" pitchFamily="49" charset="0"/>
+                <a:cs typeface="Courier New" panose="02070309020205020404" pitchFamily="49" charset="0"/>
+              </a:rPr>
+              <a:t>// </a:t>
+            </a:r>
+            <a:r>
+              <a:rPr lang="uk-UA" sz="2400" dirty="0">
+                <a:solidFill>
+                  <a:schemeClr val="accent1">
+                    <a:lumMod val="75000"/>
+                  </a:schemeClr>
+                </a:solidFill>
+                <a:latin typeface="Courier New" panose="02070309020205020404" pitchFamily="49" charset="0"/>
+                <a:cs typeface="Courier New" panose="02070309020205020404" pitchFamily="49" charset="0"/>
+              </a:rPr>
+              <a:t>створює пусту </a:t>
+            </a:r>
+            <a:r>
+              <a:rPr lang="uk-UA" sz="2400" dirty="0" err="1">
+                <a:solidFill>
+                  <a:schemeClr val="accent1">
+                    <a:lumMod val="75000"/>
+                  </a:schemeClr>
+                </a:solidFill>
+                <a:latin typeface="Courier New" panose="02070309020205020404" pitchFamily="49" charset="0"/>
+                <a:cs typeface="Courier New" panose="02070309020205020404" pitchFamily="49" charset="0"/>
+              </a:rPr>
+              <a:t>двонаправлену</a:t>
+            </a:r>
+            <a:r>
+              <a:rPr lang="uk-UA" sz="2400" dirty="0">
+                <a:solidFill>
+                  <a:schemeClr val="accent1">
+                    <a:lumMod val="75000"/>
+                  </a:schemeClr>
+                </a:solidFill>
+                <a:latin typeface="Courier New" panose="02070309020205020404" pitchFamily="49" charset="0"/>
+                <a:cs typeface="Courier New" panose="02070309020205020404" pitchFamily="49" charset="0"/>
+              </a:rPr>
+              <a:t> чергу з місткістю</a:t>
+            </a:r>
+            <a:r>
+              <a:rPr lang="ru-RU" sz="2400" dirty="0">
+                <a:solidFill>
+                  <a:schemeClr val="accent1">
+                    <a:lumMod val="75000"/>
+                  </a:schemeClr>
+                </a:solidFill>
+                <a:latin typeface="Courier New" panose="02070309020205020404" pitchFamily="49" charset="0"/>
+                <a:cs typeface="Courier New" panose="02070309020205020404" pitchFamily="49" charset="0"/>
+              </a:rPr>
+              <a:t> </a:t>
+            </a:r>
+            <a:r>
+              <a:rPr lang="en-US" sz="2400" b="1" dirty="0" err="1">
+                <a:solidFill>
+                  <a:schemeClr val="accent1">
+                    <a:lumMod val="75000"/>
+                  </a:schemeClr>
+                </a:solidFill>
+                <a:latin typeface="Courier New" panose="02070309020205020404" pitchFamily="49" charset="0"/>
+                <a:cs typeface="Courier New" panose="02070309020205020404" pitchFamily="49" charset="0"/>
+              </a:rPr>
+              <a:t>numElements</a:t>
+            </a:r>
+            <a:r>
+              <a:rPr lang="en-US" sz="2400" dirty="0">
+                <a:solidFill>
+                  <a:schemeClr val="accent1">
+                    <a:lumMod val="75000"/>
+                  </a:schemeClr>
+                </a:solidFill>
+                <a:latin typeface="Courier New" panose="02070309020205020404" pitchFamily="49" charset="0"/>
+                <a:cs typeface="Courier New" panose="02070309020205020404" pitchFamily="49" charset="0"/>
+              </a:rPr>
+              <a:t>.</a:t>
+            </a:r>
+          </a:p>
+          <a:p>
+            <a:endParaRPr lang="en-US" sz="2400" dirty="0">
+              <a:latin typeface="Times New Roman" panose="02020603050405020304" pitchFamily="18" charset="0"/>
+              <a:cs typeface="Times New Roman" panose="02020603050405020304" pitchFamily="18" charset="0"/>
+            </a:endParaRPr>
+          </a:p>
+          <a:p>
+            <a:endParaRPr lang="en-US" sz="2400" dirty="0">
+              <a:latin typeface="Times New Roman" panose="02020603050405020304" pitchFamily="18" charset="0"/>
+              <a:cs typeface="Times New Roman" panose="02020603050405020304" pitchFamily="18" charset="0"/>
+            </a:endParaRPr>
+          </a:p>
+        </p:txBody>
+      </p:sp>
+      <p:sp>
+        <p:nvSpPr>
+          <p:cNvPr id="5" name="Номер слайда 4"/>
+          <p:cNvSpPr>
+            <a:spLocks noGrp="1"/>
+          </p:cNvSpPr>
+          <p:nvPr>
+            <p:ph type="sldNum" sz="quarter" idx="11"/>
+          </p:nvPr>
+        </p:nvSpPr>
+        <p:spPr/>
+        <p:txBody>
+          <a:bodyPr/>
+          <a:lstStyle/>
+          <a:p>
+            <a:endParaRPr lang="en-US" dirty="0"/>
+          </a:p>
+        </p:txBody>
+      </p:sp>
+      <p:sp>
+        <p:nvSpPr>
+          <p:cNvPr id="6" name="Заголовок 1">
+            <a:extLst>
+              <a:ext uri="{FF2B5EF4-FFF2-40B4-BE49-F238E27FC236}">
+                <a16:creationId xmlns:a16="http://schemas.microsoft.com/office/drawing/2014/main" id="{DC21B0EE-8C68-411E-80E4-B9EF293935D7}"/>
+              </a:ext>
+            </a:extLst>
+          </p:cNvPr>
+          <p:cNvSpPr txBox="1">
+            <a:spLocks/>
+          </p:cNvSpPr>
+          <p:nvPr/>
+        </p:nvSpPr>
+        <p:spPr>
+          <a:xfrm>
+            <a:off x="0" y="1"/>
+            <a:ext cx="12192000" cy="952106"/>
+          </a:xfrm>
+          <a:prstGeom prst="rect">
+            <a:avLst/>
+          </a:prstGeom>
+        </p:spPr>
+        <p:txBody>
+          <a:bodyPr vert="horz" lIns="91440" tIns="45720" rIns="91440" bIns="45720" rtlCol="0" anchor="ctr">
+            <a:normAutofit/>
+          </a:bodyPr>
+          <a:lstStyle>
+            <a:lvl1pPr algn="l" defTabSz="914400" rtl="0" eaLnBrk="1" latinLnBrk="0" hangingPunct="1">
+              <a:lnSpc>
+                <a:spcPct val="90000"/>
+              </a:lnSpc>
+              <a:spcBef>
+                <a:spcPct val="0"/>
+              </a:spcBef>
+              <a:buNone/>
+              <a:defRPr sz="4400" kern="1200">
+                <a:solidFill>
+                  <a:schemeClr val="tx1"/>
+                </a:solidFill>
+                <a:latin typeface="+mj-lt"/>
+                <a:ea typeface="+mj-ea"/>
+                <a:cs typeface="+mj-cs"/>
+              </a:defRPr>
+            </a:lvl1pPr>
+          </a:lstStyle>
+          <a:p>
+            <a:pPr algn="ctr"/>
+            <a:r>
+              <a:rPr lang="uk-UA" dirty="0">
+                <a:latin typeface="Times New Roman" panose="02020603050405020304" pitchFamily="18" charset="0"/>
+                <a:cs typeface="Times New Roman" panose="02020603050405020304" pitchFamily="18" charset="0"/>
+              </a:rPr>
+              <a:t>Черги</a:t>
+            </a:r>
+            <a:r>
+              <a:rPr lang="ru-RU" dirty="0">
+                <a:latin typeface="Times New Roman" panose="02020603050405020304" pitchFamily="18" charset="0"/>
+                <a:cs typeface="Times New Roman" panose="02020603050405020304" pitchFamily="18" charset="0"/>
+              </a:rPr>
+              <a:t> </a:t>
+            </a:r>
+            <a:r>
+              <a:rPr lang="pl-PL" dirty="0">
+                <a:latin typeface="Times New Roman" panose="02020603050405020304" pitchFamily="18" charset="0"/>
+                <a:cs typeface="Times New Roman" panose="02020603050405020304" pitchFamily="18" charset="0"/>
+              </a:rPr>
+              <a:t>Queue</a:t>
+            </a:r>
+            <a:endParaRPr lang="en-US" dirty="0">
+              <a:latin typeface="Times New Roman" panose="02020603050405020304" pitchFamily="18" charset="0"/>
+              <a:cs typeface="Times New Roman" panose="02020603050405020304" pitchFamily="18" charset="0"/>
+            </a:endParaRPr>
+          </a:p>
+        </p:txBody>
+      </p:sp>
+    </p:spTree>
+    <p:extLst>
+      <p:ext uri="{BB962C8B-B14F-4D97-AF65-F5344CB8AC3E}">
+        <p14:creationId xmlns:p14="http://schemas.microsoft.com/office/powerpoint/2010/main" val="3095470511"/>
+      </p:ext>
+    </p:extLst>
+  </p:cSld>
+  <p:clrMapOvr>
+    <a:masterClrMapping/>
+  </p:clrMapOvr>
+</p:sld>
+</file>
+
+<file path=ppt/slides/slide24.xml><?xml version="1.0" encoding="utf-8"?>
+<p:sld xmlns:a="http://schemas.openxmlformats.org/drawingml/2006/main" xmlns:r="http://schemas.openxmlformats.org/officeDocument/2006/relationships" xmlns:p="http://schemas.openxmlformats.org/presentationml/2006/main">
+  <p:cSld>
+    <p:spTree>
+      <p:nvGrpSpPr>
+        <p:cNvPr id="1" name=""/>
+        <p:cNvGrpSpPr/>
+        <p:nvPr/>
+      </p:nvGrpSpPr>
+      <p:grpSpPr>
+        <a:xfrm>
+          <a:off x="0" y="0"/>
+          <a:ext cx="0" cy="0"/>
+          <a:chOff x="0" y="0"/>
+          <a:chExt cx="0" cy="0"/>
+        </a:xfrm>
+      </p:grpSpPr>
+      <p:sp>
+        <p:nvSpPr>
+          <p:cNvPr id="3" name="Содержимое 2"/>
+          <p:cNvSpPr>
+            <a:spLocks noGrp="1"/>
+          </p:cNvSpPr>
+          <p:nvPr>
+            <p:ph idx="1"/>
+          </p:nvPr>
+        </p:nvSpPr>
+        <p:spPr>
+          <a:xfrm>
+            <a:off x="838200" y="952107"/>
+            <a:ext cx="10515600" cy="4351338"/>
+          </a:xfrm>
+        </p:spPr>
+        <p:txBody>
+          <a:bodyPr>
+            <a:normAutofit/>
+          </a:bodyPr>
+          <a:lstStyle/>
+          <a:p>
+            <a:pPr algn="just">
+              <a:buNone/>
+            </a:pPr>
+            <a:r>
+              <a:rPr lang="uk-UA" sz="2400" dirty="0">
+                <a:latin typeface="Times New Roman" panose="02020603050405020304" pitchFamily="18" charset="0"/>
+                <a:cs typeface="Times New Roman" panose="02020603050405020304" pitchFamily="18" charset="0"/>
+              </a:rPr>
+              <a:t>Друга форма додавання елементів в чергу зроблена спеціально для реалізацій</a:t>
+            </a:r>
+            <a:r>
+              <a:rPr lang="ru-RU" sz="2400" dirty="0">
+                <a:latin typeface="Times New Roman" panose="02020603050405020304" pitchFamily="18" charset="0"/>
+                <a:cs typeface="Times New Roman" panose="02020603050405020304" pitchFamily="18" charset="0"/>
+              </a:rPr>
+              <a:t> </a:t>
+            </a:r>
+            <a:r>
+              <a:rPr lang="ru-RU" sz="2400" b="1" dirty="0" err="1">
+                <a:latin typeface="Times New Roman" panose="02020603050405020304" pitchFamily="18" charset="0"/>
+                <a:cs typeface="Times New Roman" panose="02020603050405020304" pitchFamily="18" charset="0"/>
+              </a:rPr>
+              <a:t>Deque</a:t>
+            </a:r>
+            <a:r>
+              <a:rPr lang="ru-RU" sz="2400" dirty="0">
+                <a:latin typeface="Times New Roman" panose="02020603050405020304" pitchFamily="18" charset="0"/>
+                <a:cs typeface="Times New Roman" panose="02020603050405020304" pitchFamily="18" charset="0"/>
+              </a:rPr>
+              <a:t>, </a:t>
+            </a:r>
+            <a:r>
+              <a:rPr lang="uk-UA" sz="2400" dirty="0">
+                <a:latin typeface="Times New Roman" panose="02020603050405020304" pitchFamily="18" charset="0"/>
+                <a:cs typeface="Times New Roman" panose="02020603050405020304" pitchFamily="18" charset="0"/>
+              </a:rPr>
+              <a:t>які мають обмеження за розміром</a:t>
+            </a:r>
+            <a:r>
+              <a:rPr lang="ru-RU" sz="2400" dirty="0">
+                <a:latin typeface="Times New Roman" panose="02020603050405020304" pitchFamily="18" charset="0"/>
+                <a:cs typeface="Times New Roman" panose="02020603050405020304" pitchFamily="18" charset="0"/>
+              </a:rPr>
+              <a:t>. </a:t>
+            </a:r>
+          </a:p>
+          <a:p>
+            <a:pPr>
+              <a:buNone/>
+            </a:pPr>
+            <a:endParaRPr lang="ru-RU" sz="2400" dirty="0">
+              <a:latin typeface="Times New Roman" panose="02020603050405020304" pitchFamily="18" charset="0"/>
+              <a:cs typeface="Times New Roman" panose="02020603050405020304" pitchFamily="18" charset="0"/>
+            </a:endParaRPr>
+          </a:p>
+          <a:p>
+            <a:pPr>
+              <a:buNone/>
+            </a:pPr>
+            <a:r>
+              <a:rPr lang="uk-UA" sz="2400" dirty="0">
+                <a:latin typeface="Times New Roman" panose="02020603050405020304" pitchFamily="18" charset="0"/>
+                <a:cs typeface="Times New Roman" panose="02020603050405020304" pitchFamily="18" charset="0"/>
+              </a:rPr>
+              <a:t>Методи</a:t>
+            </a:r>
+            <a:r>
+              <a:rPr lang="ru-RU" sz="2400" dirty="0">
+                <a:latin typeface="Times New Roman" panose="02020603050405020304" pitchFamily="18" charset="0"/>
+                <a:cs typeface="Times New Roman" panose="02020603050405020304" pitchFamily="18" charset="0"/>
+              </a:rPr>
+              <a:t> </a:t>
+            </a:r>
+            <a:r>
+              <a:rPr lang="en-US" sz="2400" b="1" dirty="0" err="1">
+                <a:latin typeface="Times New Roman" panose="02020603050405020304" pitchFamily="18" charset="0"/>
+                <a:cs typeface="Times New Roman" panose="02020603050405020304" pitchFamily="18" charset="0"/>
+              </a:rPr>
+              <a:t>addFirst</a:t>
+            </a:r>
+            <a:r>
+              <a:rPr lang="ru-RU" sz="2400" b="1" dirty="0">
+                <a:latin typeface="Times New Roman" panose="02020603050405020304" pitchFamily="18" charset="0"/>
+                <a:cs typeface="Times New Roman" panose="02020603050405020304" pitchFamily="18" charset="0"/>
+              </a:rPr>
+              <a:t>(</a:t>
+            </a:r>
+            <a:r>
+              <a:rPr lang="en-US" sz="2400" b="1" dirty="0">
+                <a:latin typeface="Times New Roman" panose="02020603050405020304" pitchFamily="18" charset="0"/>
+                <a:cs typeface="Times New Roman" panose="02020603050405020304" pitchFamily="18" charset="0"/>
+              </a:rPr>
+              <a:t>e</a:t>
+            </a:r>
+            <a:r>
+              <a:rPr lang="ru-RU" sz="2400" b="1" dirty="0">
+                <a:latin typeface="Times New Roman" panose="02020603050405020304" pitchFamily="18" charset="0"/>
+                <a:cs typeface="Times New Roman" panose="02020603050405020304" pitchFamily="18" charset="0"/>
+              </a:rPr>
+              <a:t>), </a:t>
+            </a:r>
+            <a:r>
+              <a:rPr lang="en-US" sz="2400" b="1" dirty="0" err="1">
+                <a:latin typeface="Times New Roman" panose="02020603050405020304" pitchFamily="18" charset="0"/>
+                <a:cs typeface="Times New Roman" panose="02020603050405020304" pitchFamily="18" charset="0"/>
+              </a:rPr>
+              <a:t>addLast</a:t>
+            </a:r>
+            <a:r>
+              <a:rPr lang="ru-RU" sz="2400" b="1" dirty="0">
+                <a:latin typeface="Times New Roman" panose="02020603050405020304" pitchFamily="18" charset="0"/>
+                <a:cs typeface="Times New Roman" panose="02020603050405020304" pitchFamily="18" charset="0"/>
+              </a:rPr>
+              <a:t>(</a:t>
+            </a:r>
+            <a:r>
+              <a:rPr lang="en-US" sz="2400" b="1" dirty="0">
+                <a:latin typeface="Times New Roman" panose="02020603050405020304" pitchFamily="18" charset="0"/>
+                <a:cs typeface="Times New Roman" panose="02020603050405020304" pitchFamily="18" charset="0"/>
+              </a:rPr>
+              <a:t>e</a:t>
+            </a:r>
+            <a:r>
+              <a:rPr lang="ru-RU" sz="2400" b="1" dirty="0">
+                <a:latin typeface="Times New Roman" panose="02020603050405020304" pitchFamily="18" charset="0"/>
+                <a:cs typeface="Times New Roman" panose="02020603050405020304" pitchFamily="18" charset="0"/>
+              </a:rPr>
+              <a:t>) </a:t>
+            </a:r>
+            <a:r>
+              <a:rPr lang="uk-UA" sz="2400" dirty="0">
+                <a:latin typeface="Times New Roman" panose="02020603050405020304" pitchFamily="18" charset="0"/>
+                <a:cs typeface="Times New Roman" panose="02020603050405020304" pitchFamily="18" charset="0"/>
+              </a:rPr>
+              <a:t>вставляють елементи в початок і в кінець черги відповідно</a:t>
+            </a:r>
+            <a:r>
+              <a:rPr lang="ru-RU" sz="2400" dirty="0">
+                <a:latin typeface="Times New Roman" panose="02020603050405020304" pitchFamily="18" charset="0"/>
+                <a:cs typeface="Times New Roman" panose="02020603050405020304" pitchFamily="18" charset="0"/>
+              </a:rPr>
+              <a:t>. </a:t>
+            </a:r>
+          </a:p>
+          <a:p>
+            <a:pPr>
+              <a:buNone/>
+            </a:pPr>
+            <a:endParaRPr lang="ru-RU" sz="2400" dirty="0">
+              <a:latin typeface="Times New Roman" panose="02020603050405020304" pitchFamily="18" charset="0"/>
+              <a:cs typeface="Times New Roman" panose="02020603050405020304" pitchFamily="18" charset="0"/>
+            </a:endParaRPr>
+          </a:p>
+          <a:p>
+            <a:pPr>
+              <a:buNone/>
+            </a:pPr>
+            <a:r>
+              <a:rPr lang="ru-RU" sz="2400" dirty="0">
+                <a:latin typeface="Times New Roman" panose="02020603050405020304" pitchFamily="18" charset="0"/>
+                <a:cs typeface="Times New Roman" panose="02020603050405020304" pitchFamily="18" charset="0"/>
+              </a:rPr>
+              <a:t>Метод </a:t>
+            </a:r>
+            <a:r>
+              <a:rPr lang="en-US" sz="2400" b="1" dirty="0">
+                <a:latin typeface="Times New Roman" panose="02020603050405020304" pitchFamily="18" charset="0"/>
+                <a:cs typeface="Times New Roman" panose="02020603050405020304" pitchFamily="18" charset="0"/>
+              </a:rPr>
+              <a:t>add</a:t>
+            </a:r>
+            <a:r>
+              <a:rPr lang="ru-RU" sz="2400" b="1" dirty="0">
+                <a:latin typeface="Times New Roman" panose="02020603050405020304" pitchFamily="18" charset="0"/>
+                <a:cs typeface="Times New Roman" panose="02020603050405020304" pitchFamily="18" charset="0"/>
+              </a:rPr>
+              <a:t>(</a:t>
+            </a:r>
+            <a:r>
+              <a:rPr lang="en-US" sz="2400" b="1" dirty="0">
+                <a:latin typeface="Times New Roman" panose="02020603050405020304" pitchFamily="18" charset="0"/>
+                <a:cs typeface="Times New Roman" panose="02020603050405020304" pitchFamily="18" charset="0"/>
+              </a:rPr>
+              <a:t>e</a:t>
+            </a:r>
+            <a:r>
+              <a:rPr lang="ru-RU" sz="2400" b="1" dirty="0">
+                <a:latin typeface="Times New Roman" panose="02020603050405020304" pitchFamily="18" charset="0"/>
+                <a:cs typeface="Times New Roman" panose="02020603050405020304" pitchFamily="18" charset="0"/>
+              </a:rPr>
+              <a:t>)</a:t>
+            </a:r>
+            <a:r>
+              <a:rPr lang="ru-RU" sz="2400" dirty="0">
+                <a:latin typeface="Times New Roman" panose="02020603050405020304" pitchFamily="18" charset="0"/>
+                <a:cs typeface="Times New Roman" panose="02020603050405020304" pitchFamily="18" charset="0"/>
+              </a:rPr>
+              <a:t> </a:t>
+            </a:r>
+            <a:r>
+              <a:rPr lang="uk-UA" sz="2400" dirty="0">
+                <a:latin typeface="Times New Roman" panose="02020603050405020304" pitchFamily="18" charset="0"/>
+                <a:cs typeface="Times New Roman" panose="02020603050405020304" pitchFamily="18" charset="0"/>
+              </a:rPr>
+              <a:t>успадкований від інтерфейсу</a:t>
+            </a:r>
+            <a:r>
+              <a:rPr lang="ru-RU" sz="2400" dirty="0">
+                <a:latin typeface="Times New Roman" panose="02020603050405020304" pitchFamily="18" charset="0"/>
+                <a:cs typeface="Times New Roman" panose="02020603050405020304" pitchFamily="18" charset="0"/>
+              </a:rPr>
+              <a:t> </a:t>
+            </a:r>
+            <a:r>
+              <a:rPr lang="ru-RU" sz="2400" b="1" dirty="0" err="1">
+                <a:latin typeface="Times New Roman" panose="02020603050405020304" pitchFamily="18" charset="0"/>
+                <a:cs typeface="Times New Roman" panose="02020603050405020304" pitchFamily="18" charset="0"/>
+              </a:rPr>
+              <a:t>Queue</a:t>
+            </a:r>
+            <a:r>
+              <a:rPr lang="ru-RU" sz="2400" dirty="0">
+                <a:latin typeface="Times New Roman" panose="02020603050405020304" pitchFamily="18" charset="0"/>
+                <a:cs typeface="Times New Roman" panose="02020603050405020304" pitchFamily="18" charset="0"/>
+              </a:rPr>
+              <a:t> </a:t>
+            </a:r>
+            <a:r>
+              <a:rPr lang="uk-UA" sz="2400" dirty="0">
+                <a:latin typeface="Times New Roman" panose="02020603050405020304" pitchFamily="18" charset="0"/>
+                <a:cs typeface="Times New Roman" panose="02020603050405020304" pitchFamily="18" charset="0"/>
+              </a:rPr>
+              <a:t>і абсолютно аналогічний методу</a:t>
+            </a:r>
+            <a:r>
+              <a:rPr lang="ru-RU" sz="2400" dirty="0">
+                <a:latin typeface="Times New Roman" panose="02020603050405020304" pitchFamily="18" charset="0"/>
+                <a:cs typeface="Times New Roman" panose="02020603050405020304" pitchFamily="18" charset="0"/>
+              </a:rPr>
+              <a:t> </a:t>
+            </a:r>
+            <a:r>
+              <a:rPr lang="en-US" sz="2400" b="1" dirty="0" err="1">
+                <a:latin typeface="Times New Roman" panose="02020603050405020304" pitchFamily="18" charset="0"/>
+                <a:cs typeface="Times New Roman" panose="02020603050405020304" pitchFamily="18" charset="0"/>
+              </a:rPr>
+              <a:t>addLast</a:t>
+            </a:r>
+            <a:r>
+              <a:rPr lang="ru-RU" sz="2400" b="1" dirty="0">
+                <a:latin typeface="Times New Roman" panose="02020603050405020304" pitchFamily="18" charset="0"/>
+                <a:cs typeface="Times New Roman" panose="02020603050405020304" pitchFamily="18" charset="0"/>
+              </a:rPr>
+              <a:t>(</a:t>
+            </a:r>
+            <a:r>
+              <a:rPr lang="en-US" sz="2400" b="1" dirty="0">
+                <a:latin typeface="Times New Roman" panose="02020603050405020304" pitchFamily="18" charset="0"/>
+                <a:cs typeface="Times New Roman" panose="02020603050405020304" pitchFamily="18" charset="0"/>
+              </a:rPr>
+              <a:t>e</a:t>
+            </a:r>
+            <a:r>
+              <a:rPr lang="ru-RU" sz="2400" b="1" dirty="0">
+                <a:latin typeface="Times New Roman" panose="02020603050405020304" pitchFamily="18" charset="0"/>
+                <a:cs typeface="Times New Roman" panose="02020603050405020304" pitchFamily="18" charset="0"/>
+              </a:rPr>
+              <a:t>)</a:t>
+            </a:r>
+            <a:r>
+              <a:rPr lang="ru-RU" sz="2400" dirty="0">
+                <a:latin typeface="Times New Roman" panose="02020603050405020304" pitchFamily="18" charset="0"/>
+                <a:cs typeface="Times New Roman" panose="02020603050405020304" pitchFamily="18" charset="0"/>
+              </a:rPr>
+              <a:t> </a:t>
+            </a:r>
+            <a:r>
+              <a:rPr lang="uk-UA" sz="2400" dirty="0">
+                <a:latin typeface="Times New Roman" panose="02020603050405020304" pitchFamily="18" charset="0"/>
+                <a:cs typeface="Times New Roman" panose="02020603050405020304" pitchFamily="18" charset="0"/>
+              </a:rPr>
+              <a:t>інтерфейсу</a:t>
+            </a:r>
+            <a:r>
+              <a:rPr lang="ru-RU" sz="2400" dirty="0">
+                <a:latin typeface="Times New Roman" panose="02020603050405020304" pitchFamily="18" charset="0"/>
+                <a:cs typeface="Times New Roman" panose="02020603050405020304" pitchFamily="18" charset="0"/>
+              </a:rPr>
+              <a:t> </a:t>
+            </a:r>
+            <a:r>
+              <a:rPr lang="en-US" sz="2400" b="1" dirty="0" err="1">
+                <a:latin typeface="Times New Roman" panose="02020603050405020304" pitchFamily="18" charset="0"/>
+                <a:cs typeface="Times New Roman" panose="02020603050405020304" pitchFamily="18" charset="0"/>
+              </a:rPr>
+              <a:t>Deque</a:t>
+            </a:r>
+            <a:r>
+              <a:rPr lang="ru-RU" sz="2400" b="1" dirty="0">
+                <a:latin typeface="Times New Roman" panose="02020603050405020304" pitchFamily="18" charset="0"/>
+                <a:cs typeface="Times New Roman" panose="02020603050405020304" pitchFamily="18" charset="0"/>
+              </a:rPr>
+              <a:t>.</a:t>
+            </a:r>
+            <a:endParaRPr lang="ru-RU" sz="2400" dirty="0">
+              <a:latin typeface="Times New Roman" panose="02020603050405020304" pitchFamily="18" charset="0"/>
+              <a:cs typeface="Times New Roman" panose="02020603050405020304" pitchFamily="18" charset="0"/>
+            </a:endParaRPr>
+          </a:p>
+          <a:p>
+            <a:pPr>
+              <a:buNone/>
+            </a:pPr>
+            <a:endParaRPr lang="ru-RU" sz="2400" dirty="0">
+              <a:latin typeface="Times New Roman" panose="02020603050405020304" pitchFamily="18" charset="0"/>
+              <a:cs typeface="Times New Roman" panose="02020603050405020304" pitchFamily="18" charset="0"/>
+            </a:endParaRPr>
+          </a:p>
+          <a:p>
+            <a:pPr>
+              <a:buNone/>
+            </a:pPr>
+            <a:endParaRPr lang="ru-RU" sz="2400" dirty="0">
+              <a:latin typeface="Times New Roman" panose="02020603050405020304" pitchFamily="18" charset="0"/>
+              <a:cs typeface="Times New Roman" panose="02020603050405020304" pitchFamily="18" charset="0"/>
+            </a:endParaRPr>
+          </a:p>
+          <a:p>
+            <a:pPr>
+              <a:buNone/>
+            </a:pPr>
+            <a:endParaRPr lang="en-US" sz="2400" dirty="0">
+              <a:latin typeface="Times New Roman" panose="02020603050405020304" pitchFamily="18" charset="0"/>
+              <a:cs typeface="Times New Roman" panose="02020603050405020304" pitchFamily="18" charset="0"/>
+            </a:endParaRPr>
+          </a:p>
+        </p:txBody>
+      </p:sp>
+      <p:sp>
+        <p:nvSpPr>
+          <p:cNvPr id="5" name="Номер слайда 4"/>
+          <p:cNvSpPr>
+            <a:spLocks noGrp="1"/>
+          </p:cNvSpPr>
+          <p:nvPr>
+            <p:ph type="sldNum" sz="quarter" idx="11"/>
+          </p:nvPr>
+        </p:nvSpPr>
+        <p:spPr/>
+        <p:txBody>
+          <a:bodyPr/>
+          <a:lstStyle/>
+          <a:p>
+            <a:endParaRPr lang="en-US" dirty="0"/>
+          </a:p>
+        </p:txBody>
+      </p:sp>
+      <p:sp>
+        <p:nvSpPr>
+          <p:cNvPr id="6" name="Заголовок 1">
+            <a:extLst>
+              <a:ext uri="{FF2B5EF4-FFF2-40B4-BE49-F238E27FC236}">
+                <a16:creationId xmlns:a16="http://schemas.microsoft.com/office/drawing/2014/main" id="{549DF95B-6CA4-4B70-A750-11667125CCAC}"/>
+              </a:ext>
+            </a:extLst>
+          </p:cNvPr>
+          <p:cNvSpPr txBox="1">
+            <a:spLocks/>
+          </p:cNvSpPr>
+          <p:nvPr/>
+        </p:nvSpPr>
+        <p:spPr>
+          <a:xfrm>
+            <a:off x="0" y="1"/>
+            <a:ext cx="12192000" cy="952106"/>
+          </a:xfrm>
+          <a:prstGeom prst="rect">
+            <a:avLst/>
+          </a:prstGeom>
+        </p:spPr>
+        <p:txBody>
+          <a:bodyPr vert="horz" lIns="91440" tIns="45720" rIns="91440" bIns="45720" rtlCol="0" anchor="ctr">
+            <a:normAutofit/>
+          </a:bodyPr>
+          <a:lstStyle>
+            <a:lvl1pPr algn="l" defTabSz="914400" rtl="0" eaLnBrk="1" latinLnBrk="0" hangingPunct="1">
+              <a:lnSpc>
+                <a:spcPct val="90000"/>
+              </a:lnSpc>
+              <a:spcBef>
+                <a:spcPct val="0"/>
+              </a:spcBef>
+              <a:buNone/>
+              <a:defRPr sz="4400" kern="1200">
+                <a:solidFill>
+                  <a:schemeClr val="tx1"/>
+                </a:solidFill>
+                <a:latin typeface="+mj-lt"/>
+                <a:ea typeface="+mj-ea"/>
+                <a:cs typeface="+mj-cs"/>
+              </a:defRPr>
+            </a:lvl1pPr>
+          </a:lstStyle>
+          <a:p>
+            <a:pPr algn="ctr"/>
+            <a:r>
+              <a:rPr lang="uk-UA" dirty="0">
+                <a:latin typeface="Times New Roman" panose="02020603050405020304" pitchFamily="18" charset="0"/>
+                <a:cs typeface="Times New Roman" panose="02020603050405020304" pitchFamily="18" charset="0"/>
+              </a:rPr>
+              <a:t>Черги</a:t>
+            </a:r>
+            <a:r>
+              <a:rPr lang="ru-RU" dirty="0">
+                <a:latin typeface="Times New Roman" panose="02020603050405020304" pitchFamily="18" charset="0"/>
+                <a:cs typeface="Times New Roman" panose="02020603050405020304" pitchFamily="18" charset="0"/>
+              </a:rPr>
+              <a:t> </a:t>
+            </a:r>
+            <a:r>
+              <a:rPr lang="ru-RU" sz="4400" dirty="0" err="1">
+                <a:latin typeface="Times New Roman" panose="02020603050405020304" pitchFamily="18" charset="0"/>
+                <a:cs typeface="Times New Roman" panose="02020603050405020304" pitchFamily="18" charset="0"/>
+              </a:rPr>
+              <a:t>Deque</a:t>
+            </a:r>
+            <a:endParaRPr lang="en-US" dirty="0">
+              <a:latin typeface="Times New Roman" panose="02020603050405020304" pitchFamily="18" charset="0"/>
+              <a:cs typeface="Times New Roman" panose="02020603050405020304" pitchFamily="18" charset="0"/>
+            </a:endParaRPr>
+          </a:p>
+        </p:txBody>
+      </p:sp>
+    </p:spTree>
+    <p:extLst>
+      <p:ext uri="{BB962C8B-B14F-4D97-AF65-F5344CB8AC3E}">
+        <p14:creationId xmlns:p14="http://schemas.microsoft.com/office/powerpoint/2010/main" val="1268245827"/>
+      </p:ext>
+    </p:extLst>
+  </p:cSld>
+  <p:clrMapOvr>
+    <a:masterClrMapping/>
+  </p:clrMapOvr>
+</p:sld>
+</file>
+
+<file path=ppt/slides/slide25.xml><?xml version="1.0" encoding="utf-8"?>
+<p:sld xmlns:a="http://schemas.openxmlformats.org/drawingml/2006/main" xmlns:r="http://schemas.openxmlformats.org/officeDocument/2006/relationships" xmlns:p="http://schemas.openxmlformats.org/presentationml/2006/main">
+  <p:cSld>
+    <p:spTree>
+      <p:nvGrpSpPr>
+        <p:cNvPr id="1" name=""/>
+        <p:cNvGrpSpPr/>
+        <p:nvPr/>
+      </p:nvGrpSpPr>
+      <p:grpSpPr>
+        <a:xfrm>
+          <a:off x="0" y="0"/>
+          <a:ext cx="0" cy="0"/>
+          <a:chOff x="0" y="0"/>
+          <a:chExt cx="0" cy="0"/>
+        </a:xfrm>
+      </p:grpSpPr>
+      <p:sp>
+        <p:nvSpPr>
+          <p:cNvPr id="2" name="Заголовок 1"/>
+          <p:cNvSpPr>
+            <a:spLocks noGrp="1"/>
+          </p:cNvSpPr>
+          <p:nvPr>
+            <p:ph type="title"/>
+          </p:nvPr>
+        </p:nvSpPr>
+        <p:spPr>
+          <a:xfrm>
+            <a:off x="0" y="1"/>
             <a:ext cx="12192000" cy="989813"/>
           </a:xfrm>
         </p:spPr>
@@ -12651,7 +15463,7 @@
 </p:sld>
 </file>
 
-<file path=ppt/slides/slide22.xml><?xml version="1.0" encoding="utf-8"?>
+<file path=ppt/slides/slide26.xml><?xml version="1.0" encoding="utf-8"?>
 <p:sld xmlns:a="http://schemas.openxmlformats.org/drawingml/2006/main" xmlns:r="http://schemas.openxmlformats.org/officeDocument/2006/relationships" xmlns:p="http://schemas.openxmlformats.org/presentationml/2006/main">
   <p:cSld>
     <p:spTree>
@@ -14438,2818 +17250,6 @@
     <p:extLst>
       <p:ext uri="{BB962C8B-B14F-4D97-AF65-F5344CB8AC3E}">
         <p14:creationId xmlns:p14="http://schemas.microsoft.com/office/powerpoint/2010/main" val="1204216321"/>
-      </p:ext>
-    </p:extLst>
-  </p:cSld>
-  <p:clrMapOvr>
-    <a:masterClrMapping/>
-  </p:clrMapOvr>
-</p:sld>
-</file>
-
-<file path=ppt/slides/slide23.xml><?xml version="1.0" encoding="utf-8"?>
-<p:sld xmlns:a="http://schemas.openxmlformats.org/drawingml/2006/main" xmlns:r="http://schemas.openxmlformats.org/officeDocument/2006/relationships" xmlns:p="http://schemas.openxmlformats.org/presentationml/2006/main">
-  <p:cSld>
-    <p:spTree>
-      <p:nvGrpSpPr>
-        <p:cNvPr id="1" name=""/>
-        <p:cNvGrpSpPr/>
-        <p:nvPr/>
-      </p:nvGrpSpPr>
-      <p:grpSpPr>
-        <a:xfrm>
-          <a:off x="0" y="0"/>
-          <a:ext cx="0" cy="0"/>
-          <a:chOff x="0" y="0"/>
-          <a:chExt cx="0" cy="0"/>
-        </a:xfrm>
-      </p:grpSpPr>
-      <p:sp>
-        <p:nvSpPr>
-          <p:cNvPr id="3" name="Содержимое 2"/>
-          <p:cNvSpPr>
-            <a:spLocks noGrp="1"/>
-          </p:cNvSpPr>
-          <p:nvPr>
-            <p:ph idx="1"/>
-          </p:nvPr>
-        </p:nvSpPr>
-        <p:spPr>
-          <a:xfrm>
-            <a:off x="838200" y="1090334"/>
-            <a:ext cx="10515600" cy="4351338"/>
-          </a:xfrm>
-        </p:spPr>
-        <p:txBody>
-          <a:bodyPr>
-            <a:normAutofit/>
-          </a:bodyPr>
-          <a:lstStyle/>
-          <a:p>
-            <a:pPr algn="just">
-              <a:buNone/>
-            </a:pPr>
-            <a:r>
-              <a:rPr lang="en-US" b="1" dirty="0" err="1">
-                <a:latin typeface="Times New Roman" panose="02020603050405020304" pitchFamily="18" charset="0"/>
-                <a:cs typeface="Times New Roman" panose="02020603050405020304" pitchFamily="18" charset="0"/>
-              </a:rPr>
-              <a:t>PriorityQueue</a:t>
-            </a:r>
-            <a:r>
-              <a:rPr lang="en-US" dirty="0">
-                <a:latin typeface="Times New Roman" panose="02020603050405020304" pitchFamily="18" charset="0"/>
-                <a:cs typeface="Times New Roman" panose="02020603050405020304" pitchFamily="18" charset="0"/>
-              </a:rPr>
-              <a:t> –</a:t>
-            </a:r>
-            <a:r>
-              <a:rPr lang="ru-RU" dirty="0">
-                <a:latin typeface="Times New Roman" panose="02020603050405020304" pitchFamily="18" charset="0"/>
-                <a:cs typeface="Times New Roman" panose="02020603050405020304" pitchFamily="18" charset="0"/>
-              </a:rPr>
-              <a:t> </a:t>
-            </a:r>
-            <a:r>
-              <a:rPr lang="uk-UA" dirty="0">
-                <a:latin typeface="Times New Roman" panose="02020603050405020304" pitchFamily="18" charset="0"/>
-                <a:cs typeface="Times New Roman" panose="02020603050405020304" pitchFamily="18" charset="0"/>
-              </a:rPr>
-              <a:t>це клас черги з пріоритетами. За умовчанням черга з пріоритетами розміщує елементи відповідно природному порядку сортування використовуючи</a:t>
-            </a:r>
-            <a:r>
-              <a:rPr lang="ru-RU" dirty="0">
-                <a:latin typeface="Times New Roman" panose="02020603050405020304" pitchFamily="18" charset="0"/>
-                <a:cs typeface="Times New Roman" panose="02020603050405020304" pitchFamily="18" charset="0"/>
-              </a:rPr>
-              <a:t> </a:t>
-            </a:r>
-            <a:r>
-              <a:rPr lang="en-US" dirty="0">
-                <a:latin typeface="Times New Roman" panose="02020603050405020304" pitchFamily="18" charset="0"/>
-                <a:cs typeface="Times New Roman" panose="02020603050405020304" pitchFamily="18" charset="0"/>
-              </a:rPr>
-              <a:t>Comparable</a:t>
-            </a:r>
-            <a:r>
-              <a:rPr lang="ru-RU" dirty="0">
-                <a:latin typeface="Times New Roman" panose="02020603050405020304" pitchFamily="18" charset="0"/>
-                <a:cs typeface="Times New Roman" panose="02020603050405020304" pitchFamily="18" charset="0"/>
-              </a:rPr>
-              <a:t>. </a:t>
-            </a:r>
-            <a:r>
-              <a:rPr lang="uk-UA" dirty="0">
-                <a:latin typeface="Times New Roman" panose="02020603050405020304" pitchFamily="18" charset="0"/>
-                <a:cs typeface="Times New Roman" panose="02020603050405020304" pitchFamily="18" charset="0"/>
-              </a:rPr>
-              <a:t>Елементу з найменшим значенням присвоюється найбільший пріоритет. Якщо декілька елементів мають однаковий найвищий елемент – зв’язок визначається довільно.</a:t>
-            </a:r>
-          </a:p>
-          <a:p>
-            <a:pPr algn="just">
-              <a:buNone/>
-            </a:pPr>
-            <a:endParaRPr lang="uk-UA" dirty="0">
-              <a:latin typeface="Times New Roman" panose="02020603050405020304" pitchFamily="18" charset="0"/>
-              <a:cs typeface="Times New Roman" panose="02020603050405020304" pitchFamily="18" charset="0"/>
-            </a:endParaRPr>
-          </a:p>
-          <a:p>
-            <a:pPr algn="just">
-              <a:buNone/>
-            </a:pPr>
-            <a:r>
-              <a:rPr lang="uk-UA" dirty="0">
-                <a:latin typeface="Times New Roman" panose="02020603050405020304" pitchFamily="18" charset="0"/>
-                <a:cs typeface="Times New Roman" panose="02020603050405020304" pitchFamily="18" charset="0"/>
-              </a:rPr>
-              <a:t>Також можна вказати спеціальний порядок розміщення, використовуючи</a:t>
-            </a:r>
-            <a:r>
-              <a:rPr lang="ru-RU" dirty="0">
-                <a:latin typeface="Times New Roman" panose="02020603050405020304" pitchFamily="18" charset="0"/>
-                <a:cs typeface="Times New Roman" panose="02020603050405020304" pitchFamily="18" charset="0"/>
-              </a:rPr>
-              <a:t> </a:t>
-            </a:r>
-            <a:r>
-              <a:rPr lang="en-US" b="1" dirty="0">
-                <a:latin typeface="Times New Roman" panose="02020603050405020304" pitchFamily="18" charset="0"/>
-                <a:cs typeface="Times New Roman" panose="02020603050405020304" pitchFamily="18" charset="0"/>
-              </a:rPr>
-              <a:t>Comparator</a:t>
-            </a:r>
-          </a:p>
-          <a:p>
-            <a:endParaRPr lang="en-US" dirty="0">
-              <a:latin typeface="Times New Roman" panose="02020603050405020304" pitchFamily="18" charset="0"/>
-              <a:cs typeface="Times New Roman" panose="02020603050405020304" pitchFamily="18" charset="0"/>
-            </a:endParaRPr>
-          </a:p>
-          <a:p>
-            <a:endParaRPr lang="en-US" dirty="0">
-              <a:latin typeface="Times New Roman" panose="02020603050405020304" pitchFamily="18" charset="0"/>
-              <a:cs typeface="Times New Roman" panose="02020603050405020304" pitchFamily="18" charset="0"/>
-            </a:endParaRPr>
-          </a:p>
-          <a:p>
-            <a:endParaRPr lang="en-US" dirty="0">
-              <a:latin typeface="Times New Roman" panose="02020603050405020304" pitchFamily="18" charset="0"/>
-              <a:cs typeface="Times New Roman" panose="02020603050405020304" pitchFamily="18" charset="0"/>
-            </a:endParaRPr>
-          </a:p>
-          <a:p>
-            <a:endParaRPr lang="en-US" dirty="0">
-              <a:latin typeface="Times New Roman" panose="02020603050405020304" pitchFamily="18" charset="0"/>
-              <a:cs typeface="Times New Roman" panose="02020603050405020304" pitchFamily="18" charset="0"/>
-            </a:endParaRPr>
-          </a:p>
-        </p:txBody>
-      </p:sp>
-      <p:sp>
-        <p:nvSpPr>
-          <p:cNvPr id="5" name="Номер слайда 4"/>
-          <p:cNvSpPr>
-            <a:spLocks noGrp="1"/>
-          </p:cNvSpPr>
-          <p:nvPr>
-            <p:ph type="sldNum" sz="quarter" idx="11"/>
-          </p:nvPr>
-        </p:nvSpPr>
-        <p:spPr/>
-        <p:txBody>
-          <a:bodyPr/>
-          <a:lstStyle/>
-          <a:p>
-            <a:endParaRPr lang="en-US" dirty="0"/>
-          </a:p>
-        </p:txBody>
-      </p:sp>
-      <p:sp>
-        <p:nvSpPr>
-          <p:cNvPr id="7" name="Заголовок 1">
-            <a:extLst>
-              <a:ext uri="{FF2B5EF4-FFF2-40B4-BE49-F238E27FC236}">
-                <a16:creationId xmlns:a16="http://schemas.microsoft.com/office/drawing/2014/main" id="{6A6D0B8D-F332-4EAA-88F2-54CE3E930A5A}"/>
-              </a:ext>
-            </a:extLst>
-          </p:cNvPr>
-          <p:cNvSpPr>
-            <a:spLocks noGrp="1"/>
-          </p:cNvSpPr>
-          <p:nvPr>
-            <p:ph type="title"/>
-          </p:nvPr>
-        </p:nvSpPr>
-        <p:spPr>
-          <a:xfrm>
-            <a:off x="0" y="1"/>
-            <a:ext cx="12192000" cy="961533"/>
-          </a:xfrm>
-        </p:spPr>
-        <p:txBody>
-          <a:bodyPr/>
-          <a:lstStyle/>
-          <a:p>
-            <a:pPr algn="ctr"/>
-            <a:r>
-              <a:rPr lang="en-US" dirty="0" err="1">
-                <a:latin typeface="Times New Roman" panose="02020603050405020304" pitchFamily="18" charset="0"/>
-                <a:cs typeface="Times New Roman" panose="02020603050405020304" pitchFamily="18" charset="0"/>
-              </a:rPr>
-              <a:t>PriorityQueue</a:t>
-            </a:r>
-            <a:endParaRPr lang="uk-UA" dirty="0">
-              <a:latin typeface="Times New Roman" panose="02020603050405020304" pitchFamily="18" charset="0"/>
-              <a:cs typeface="Times New Roman" panose="02020603050405020304" pitchFamily="18" charset="0"/>
-            </a:endParaRPr>
-          </a:p>
-        </p:txBody>
-      </p:sp>
-    </p:spTree>
-    <p:extLst>
-      <p:ext uri="{BB962C8B-B14F-4D97-AF65-F5344CB8AC3E}">
-        <p14:creationId xmlns:p14="http://schemas.microsoft.com/office/powerpoint/2010/main" val="4283643800"/>
-      </p:ext>
-    </p:extLst>
-  </p:cSld>
-  <p:clrMapOvr>
-    <a:masterClrMapping/>
-  </p:clrMapOvr>
-</p:sld>
-</file>
-
-<file path=ppt/slides/slide24.xml><?xml version="1.0" encoding="utf-8"?>
-<p:sld xmlns:a="http://schemas.openxmlformats.org/drawingml/2006/main" xmlns:r="http://schemas.openxmlformats.org/officeDocument/2006/relationships" xmlns:p="http://schemas.openxmlformats.org/presentationml/2006/main">
-  <p:cSld>
-    <p:spTree>
-      <p:nvGrpSpPr>
-        <p:cNvPr id="1" name=""/>
-        <p:cNvGrpSpPr/>
-        <p:nvPr/>
-      </p:nvGrpSpPr>
-      <p:grpSpPr>
-        <a:xfrm>
-          <a:off x="0" y="0"/>
-          <a:ext cx="0" cy="0"/>
-          <a:chOff x="0" y="0"/>
-          <a:chExt cx="0" cy="0"/>
-        </a:xfrm>
-      </p:grpSpPr>
-      <p:sp>
-        <p:nvSpPr>
-          <p:cNvPr id="3" name="Содержимое 2"/>
-          <p:cNvSpPr>
-            <a:spLocks noGrp="1"/>
-          </p:cNvSpPr>
-          <p:nvPr>
-            <p:ph idx="1"/>
-          </p:nvPr>
-        </p:nvSpPr>
-        <p:spPr>
-          <a:xfrm>
-            <a:off x="424205" y="1414021"/>
-            <a:ext cx="11236751" cy="4762942"/>
-          </a:xfrm>
-        </p:spPr>
-        <p:txBody>
-          <a:bodyPr/>
-          <a:lstStyle/>
-          <a:p>
-            <a:pPr>
-              <a:buNone/>
-            </a:pPr>
-            <a:r>
-              <a:rPr lang="uk-UA" sz="1800" b="1" dirty="0">
-                <a:latin typeface="Courier New" panose="02070309020205020404" pitchFamily="49" charset="0"/>
-                <a:cs typeface="Courier New" panose="02070309020205020404" pitchFamily="49" charset="0"/>
-              </a:rPr>
-              <a:t>Конструктори</a:t>
-            </a:r>
-            <a:r>
-              <a:rPr lang="ru-RU" sz="1800" b="1" dirty="0">
-                <a:latin typeface="Courier New" panose="02070309020205020404" pitchFamily="49" charset="0"/>
-                <a:cs typeface="Courier New" panose="02070309020205020404" pitchFamily="49" charset="0"/>
-              </a:rPr>
-              <a:t>  </a:t>
-            </a:r>
-            <a:r>
-              <a:rPr lang="en-US" sz="1800" b="1" dirty="0" err="1">
-                <a:latin typeface="Courier New" panose="02070309020205020404" pitchFamily="49" charset="0"/>
-                <a:cs typeface="Courier New" panose="02070309020205020404" pitchFamily="49" charset="0"/>
-              </a:rPr>
-              <a:t>PriorityQueue</a:t>
-            </a:r>
-            <a:r>
-              <a:rPr lang="ru-RU" sz="1800" b="1" dirty="0">
-                <a:latin typeface="Courier New" panose="02070309020205020404" pitchFamily="49" charset="0"/>
-                <a:cs typeface="Courier New" panose="02070309020205020404" pitchFamily="49" charset="0"/>
-              </a:rPr>
-              <a:t>:</a:t>
-            </a:r>
-          </a:p>
-          <a:p>
-            <a:pPr>
-              <a:buNone/>
-            </a:pPr>
-            <a:endParaRPr lang="en-US" sz="1800" dirty="0">
-              <a:latin typeface="Courier New" panose="02070309020205020404" pitchFamily="49" charset="0"/>
-              <a:cs typeface="Courier New" panose="02070309020205020404" pitchFamily="49" charset="0"/>
-            </a:endParaRPr>
-          </a:p>
-          <a:p>
-            <a:pPr marL="1168400" indent="-444500"/>
-            <a:r>
-              <a:rPr lang="en-US" sz="1800" b="1" dirty="0" err="1">
-                <a:latin typeface="Courier New" panose="02070309020205020404" pitchFamily="49" charset="0"/>
-                <a:cs typeface="Courier New" panose="02070309020205020404" pitchFamily="49" charset="0"/>
-              </a:rPr>
-              <a:t>PriorityQueue</a:t>
-            </a:r>
-            <a:r>
-              <a:rPr lang="en-US" sz="1800" b="1" dirty="0">
-                <a:latin typeface="Courier New" panose="02070309020205020404" pitchFamily="49" charset="0"/>
-                <a:cs typeface="Courier New" panose="02070309020205020404" pitchFamily="49" charset="0"/>
-              </a:rPr>
-              <a:t>(); </a:t>
-            </a:r>
-            <a:r>
-              <a:rPr lang="en-US" sz="1800" dirty="0">
-                <a:solidFill>
-                  <a:schemeClr val="accent1">
-                    <a:lumMod val="75000"/>
-                  </a:schemeClr>
-                </a:solidFill>
-                <a:latin typeface="Courier New" panose="02070309020205020404" pitchFamily="49" charset="0"/>
-                <a:cs typeface="Courier New" panose="02070309020205020404" pitchFamily="49" charset="0"/>
-              </a:rPr>
-              <a:t>// </a:t>
-            </a:r>
-            <a:r>
-              <a:rPr lang="uk-UA" sz="1800" dirty="0">
-                <a:solidFill>
-                  <a:schemeClr val="accent1">
-                    <a:lumMod val="75000"/>
-                  </a:schemeClr>
-                </a:solidFill>
-                <a:latin typeface="Courier New" panose="02070309020205020404" pitchFamily="49" charset="0"/>
-                <a:cs typeface="Courier New" panose="02070309020205020404" pitchFamily="49" charset="0"/>
-              </a:rPr>
-              <a:t>створює чергу з пріоритетами початковою ємністю 11, яка розміщує елементи відповідно природному порядку сортування</a:t>
-            </a:r>
-            <a:r>
-              <a:rPr lang="ru-RU" sz="1800" dirty="0">
-                <a:solidFill>
-                  <a:schemeClr val="accent1">
-                    <a:lumMod val="75000"/>
-                  </a:schemeClr>
-                </a:solidFill>
-                <a:latin typeface="Courier New" panose="02070309020205020404" pitchFamily="49" charset="0"/>
-                <a:cs typeface="Courier New" panose="02070309020205020404" pitchFamily="49" charset="0"/>
-              </a:rPr>
-              <a:t> </a:t>
-            </a:r>
-            <a:r>
-              <a:rPr lang="en-US" sz="1800" dirty="0">
-                <a:solidFill>
-                  <a:schemeClr val="accent1">
-                    <a:lumMod val="75000"/>
-                  </a:schemeClr>
-                </a:solidFill>
-                <a:latin typeface="Courier New" panose="02070309020205020404" pitchFamily="49" charset="0"/>
-                <a:cs typeface="Courier New" panose="02070309020205020404" pitchFamily="49" charset="0"/>
-              </a:rPr>
-              <a:t>(</a:t>
-            </a:r>
-            <a:r>
-              <a:rPr lang="en-US" sz="1800" b="1" dirty="0">
-                <a:solidFill>
-                  <a:schemeClr val="accent1">
-                    <a:lumMod val="75000"/>
-                  </a:schemeClr>
-                </a:solidFill>
-                <a:latin typeface="Courier New" panose="02070309020205020404" pitchFamily="49" charset="0"/>
-                <a:cs typeface="Courier New" panose="02070309020205020404" pitchFamily="49" charset="0"/>
-              </a:rPr>
-              <a:t>Comparable</a:t>
-            </a:r>
-            <a:r>
-              <a:rPr lang="en-US" sz="1800" dirty="0">
-                <a:solidFill>
-                  <a:schemeClr val="accent1">
-                    <a:lumMod val="75000"/>
-                  </a:schemeClr>
-                </a:solidFill>
-                <a:latin typeface="Courier New" panose="02070309020205020404" pitchFamily="49" charset="0"/>
-                <a:cs typeface="Courier New" panose="02070309020205020404" pitchFamily="49" charset="0"/>
-              </a:rPr>
-              <a:t>).</a:t>
-            </a:r>
-          </a:p>
-          <a:p>
-            <a:pPr marL="1168400" indent="-444500"/>
-            <a:r>
-              <a:rPr lang="en-US" sz="1800" b="1" dirty="0" err="1">
-                <a:latin typeface="Courier New" panose="02070309020205020404" pitchFamily="49" charset="0"/>
-                <a:cs typeface="Courier New" panose="02070309020205020404" pitchFamily="49" charset="0"/>
-              </a:rPr>
-              <a:t>PriorityQueue</a:t>
-            </a:r>
-            <a:r>
-              <a:rPr lang="en-US" sz="1800" b="1" dirty="0">
-                <a:latin typeface="Courier New" panose="02070309020205020404" pitchFamily="49" charset="0"/>
-                <a:cs typeface="Courier New" panose="02070309020205020404" pitchFamily="49" charset="0"/>
-              </a:rPr>
-              <a:t>(Collection&lt;? extends E&gt; c); </a:t>
-            </a:r>
-          </a:p>
-          <a:p>
-            <a:pPr marL="1168400" indent="-444500"/>
-            <a:r>
-              <a:rPr lang="en-US" sz="1800" b="1" dirty="0" err="1">
-                <a:latin typeface="Courier New" panose="02070309020205020404" pitchFamily="49" charset="0"/>
-                <a:cs typeface="Courier New" panose="02070309020205020404" pitchFamily="49" charset="0"/>
-              </a:rPr>
-              <a:t>PriorityQueue</a:t>
-            </a:r>
-            <a:r>
-              <a:rPr lang="en-US" sz="1800" b="1" dirty="0">
-                <a:latin typeface="Courier New" panose="02070309020205020404" pitchFamily="49" charset="0"/>
-                <a:cs typeface="Courier New" panose="02070309020205020404" pitchFamily="49" charset="0"/>
-              </a:rPr>
-              <a:t>(</a:t>
-            </a:r>
-            <a:r>
-              <a:rPr lang="en-US" sz="1800" b="1" dirty="0" err="1">
-                <a:latin typeface="Courier New" panose="02070309020205020404" pitchFamily="49" charset="0"/>
-                <a:cs typeface="Courier New" panose="02070309020205020404" pitchFamily="49" charset="0"/>
-              </a:rPr>
-              <a:t>int</a:t>
-            </a:r>
-            <a:r>
-              <a:rPr lang="en-US" sz="1800" b="1" dirty="0">
-                <a:latin typeface="Courier New" panose="02070309020205020404" pitchFamily="49" charset="0"/>
-                <a:cs typeface="Courier New" panose="02070309020205020404" pitchFamily="49" charset="0"/>
-              </a:rPr>
-              <a:t> </a:t>
-            </a:r>
-            <a:r>
-              <a:rPr lang="en-US" sz="1800" b="1" dirty="0" err="1">
-                <a:latin typeface="Courier New" panose="02070309020205020404" pitchFamily="49" charset="0"/>
-                <a:cs typeface="Courier New" panose="02070309020205020404" pitchFamily="49" charset="0"/>
-              </a:rPr>
-              <a:t>initialCapacity</a:t>
-            </a:r>
-            <a:r>
-              <a:rPr lang="en-US" sz="1800" b="1" dirty="0">
-                <a:latin typeface="Courier New" panose="02070309020205020404" pitchFamily="49" charset="0"/>
-                <a:cs typeface="Courier New" panose="02070309020205020404" pitchFamily="49" charset="0"/>
-              </a:rPr>
-              <a:t>);</a:t>
-            </a:r>
-          </a:p>
-          <a:p>
-            <a:pPr marL="1168400" indent="-444500"/>
-            <a:r>
-              <a:rPr lang="en-US" sz="1800" b="1" dirty="0" err="1">
-                <a:latin typeface="Courier New" panose="02070309020205020404" pitchFamily="49" charset="0"/>
-                <a:cs typeface="Courier New" panose="02070309020205020404" pitchFamily="49" charset="0"/>
-              </a:rPr>
-              <a:t>PriorityQueue</a:t>
-            </a:r>
-            <a:r>
-              <a:rPr lang="en-US" sz="1800" b="1" dirty="0">
-                <a:latin typeface="Courier New" panose="02070309020205020404" pitchFamily="49" charset="0"/>
-                <a:cs typeface="Courier New" panose="02070309020205020404" pitchFamily="49" charset="0"/>
-              </a:rPr>
-              <a:t>(</a:t>
-            </a:r>
-            <a:r>
-              <a:rPr lang="en-US" sz="1800" b="1" dirty="0" err="1">
-                <a:latin typeface="Courier New" panose="02070309020205020404" pitchFamily="49" charset="0"/>
-                <a:cs typeface="Courier New" panose="02070309020205020404" pitchFamily="49" charset="0"/>
-              </a:rPr>
-              <a:t>int</a:t>
-            </a:r>
-            <a:r>
-              <a:rPr lang="en-US" sz="1800" b="1" dirty="0">
-                <a:latin typeface="Courier New" panose="02070309020205020404" pitchFamily="49" charset="0"/>
-                <a:cs typeface="Courier New" panose="02070309020205020404" pitchFamily="49" charset="0"/>
-              </a:rPr>
-              <a:t> </a:t>
-            </a:r>
-            <a:r>
-              <a:rPr lang="en-US" sz="1800" b="1" dirty="0" err="1">
-                <a:latin typeface="Courier New" panose="02070309020205020404" pitchFamily="49" charset="0"/>
-                <a:cs typeface="Courier New" panose="02070309020205020404" pitchFamily="49" charset="0"/>
-              </a:rPr>
-              <a:t>initialCapacity</a:t>
-            </a:r>
-            <a:r>
-              <a:rPr lang="en-US" sz="1800" b="1" dirty="0">
-                <a:latin typeface="Courier New" panose="02070309020205020404" pitchFamily="49" charset="0"/>
-                <a:cs typeface="Courier New" panose="02070309020205020404" pitchFamily="49" charset="0"/>
-              </a:rPr>
-              <a:t>, Comparator&lt;? super E&gt; comparator); </a:t>
-            </a:r>
-          </a:p>
-          <a:p>
-            <a:pPr marL="1168400" indent="-444500"/>
-            <a:r>
-              <a:rPr lang="en-US" sz="1800" b="1" dirty="0" err="1">
-                <a:latin typeface="Courier New" panose="02070309020205020404" pitchFamily="49" charset="0"/>
-                <a:cs typeface="Courier New" panose="02070309020205020404" pitchFamily="49" charset="0"/>
-              </a:rPr>
-              <a:t>PriorityQueue</a:t>
-            </a:r>
-            <a:r>
-              <a:rPr lang="en-US" sz="1800" b="1" dirty="0">
-                <a:latin typeface="Courier New" panose="02070309020205020404" pitchFamily="49" charset="0"/>
-                <a:cs typeface="Courier New" panose="02070309020205020404" pitchFamily="49" charset="0"/>
-              </a:rPr>
-              <a:t>(</a:t>
-            </a:r>
-            <a:r>
-              <a:rPr lang="en-US" sz="1800" b="1" dirty="0" err="1">
-                <a:latin typeface="Courier New" panose="02070309020205020404" pitchFamily="49" charset="0"/>
-                <a:cs typeface="Courier New" panose="02070309020205020404" pitchFamily="49" charset="0"/>
-              </a:rPr>
-              <a:t>PriorityQueue</a:t>
-            </a:r>
-            <a:r>
-              <a:rPr lang="en-US" sz="1800" b="1" dirty="0">
-                <a:latin typeface="Courier New" panose="02070309020205020404" pitchFamily="49" charset="0"/>
-                <a:cs typeface="Courier New" panose="02070309020205020404" pitchFamily="49" charset="0"/>
-              </a:rPr>
-              <a:t>&lt;? extends E&gt; c);</a:t>
-            </a:r>
-          </a:p>
-          <a:p>
-            <a:pPr marL="1168400" indent="-444500"/>
-            <a:r>
-              <a:rPr lang="en-US" sz="1800" b="1" dirty="0" err="1">
-                <a:latin typeface="Courier New" panose="02070309020205020404" pitchFamily="49" charset="0"/>
-                <a:cs typeface="Courier New" panose="02070309020205020404" pitchFamily="49" charset="0"/>
-              </a:rPr>
-              <a:t>PriorityQueue</a:t>
-            </a:r>
-            <a:r>
-              <a:rPr lang="en-US" sz="1800" b="1" dirty="0">
-                <a:latin typeface="Courier New" panose="02070309020205020404" pitchFamily="49" charset="0"/>
-                <a:cs typeface="Courier New" panose="02070309020205020404" pitchFamily="49" charset="0"/>
-              </a:rPr>
-              <a:t>(</a:t>
-            </a:r>
-            <a:r>
-              <a:rPr lang="en-US" sz="1800" b="1" dirty="0" err="1">
-                <a:latin typeface="Courier New" panose="02070309020205020404" pitchFamily="49" charset="0"/>
-                <a:cs typeface="Courier New" panose="02070309020205020404" pitchFamily="49" charset="0"/>
-              </a:rPr>
-              <a:t>SortedSet</a:t>
-            </a:r>
-            <a:r>
-              <a:rPr lang="en-US" sz="1800" b="1" dirty="0">
-                <a:latin typeface="Courier New" panose="02070309020205020404" pitchFamily="49" charset="0"/>
-                <a:cs typeface="Courier New" panose="02070309020205020404" pitchFamily="49" charset="0"/>
-              </a:rPr>
-              <a:t>&lt;? extends E&gt; c);</a:t>
-            </a:r>
-          </a:p>
-        </p:txBody>
-      </p:sp>
-      <p:sp>
-        <p:nvSpPr>
-          <p:cNvPr id="7" name="Заголовок 1">
-            <a:extLst>
-              <a:ext uri="{FF2B5EF4-FFF2-40B4-BE49-F238E27FC236}">
-                <a16:creationId xmlns:a16="http://schemas.microsoft.com/office/drawing/2014/main" id="{AD22F9A0-027B-4AD4-9F9C-183FAE98D945}"/>
-              </a:ext>
-            </a:extLst>
-          </p:cNvPr>
-          <p:cNvSpPr>
-            <a:spLocks noGrp="1"/>
-          </p:cNvSpPr>
-          <p:nvPr>
-            <p:ph type="title"/>
-          </p:nvPr>
-        </p:nvSpPr>
-        <p:spPr>
-          <a:xfrm>
-            <a:off x="0" y="1"/>
-            <a:ext cx="12192000" cy="961533"/>
-          </a:xfrm>
-        </p:spPr>
-        <p:txBody>
-          <a:bodyPr/>
-          <a:lstStyle/>
-          <a:p>
-            <a:pPr algn="ctr"/>
-            <a:r>
-              <a:rPr lang="en-US" dirty="0" err="1">
-                <a:latin typeface="Times New Roman" panose="02020603050405020304" pitchFamily="18" charset="0"/>
-                <a:cs typeface="Times New Roman" panose="02020603050405020304" pitchFamily="18" charset="0"/>
-              </a:rPr>
-              <a:t>PriorityQueue</a:t>
-            </a:r>
-            <a:r>
-              <a:rPr lang="en-US" dirty="0">
-                <a:latin typeface="Times New Roman" panose="02020603050405020304" pitchFamily="18" charset="0"/>
-                <a:cs typeface="Times New Roman" panose="02020603050405020304" pitchFamily="18" charset="0"/>
-              </a:rPr>
-              <a:t>. </a:t>
-            </a:r>
-            <a:r>
-              <a:rPr lang="uk-UA" dirty="0">
-                <a:latin typeface="Times New Roman" panose="02020603050405020304" pitchFamily="18" charset="0"/>
-                <a:cs typeface="Times New Roman" panose="02020603050405020304" pitchFamily="18" charset="0"/>
-              </a:rPr>
-              <a:t>Конструктори</a:t>
-            </a:r>
-          </a:p>
-        </p:txBody>
-      </p:sp>
-    </p:spTree>
-    <p:extLst>
-      <p:ext uri="{BB962C8B-B14F-4D97-AF65-F5344CB8AC3E}">
-        <p14:creationId xmlns:p14="http://schemas.microsoft.com/office/powerpoint/2010/main" val="1331912459"/>
-      </p:ext>
-    </p:extLst>
-  </p:cSld>
-  <p:clrMapOvr>
-    <a:masterClrMapping/>
-  </p:clrMapOvr>
-</p:sld>
-</file>
-
-<file path=ppt/slides/slide25.xml><?xml version="1.0" encoding="utf-8"?>
-<p:sld xmlns:a="http://schemas.openxmlformats.org/drawingml/2006/main" xmlns:r="http://schemas.openxmlformats.org/officeDocument/2006/relationships" xmlns:p="http://schemas.openxmlformats.org/presentationml/2006/main">
-  <p:cSld>
-    <p:spTree>
-      <p:nvGrpSpPr>
-        <p:cNvPr id="1" name=""/>
-        <p:cNvGrpSpPr/>
-        <p:nvPr/>
-      </p:nvGrpSpPr>
-      <p:grpSpPr>
-        <a:xfrm>
-          <a:off x="0" y="0"/>
-          <a:ext cx="0" cy="0"/>
-          <a:chOff x="0" y="0"/>
-          <a:chExt cx="0" cy="0"/>
-        </a:xfrm>
-      </p:grpSpPr>
-      <p:sp>
-        <p:nvSpPr>
-          <p:cNvPr id="2" name="Заголовок 1"/>
-          <p:cNvSpPr>
-            <a:spLocks noGrp="1"/>
-          </p:cNvSpPr>
-          <p:nvPr>
-            <p:ph type="title"/>
-          </p:nvPr>
-        </p:nvSpPr>
-        <p:spPr>
-          <a:xfrm>
-            <a:off x="0" y="1"/>
-            <a:ext cx="12192000" cy="725863"/>
-          </a:xfrm>
-        </p:spPr>
-        <p:txBody>
-          <a:bodyPr/>
-          <a:lstStyle/>
-          <a:p>
-            <a:pPr algn="ctr"/>
-            <a:r>
-              <a:rPr lang="uk-UA" dirty="0">
-                <a:latin typeface="Times New Roman" panose="02020603050405020304" pitchFamily="18" charset="0"/>
-                <a:cs typeface="Times New Roman" panose="02020603050405020304" pitchFamily="18" charset="0"/>
-              </a:rPr>
-              <a:t>Черги</a:t>
-            </a:r>
-            <a:r>
-              <a:rPr lang="ru-RU" dirty="0">
-                <a:latin typeface="Times New Roman" panose="02020603050405020304" pitchFamily="18" charset="0"/>
-                <a:cs typeface="Times New Roman" panose="02020603050405020304" pitchFamily="18" charset="0"/>
-              </a:rPr>
-              <a:t> </a:t>
-            </a:r>
-            <a:r>
-              <a:rPr lang="pl-PL" dirty="0">
-                <a:latin typeface="Times New Roman" panose="02020603050405020304" pitchFamily="18" charset="0"/>
-                <a:cs typeface="Times New Roman" panose="02020603050405020304" pitchFamily="18" charset="0"/>
-              </a:rPr>
-              <a:t>Queue</a:t>
-            </a:r>
-            <a:r>
-              <a:rPr lang="ru-RU" dirty="0">
-                <a:latin typeface="Times New Roman" panose="02020603050405020304" pitchFamily="18" charset="0"/>
-                <a:cs typeface="Times New Roman" panose="02020603050405020304" pitchFamily="18" charset="0"/>
-              </a:rPr>
-              <a:t>. </a:t>
-            </a:r>
-            <a:r>
-              <a:rPr lang="uk-UA" dirty="0">
-                <a:latin typeface="Times New Roman" panose="02020603050405020304" pitchFamily="18" charset="0"/>
-                <a:cs typeface="Times New Roman" panose="02020603050405020304" pitchFamily="18" charset="0"/>
-              </a:rPr>
-              <a:t>Приклад</a:t>
-            </a:r>
-            <a:endParaRPr lang="en-US" dirty="0">
-              <a:latin typeface="Times New Roman" panose="02020603050405020304" pitchFamily="18" charset="0"/>
-              <a:cs typeface="Times New Roman" panose="02020603050405020304" pitchFamily="18" charset="0"/>
-            </a:endParaRPr>
-          </a:p>
-        </p:txBody>
-      </p:sp>
-      <p:sp>
-        <p:nvSpPr>
-          <p:cNvPr id="5" name="Номер слайда 4"/>
-          <p:cNvSpPr>
-            <a:spLocks noGrp="1"/>
-          </p:cNvSpPr>
-          <p:nvPr>
-            <p:ph type="sldNum" sz="quarter" idx="11"/>
-          </p:nvPr>
-        </p:nvSpPr>
-        <p:spPr/>
-        <p:txBody>
-          <a:bodyPr/>
-          <a:lstStyle/>
-          <a:p>
-            <a:endParaRPr lang="en-US" dirty="0"/>
-          </a:p>
-        </p:txBody>
-      </p:sp>
-      <p:sp>
-        <p:nvSpPr>
-          <p:cNvPr id="112641" name="Rectangle 1"/>
-          <p:cNvSpPr>
-            <a:spLocks noChangeArrowheads="1"/>
-          </p:cNvSpPr>
-          <p:nvPr/>
-        </p:nvSpPr>
-        <p:spPr bwMode="auto">
-          <a:xfrm>
-            <a:off x="1313416" y="1031815"/>
-            <a:ext cx="9565167" cy="5324535"/>
-          </a:xfrm>
-          <a:prstGeom prst="rect">
-            <a:avLst/>
-          </a:prstGeom>
-          <a:solidFill>
-            <a:schemeClr val="bg1">
-              <a:lumMod val="95000"/>
-            </a:schemeClr>
-          </a:solidFill>
-          <a:ln w="9525">
-            <a:noFill/>
-            <a:miter lim="800000"/>
-            <a:headEnd/>
-            <a:tailEnd/>
-          </a:ln>
-          <a:effectLst/>
-        </p:spPr>
-        <p:txBody>
-          <a:bodyPr vert="horz" wrap="square" lIns="91440" tIns="45720" rIns="91440" bIns="45720" numCol="1" anchor="ctr" anchorCtr="0" compatLnSpc="1">
-            <a:prstTxWarp prst="textNoShape">
-              <a:avLst/>
-            </a:prstTxWarp>
-            <a:spAutoFit/>
-          </a:bodyPr>
-          <a:lstStyle/>
-          <a:p>
-            <a:pPr fontAlgn="base">
-              <a:spcBef>
-                <a:spcPct val="0"/>
-              </a:spcBef>
-              <a:spcAft>
-                <a:spcPct val="0"/>
-              </a:spcAft>
-            </a:pPr>
-            <a:r>
-              <a:rPr lang="en-US" sz="2000" b="1" dirty="0">
-                <a:solidFill>
-                  <a:srgbClr val="7F0055"/>
-                </a:solidFill>
-                <a:latin typeface="Courier New" pitchFamily="49" charset="0"/>
-                <a:ea typeface="Calibri" pitchFamily="34" charset="0"/>
-                <a:cs typeface="Courier New" pitchFamily="49" charset="0"/>
-              </a:rPr>
-              <a:t>package</a:t>
-            </a:r>
-            <a:r>
-              <a:rPr lang="en-US" sz="2000" dirty="0">
-                <a:solidFill>
-                  <a:srgbClr val="000000"/>
-                </a:solidFill>
-                <a:latin typeface="Courier New" pitchFamily="49" charset="0"/>
-                <a:ea typeface="Calibri" pitchFamily="34" charset="0"/>
-                <a:cs typeface="Courier New" pitchFamily="49" charset="0"/>
-              </a:rPr>
-              <a:t> _java._</a:t>
-            </a:r>
-            <a:r>
-              <a:rPr lang="en-US" sz="2000" dirty="0" err="1">
-                <a:solidFill>
-                  <a:srgbClr val="000000"/>
-                </a:solidFill>
-                <a:latin typeface="Courier New" pitchFamily="49" charset="0"/>
-                <a:ea typeface="Calibri" pitchFamily="34" charset="0"/>
-                <a:cs typeface="Courier New" pitchFamily="49" charset="0"/>
-              </a:rPr>
-              <a:t>se.queue</a:t>
-            </a:r>
-            <a:r>
-              <a:rPr lang="en-US" sz="2000" dirty="0">
-                <a:solidFill>
-                  <a:srgbClr val="000000"/>
-                </a:solidFill>
-                <a:latin typeface="Courier New" pitchFamily="49" charset="0"/>
-                <a:ea typeface="Calibri" pitchFamily="34" charset="0"/>
-                <a:cs typeface="Courier New" pitchFamily="49" charset="0"/>
-              </a:rPr>
-              <a:t>;</a:t>
-            </a:r>
-            <a:endParaRPr lang="en-US" sz="2000" dirty="0">
-              <a:latin typeface="Arial" pitchFamily="34" charset="0"/>
-              <a:cs typeface="Arial" pitchFamily="34" charset="0"/>
-            </a:endParaRPr>
-          </a:p>
-          <a:p>
-            <a:pPr eaLnBrk="0" fontAlgn="base" hangingPunct="0">
-              <a:spcBef>
-                <a:spcPct val="0"/>
-              </a:spcBef>
-              <a:spcAft>
-                <a:spcPct val="0"/>
-              </a:spcAft>
-            </a:pPr>
-            <a:r>
-              <a:rPr lang="en-US" sz="2000" b="1" dirty="0">
-                <a:solidFill>
-                  <a:srgbClr val="7F0055"/>
-                </a:solidFill>
-                <a:latin typeface="Courier New" pitchFamily="49" charset="0"/>
-                <a:ea typeface="Calibri" pitchFamily="34" charset="0"/>
-                <a:cs typeface="Courier New" pitchFamily="49" charset="0"/>
-              </a:rPr>
-              <a:t>import</a:t>
-            </a:r>
-            <a:r>
-              <a:rPr lang="en-US" sz="2000" dirty="0">
-                <a:solidFill>
-                  <a:srgbClr val="000000"/>
-                </a:solidFill>
-                <a:latin typeface="Courier New" pitchFamily="49" charset="0"/>
-                <a:ea typeface="Calibri" pitchFamily="34" charset="0"/>
-                <a:cs typeface="Courier New" pitchFamily="49" charset="0"/>
-              </a:rPr>
-              <a:t> </a:t>
-            </a:r>
-            <a:r>
-              <a:rPr lang="en-US" sz="2000" dirty="0" err="1">
-                <a:solidFill>
-                  <a:srgbClr val="000000"/>
-                </a:solidFill>
-                <a:latin typeface="Courier New" pitchFamily="49" charset="0"/>
-                <a:ea typeface="Calibri" pitchFamily="34" charset="0"/>
-                <a:cs typeface="Courier New" pitchFamily="49" charset="0"/>
-              </a:rPr>
-              <a:t>java.util.Collections</a:t>
-            </a:r>
-            <a:r>
-              <a:rPr lang="en-US" sz="2000" dirty="0">
-                <a:solidFill>
-                  <a:srgbClr val="000000"/>
-                </a:solidFill>
-                <a:latin typeface="Courier New" pitchFamily="49" charset="0"/>
-                <a:ea typeface="Calibri" pitchFamily="34" charset="0"/>
-                <a:cs typeface="Courier New" pitchFamily="49" charset="0"/>
-              </a:rPr>
-              <a:t>;</a:t>
-            </a:r>
-            <a:endParaRPr lang="en-US" sz="2000" dirty="0">
-              <a:latin typeface="Arial" pitchFamily="34" charset="0"/>
-              <a:cs typeface="Arial" pitchFamily="34" charset="0"/>
-            </a:endParaRPr>
-          </a:p>
-          <a:p>
-            <a:pPr eaLnBrk="0" fontAlgn="base" hangingPunct="0">
-              <a:spcBef>
-                <a:spcPct val="0"/>
-              </a:spcBef>
-              <a:spcAft>
-                <a:spcPct val="0"/>
-              </a:spcAft>
-            </a:pPr>
-            <a:r>
-              <a:rPr lang="en-US" sz="2000" b="1" dirty="0">
-                <a:solidFill>
-                  <a:srgbClr val="7F0055"/>
-                </a:solidFill>
-                <a:latin typeface="Courier New" pitchFamily="49" charset="0"/>
-                <a:ea typeface="Calibri" pitchFamily="34" charset="0"/>
-                <a:cs typeface="Courier New" pitchFamily="49" charset="0"/>
-              </a:rPr>
-              <a:t>import</a:t>
-            </a:r>
-            <a:r>
-              <a:rPr lang="en-US" sz="2000" dirty="0">
-                <a:solidFill>
-                  <a:srgbClr val="000000"/>
-                </a:solidFill>
-                <a:latin typeface="Courier New" pitchFamily="49" charset="0"/>
-                <a:ea typeface="Calibri" pitchFamily="34" charset="0"/>
-                <a:cs typeface="Courier New" pitchFamily="49" charset="0"/>
-              </a:rPr>
-              <a:t> </a:t>
-            </a:r>
-            <a:r>
-              <a:rPr lang="en-US" sz="2000" dirty="0" err="1">
-                <a:solidFill>
-                  <a:srgbClr val="000000"/>
-                </a:solidFill>
-                <a:latin typeface="Courier New" pitchFamily="49" charset="0"/>
-                <a:ea typeface="Calibri" pitchFamily="34" charset="0"/>
-                <a:cs typeface="Courier New" pitchFamily="49" charset="0"/>
-              </a:rPr>
-              <a:t>java.util.PriorityQueue</a:t>
-            </a:r>
-            <a:r>
-              <a:rPr lang="en-US" sz="2000" dirty="0">
-                <a:solidFill>
-                  <a:srgbClr val="000000"/>
-                </a:solidFill>
-                <a:latin typeface="Courier New" pitchFamily="49" charset="0"/>
-                <a:ea typeface="Calibri" pitchFamily="34" charset="0"/>
-                <a:cs typeface="Courier New" pitchFamily="49" charset="0"/>
-              </a:rPr>
-              <a:t>;</a:t>
-            </a:r>
-            <a:endParaRPr lang="en-US" sz="2000" dirty="0">
-              <a:latin typeface="Arial" pitchFamily="34" charset="0"/>
-              <a:cs typeface="Arial" pitchFamily="34" charset="0"/>
-            </a:endParaRPr>
-          </a:p>
-          <a:p>
-            <a:pPr eaLnBrk="0" fontAlgn="base" hangingPunct="0">
-              <a:spcBef>
-                <a:spcPct val="0"/>
-              </a:spcBef>
-              <a:spcAft>
-                <a:spcPct val="0"/>
-              </a:spcAft>
-            </a:pPr>
-            <a:r>
-              <a:rPr lang="en-US" sz="2000" b="1" dirty="0">
-                <a:solidFill>
-                  <a:srgbClr val="7F0055"/>
-                </a:solidFill>
-                <a:latin typeface="Courier New" pitchFamily="49" charset="0"/>
-                <a:ea typeface="Calibri" pitchFamily="34" charset="0"/>
-                <a:cs typeface="Courier New" pitchFamily="49" charset="0"/>
-              </a:rPr>
-              <a:t>public</a:t>
-            </a:r>
-            <a:r>
-              <a:rPr lang="en-US" sz="2000" dirty="0">
-                <a:solidFill>
-                  <a:srgbClr val="000000"/>
-                </a:solidFill>
-                <a:latin typeface="Courier New" pitchFamily="49" charset="0"/>
-                <a:ea typeface="Calibri" pitchFamily="34" charset="0"/>
-                <a:cs typeface="Courier New" pitchFamily="49" charset="0"/>
-              </a:rPr>
-              <a:t> </a:t>
-            </a:r>
-            <a:r>
-              <a:rPr lang="en-US" sz="2000" b="1" dirty="0">
-                <a:solidFill>
-                  <a:srgbClr val="7F0055"/>
-                </a:solidFill>
-                <a:latin typeface="Courier New" pitchFamily="49" charset="0"/>
-                <a:ea typeface="Calibri" pitchFamily="34" charset="0"/>
-                <a:cs typeface="Courier New" pitchFamily="49" charset="0"/>
-              </a:rPr>
-              <a:t>class</a:t>
-            </a:r>
-            <a:r>
-              <a:rPr lang="en-US" sz="2000" dirty="0">
-                <a:solidFill>
-                  <a:srgbClr val="000000"/>
-                </a:solidFill>
-                <a:latin typeface="Courier New" pitchFamily="49" charset="0"/>
-                <a:ea typeface="Calibri" pitchFamily="34" charset="0"/>
-                <a:cs typeface="Courier New" pitchFamily="49" charset="0"/>
-              </a:rPr>
-              <a:t> </a:t>
-            </a:r>
-            <a:r>
-              <a:rPr lang="en-US" sz="2000" dirty="0" err="1">
-                <a:solidFill>
-                  <a:srgbClr val="000000"/>
-                </a:solidFill>
-                <a:latin typeface="Courier New" pitchFamily="49" charset="0"/>
-                <a:ea typeface="Calibri" pitchFamily="34" charset="0"/>
-                <a:cs typeface="Courier New" pitchFamily="49" charset="0"/>
-              </a:rPr>
-              <a:t>PriorityQueueExample</a:t>
-            </a:r>
-            <a:r>
-              <a:rPr lang="en-US" sz="2000" dirty="0">
-                <a:solidFill>
-                  <a:srgbClr val="000000"/>
-                </a:solidFill>
-                <a:latin typeface="Courier New" pitchFamily="49" charset="0"/>
-                <a:ea typeface="Calibri" pitchFamily="34" charset="0"/>
-                <a:cs typeface="Courier New" pitchFamily="49" charset="0"/>
-              </a:rPr>
-              <a:t> {</a:t>
-            </a:r>
-            <a:endParaRPr lang="en-US" sz="2000" dirty="0">
-              <a:latin typeface="Arial" pitchFamily="34" charset="0"/>
-              <a:cs typeface="Arial" pitchFamily="34" charset="0"/>
-            </a:endParaRPr>
-          </a:p>
-          <a:p>
-            <a:pPr eaLnBrk="0" fontAlgn="base" hangingPunct="0">
-              <a:spcBef>
-                <a:spcPct val="0"/>
-              </a:spcBef>
-              <a:spcAft>
-                <a:spcPct val="0"/>
-              </a:spcAft>
-            </a:pPr>
-            <a:r>
-              <a:rPr lang="ru-RU" sz="2000" b="1" dirty="0">
-                <a:solidFill>
-                  <a:srgbClr val="7F0055"/>
-                </a:solidFill>
-                <a:latin typeface="Courier New" pitchFamily="49" charset="0"/>
-                <a:ea typeface="Calibri" pitchFamily="34" charset="0"/>
-                <a:cs typeface="Courier New" pitchFamily="49" charset="0"/>
-              </a:rPr>
-              <a:t>  </a:t>
-            </a:r>
-            <a:r>
-              <a:rPr lang="en-US" sz="2000" b="1" dirty="0">
-                <a:solidFill>
-                  <a:srgbClr val="7F0055"/>
-                </a:solidFill>
-                <a:latin typeface="Courier New" pitchFamily="49" charset="0"/>
-                <a:ea typeface="Calibri" pitchFamily="34" charset="0"/>
-                <a:cs typeface="Courier New" pitchFamily="49" charset="0"/>
-              </a:rPr>
-              <a:t>public</a:t>
-            </a:r>
-            <a:r>
-              <a:rPr lang="en-US" sz="2000" dirty="0">
-                <a:solidFill>
-                  <a:srgbClr val="000000"/>
-                </a:solidFill>
-                <a:latin typeface="Courier New" pitchFamily="49" charset="0"/>
-                <a:ea typeface="Calibri" pitchFamily="34" charset="0"/>
-                <a:cs typeface="Courier New" pitchFamily="49" charset="0"/>
-              </a:rPr>
-              <a:t> </a:t>
-            </a:r>
-            <a:r>
-              <a:rPr lang="en-US" sz="2000" b="1" dirty="0">
-                <a:solidFill>
-                  <a:srgbClr val="7F0055"/>
-                </a:solidFill>
-                <a:latin typeface="Courier New" pitchFamily="49" charset="0"/>
-                <a:ea typeface="Calibri" pitchFamily="34" charset="0"/>
-                <a:cs typeface="Courier New" pitchFamily="49" charset="0"/>
-              </a:rPr>
-              <a:t>static</a:t>
-            </a:r>
-            <a:r>
-              <a:rPr lang="en-US" sz="2000" dirty="0">
-                <a:solidFill>
-                  <a:srgbClr val="000000"/>
-                </a:solidFill>
-                <a:latin typeface="Courier New" pitchFamily="49" charset="0"/>
-                <a:ea typeface="Calibri" pitchFamily="34" charset="0"/>
-                <a:cs typeface="Courier New" pitchFamily="49" charset="0"/>
-              </a:rPr>
-              <a:t> </a:t>
-            </a:r>
-            <a:r>
-              <a:rPr lang="en-US" sz="2000" b="1" dirty="0">
-                <a:solidFill>
-                  <a:srgbClr val="7F0055"/>
-                </a:solidFill>
-                <a:latin typeface="Courier New" pitchFamily="49" charset="0"/>
-                <a:ea typeface="Calibri" pitchFamily="34" charset="0"/>
-                <a:cs typeface="Courier New" pitchFamily="49" charset="0"/>
-              </a:rPr>
-              <a:t>void</a:t>
-            </a:r>
-            <a:r>
-              <a:rPr lang="en-US" sz="2000" dirty="0">
-                <a:solidFill>
-                  <a:srgbClr val="000000"/>
-                </a:solidFill>
-                <a:latin typeface="Courier New" pitchFamily="49" charset="0"/>
-                <a:ea typeface="Calibri" pitchFamily="34" charset="0"/>
-                <a:cs typeface="Courier New" pitchFamily="49" charset="0"/>
-              </a:rPr>
-              <a:t> main(String[] </a:t>
-            </a:r>
-            <a:r>
-              <a:rPr lang="en-US" sz="2000" dirty="0" err="1">
-                <a:solidFill>
-                  <a:srgbClr val="000000"/>
-                </a:solidFill>
-                <a:latin typeface="Courier New" pitchFamily="49" charset="0"/>
-                <a:ea typeface="Calibri" pitchFamily="34" charset="0"/>
-                <a:cs typeface="Courier New" pitchFamily="49" charset="0"/>
-              </a:rPr>
-              <a:t>args</a:t>
-            </a:r>
-            <a:r>
-              <a:rPr lang="en-US" sz="2000" dirty="0">
-                <a:solidFill>
-                  <a:srgbClr val="000000"/>
-                </a:solidFill>
-                <a:latin typeface="Courier New" pitchFamily="49" charset="0"/>
-                <a:ea typeface="Calibri" pitchFamily="34" charset="0"/>
-                <a:cs typeface="Courier New" pitchFamily="49" charset="0"/>
-              </a:rPr>
-              <a:t>) {</a:t>
-            </a:r>
-            <a:endParaRPr lang="ru-RU" sz="2000" dirty="0">
-              <a:solidFill>
-                <a:srgbClr val="000000"/>
-              </a:solidFill>
-              <a:latin typeface="Courier New" pitchFamily="49" charset="0"/>
-              <a:ea typeface="Calibri" pitchFamily="34" charset="0"/>
-              <a:cs typeface="Courier New" pitchFamily="49" charset="0"/>
-            </a:endParaRPr>
-          </a:p>
-          <a:p>
-            <a:pPr eaLnBrk="0" fontAlgn="base" hangingPunct="0">
-              <a:spcBef>
-                <a:spcPct val="0"/>
-              </a:spcBef>
-              <a:spcAft>
-                <a:spcPct val="0"/>
-              </a:spcAft>
-            </a:pPr>
-            <a:endParaRPr lang="en-US" sz="2000" dirty="0">
-              <a:latin typeface="Arial" pitchFamily="34" charset="0"/>
-              <a:cs typeface="Arial" pitchFamily="34" charset="0"/>
-            </a:endParaRPr>
-          </a:p>
-          <a:p>
-            <a:pPr eaLnBrk="0" fontAlgn="base" hangingPunct="0">
-              <a:spcBef>
-                <a:spcPct val="0"/>
-              </a:spcBef>
-              <a:spcAft>
-                <a:spcPct val="0"/>
-              </a:spcAft>
-            </a:pPr>
-            <a:r>
-              <a:rPr lang="en-US" sz="2000" dirty="0">
-                <a:solidFill>
-                  <a:srgbClr val="000000"/>
-                </a:solidFill>
-                <a:latin typeface="Courier New" pitchFamily="49" charset="0"/>
-                <a:ea typeface="Calibri" pitchFamily="34" charset="0"/>
-                <a:cs typeface="Courier New" pitchFamily="49" charset="0"/>
-              </a:rPr>
-              <a:t>	</a:t>
-            </a:r>
-            <a:r>
-              <a:rPr lang="en-US" sz="2000" dirty="0" err="1">
-                <a:solidFill>
-                  <a:srgbClr val="000000"/>
-                </a:solidFill>
-                <a:latin typeface="Courier New" pitchFamily="49" charset="0"/>
-                <a:ea typeface="Calibri" pitchFamily="34" charset="0"/>
-                <a:cs typeface="Courier New" pitchFamily="49" charset="0"/>
-              </a:rPr>
-              <a:t>PriorityQueue</a:t>
-            </a:r>
-            <a:r>
-              <a:rPr lang="en-US" sz="2000" dirty="0">
-                <a:solidFill>
-                  <a:srgbClr val="000000"/>
-                </a:solidFill>
-                <a:latin typeface="Courier New" pitchFamily="49" charset="0"/>
-                <a:ea typeface="Calibri" pitchFamily="34" charset="0"/>
-                <a:cs typeface="Courier New" pitchFamily="49" charset="0"/>
-              </a:rPr>
-              <a:t>&lt;String&gt; queue1 </a:t>
-            </a:r>
-            <a:endParaRPr lang="ru-RU" sz="2000" dirty="0">
-              <a:solidFill>
-                <a:srgbClr val="000000"/>
-              </a:solidFill>
-              <a:latin typeface="Courier New" pitchFamily="49" charset="0"/>
-              <a:ea typeface="Calibri" pitchFamily="34" charset="0"/>
-              <a:cs typeface="Courier New" pitchFamily="49" charset="0"/>
-            </a:endParaRPr>
-          </a:p>
-          <a:p>
-            <a:pPr eaLnBrk="0" fontAlgn="base" hangingPunct="0">
-              <a:spcBef>
-                <a:spcPct val="0"/>
-              </a:spcBef>
-              <a:spcAft>
-                <a:spcPct val="0"/>
-              </a:spcAft>
-            </a:pPr>
-            <a:r>
-              <a:rPr lang="ru-RU" sz="2000" dirty="0">
-                <a:solidFill>
-                  <a:srgbClr val="000000"/>
-                </a:solidFill>
-                <a:latin typeface="Courier New" pitchFamily="49" charset="0"/>
-                <a:ea typeface="Calibri" pitchFamily="34" charset="0"/>
-                <a:cs typeface="Courier New" pitchFamily="49" charset="0"/>
-              </a:rPr>
-              <a:t>				</a:t>
-            </a:r>
-            <a:r>
-              <a:rPr lang="en-US" sz="2000" dirty="0">
-                <a:solidFill>
-                  <a:srgbClr val="000000"/>
-                </a:solidFill>
-                <a:latin typeface="Courier New" pitchFamily="49" charset="0"/>
-                <a:ea typeface="Calibri" pitchFamily="34" charset="0"/>
-                <a:cs typeface="Courier New" pitchFamily="49" charset="0"/>
-              </a:rPr>
-              <a:t>= </a:t>
-            </a:r>
-            <a:r>
-              <a:rPr lang="en-US" sz="2000" b="1" dirty="0">
-                <a:solidFill>
-                  <a:srgbClr val="7F0055"/>
-                </a:solidFill>
-                <a:latin typeface="Courier New" pitchFamily="49" charset="0"/>
-                <a:ea typeface="Calibri" pitchFamily="34" charset="0"/>
-                <a:cs typeface="Courier New" pitchFamily="49" charset="0"/>
-              </a:rPr>
-              <a:t>new</a:t>
-            </a:r>
-            <a:r>
-              <a:rPr lang="en-US" sz="2000" dirty="0">
-                <a:solidFill>
-                  <a:srgbClr val="000000"/>
-                </a:solidFill>
-                <a:latin typeface="Courier New" pitchFamily="49" charset="0"/>
-                <a:ea typeface="Calibri" pitchFamily="34" charset="0"/>
-                <a:cs typeface="Courier New" pitchFamily="49" charset="0"/>
-              </a:rPr>
-              <a:t> </a:t>
-            </a:r>
-            <a:r>
-              <a:rPr lang="en-US" sz="2000" dirty="0" err="1">
-                <a:solidFill>
-                  <a:srgbClr val="000000"/>
-                </a:solidFill>
-                <a:latin typeface="Courier New" pitchFamily="49" charset="0"/>
-                <a:ea typeface="Calibri" pitchFamily="34" charset="0"/>
-                <a:cs typeface="Courier New" pitchFamily="49" charset="0"/>
-              </a:rPr>
-              <a:t>PriorityQueue</a:t>
-            </a:r>
-            <a:r>
-              <a:rPr lang="en-US" sz="2000" dirty="0">
-                <a:solidFill>
-                  <a:srgbClr val="000000"/>
-                </a:solidFill>
-                <a:latin typeface="Courier New" pitchFamily="49" charset="0"/>
-                <a:ea typeface="Calibri" pitchFamily="34" charset="0"/>
-                <a:cs typeface="Courier New" pitchFamily="49" charset="0"/>
-              </a:rPr>
-              <a:t>&lt;String&gt;();</a:t>
-            </a:r>
-            <a:endParaRPr lang="en-US" sz="2000" dirty="0">
-              <a:latin typeface="Arial" pitchFamily="34" charset="0"/>
-              <a:cs typeface="Arial" pitchFamily="34" charset="0"/>
-            </a:endParaRPr>
-          </a:p>
-          <a:p>
-            <a:pPr eaLnBrk="0" fontAlgn="base" hangingPunct="0">
-              <a:spcBef>
-                <a:spcPct val="0"/>
-              </a:spcBef>
-              <a:spcAft>
-                <a:spcPct val="0"/>
-              </a:spcAft>
-            </a:pPr>
-            <a:r>
-              <a:rPr lang="en-US" sz="2000" dirty="0">
-                <a:solidFill>
-                  <a:srgbClr val="000000"/>
-                </a:solidFill>
-                <a:latin typeface="Courier New" pitchFamily="49" charset="0"/>
-                <a:ea typeface="Calibri" pitchFamily="34" charset="0"/>
-                <a:cs typeface="Courier New" pitchFamily="49" charset="0"/>
-              </a:rPr>
-              <a:t>	queue1.offer(</a:t>
-            </a:r>
-            <a:r>
-              <a:rPr lang="en-US" sz="2000" dirty="0">
-                <a:solidFill>
-                  <a:srgbClr val="2A00FF"/>
-                </a:solidFill>
-                <a:latin typeface="Courier New" pitchFamily="49" charset="0"/>
-                <a:ea typeface="Calibri" pitchFamily="34" charset="0"/>
-                <a:cs typeface="Courier New" pitchFamily="49" charset="0"/>
-              </a:rPr>
-              <a:t>"Oklahoma"</a:t>
-            </a:r>
-            <a:r>
-              <a:rPr lang="en-US" sz="2000" dirty="0">
-                <a:solidFill>
-                  <a:srgbClr val="000000"/>
-                </a:solidFill>
-                <a:latin typeface="Courier New" pitchFamily="49" charset="0"/>
-                <a:ea typeface="Calibri" pitchFamily="34" charset="0"/>
-                <a:cs typeface="Courier New" pitchFamily="49" charset="0"/>
-              </a:rPr>
-              <a:t>);</a:t>
-            </a:r>
-            <a:endParaRPr lang="en-US" sz="2000" dirty="0">
-              <a:latin typeface="Arial" pitchFamily="34" charset="0"/>
-              <a:cs typeface="Arial" pitchFamily="34" charset="0"/>
-            </a:endParaRPr>
-          </a:p>
-          <a:p>
-            <a:pPr eaLnBrk="0" fontAlgn="base" hangingPunct="0">
-              <a:spcBef>
-                <a:spcPct val="0"/>
-              </a:spcBef>
-              <a:spcAft>
-                <a:spcPct val="0"/>
-              </a:spcAft>
-            </a:pPr>
-            <a:r>
-              <a:rPr lang="en-US" sz="2000" dirty="0">
-                <a:solidFill>
-                  <a:srgbClr val="000000"/>
-                </a:solidFill>
-                <a:latin typeface="Courier New" pitchFamily="49" charset="0"/>
-                <a:ea typeface="Calibri" pitchFamily="34" charset="0"/>
-                <a:cs typeface="Courier New" pitchFamily="49" charset="0"/>
-              </a:rPr>
-              <a:t>	queue1.offer(</a:t>
-            </a:r>
-            <a:r>
-              <a:rPr lang="en-US" sz="2000" dirty="0">
-                <a:solidFill>
-                  <a:srgbClr val="2A00FF"/>
-                </a:solidFill>
-                <a:latin typeface="Courier New" pitchFamily="49" charset="0"/>
-                <a:ea typeface="Calibri" pitchFamily="34" charset="0"/>
-                <a:cs typeface="Courier New" pitchFamily="49" charset="0"/>
-              </a:rPr>
-              <a:t>"Indiana"</a:t>
-            </a:r>
-            <a:r>
-              <a:rPr lang="en-US" sz="2000" dirty="0">
-                <a:solidFill>
-                  <a:srgbClr val="000000"/>
-                </a:solidFill>
-                <a:latin typeface="Courier New" pitchFamily="49" charset="0"/>
-                <a:ea typeface="Calibri" pitchFamily="34" charset="0"/>
-                <a:cs typeface="Courier New" pitchFamily="49" charset="0"/>
-              </a:rPr>
-              <a:t>);</a:t>
-            </a:r>
-            <a:endParaRPr lang="en-US" sz="2000" dirty="0">
-              <a:latin typeface="Arial" pitchFamily="34" charset="0"/>
-              <a:cs typeface="Arial" pitchFamily="34" charset="0"/>
-            </a:endParaRPr>
-          </a:p>
-          <a:p>
-            <a:pPr eaLnBrk="0" fontAlgn="base" hangingPunct="0">
-              <a:spcBef>
-                <a:spcPct val="0"/>
-              </a:spcBef>
-              <a:spcAft>
-                <a:spcPct val="0"/>
-              </a:spcAft>
-            </a:pPr>
-            <a:r>
-              <a:rPr lang="en-US" sz="2000" dirty="0">
-                <a:solidFill>
-                  <a:srgbClr val="000000"/>
-                </a:solidFill>
-                <a:latin typeface="Courier New" pitchFamily="49" charset="0"/>
-                <a:ea typeface="Calibri" pitchFamily="34" charset="0"/>
-                <a:cs typeface="Courier New" pitchFamily="49" charset="0"/>
-              </a:rPr>
-              <a:t>	queue1.offer(</a:t>
-            </a:r>
-            <a:r>
-              <a:rPr lang="en-US" sz="2000" dirty="0">
-                <a:solidFill>
-                  <a:srgbClr val="2A00FF"/>
-                </a:solidFill>
-                <a:latin typeface="Courier New" pitchFamily="49" charset="0"/>
-                <a:ea typeface="Calibri" pitchFamily="34" charset="0"/>
-                <a:cs typeface="Courier New" pitchFamily="49" charset="0"/>
-              </a:rPr>
-              <a:t>"Georgia"</a:t>
-            </a:r>
-            <a:r>
-              <a:rPr lang="en-US" sz="2000" dirty="0">
-                <a:solidFill>
-                  <a:srgbClr val="000000"/>
-                </a:solidFill>
-                <a:latin typeface="Courier New" pitchFamily="49" charset="0"/>
-                <a:ea typeface="Calibri" pitchFamily="34" charset="0"/>
-                <a:cs typeface="Courier New" pitchFamily="49" charset="0"/>
-              </a:rPr>
-              <a:t>);</a:t>
-            </a:r>
-            <a:endParaRPr lang="en-US" sz="2000" dirty="0">
-              <a:latin typeface="Arial" pitchFamily="34" charset="0"/>
-              <a:cs typeface="Arial" pitchFamily="34" charset="0"/>
-            </a:endParaRPr>
-          </a:p>
-          <a:p>
-            <a:pPr eaLnBrk="0" fontAlgn="base" hangingPunct="0">
-              <a:spcBef>
-                <a:spcPct val="0"/>
-              </a:spcBef>
-              <a:spcAft>
-                <a:spcPct val="0"/>
-              </a:spcAft>
-            </a:pPr>
-            <a:r>
-              <a:rPr lang="en-US" sz="2000" dirty="0">
-                <a:solidFill>
-                  <a:srgbClr val="000000"/>
-                </a:solidFill>
-                <a:latin typeface="Courier New" pitchFamily="49" charset="0"/>
-                <a:ea typeface="Calibri" pitchFamily="34" charset="0"/>
-                <a:cs typeface="Courier New" pitchFamily="49" charset="0"/>
-              </a:rPr>
-              <a:t>	queue1.offer(</a:t>
-            </a:r>
-            <a:r>
-              <a:rPr lang="en-US" sz="2000" dirty="0">
-                <a:solidFill>
-                  <a:srgbClr val="2A00FF"/>
-                </a:solidFill>
-                <a:latin typeface="Courier New" pitchFamily="49" charset="0"/>
-                <a:ea typeface="Calibri" pitchFamily="34" charset="0"/>
-                <a:cs typeface="Courier New" pitchFamily="49" charset="0"/>
-              </a:rPr>
-              <a:t>"Texas"</a:t>
-            </a:r>
-            <a:r>
-              <a:rPr lang="en-US" sz="2000" dirty="0">
-                <a:solidFill>
-                  <a:srgbClr val="000000"/>
-                </a:solidFill>
-                <a:latin typeface="Courier New" pitchFamily="49" charset="0"/>
-                <a:ea typeface="Calibri" pitchFamily="34" charset="0"/>
-                <a:cs typeface="Courier New" pitchFamily="49" charset="0"/>
-              </a:rPr>
-              <a:t>);</a:t>
-            </a:r>
-            <a:endParaRPr lang="en-US" sz="2000" dirty="0">
-              <a:latin typeface="Arial" pitchFamily="34" charset="0"/>
-              <a:cs typeface="Arial" pitchFamily="34" charset="0"/>
-            </a:endParaRPr>
-          </a:p>
-          <a:p>
-            <a:pPr eaLnBrk="0" fontAlgn="base" hangingPunct="0">
-              <a:spcBef>
-                <a:spcPct val="0"/>
-              </a:spcBef>
-              <a:spcAft>
-                <a:spcPct val="0"/>
-              </a:spcAft>
-            </a:pPr>
-            <a:r>
-              <a:rPr lang="en-US" sz="2000" dirty="0">
-                <a:solidFill>
-                  <a:srgbClr val="000000"/>
-                </a:solidFill>
-                <a:latin typeface="Courier New" pitchFamily="49" charset="0"/>
-                <a:ea typeface="Calibri" pitchFamily="34" charset="0"/>
-                <a:cs typeface="Courier New" pitchFamily="49" charset="0"/>
-              </a:rPr>
-              <a:t>	</a:t>
-            </a:r>
-            <a:r>
-              <a:rPr lang="en-US" sz="2000" dirty="0" err="1">
-                <a:solidFill>
-                  <a:srgbClr val="000000"/>
-                </a:solidFill>
-                <a:latin typeface="Courier New" pitchFamily="49" charset="0"/>
-                <a:ea typeface="Calibri" pitchFamily="34" charset="0"/>
-                <a:cs typeface="Courier New" pitchFamily="49" charset="0"/>
-              </a:rPr>
-              <a:t>System.</a:t>
-            </a:r>
-            <a:r>
-              <a:rPr lang="en-US" sz="2000" i="1" dirty="0" err="1">
-                <a:solidFill>
-                  <a:srgbClr val="0000C0"/>
-                </a:solidFill>
-                <a:latin typeface="Courier New" pitchFamily="49" charset="0"/>
-                <a:ea typeface="Calibri" pitchFamily="34" charset="0"/>
-                <a:cs typeface="Courier New" pitchFamily="49" charset="0"/>
-              </a:rPr>
-              <a:t>out</a:t>
-            </a:r>
-            <a:r>
-              <a:rPr lang="en-US" sz="2000" dirty="0" err="1">
-                <a:solidFill>
-                  <a:srgbClr val="000000"/>
-                </a:solidFill>
-                <a:latin typeface="Courier New" pitchFamily="49" charset="0"/>
-                <a:ea typeface="Calibri" pitchFamily="34" charset="0"/>
-                <a:cs typeface="Courier New" pitchFamily="49" charset="0"/>
-              </a:rPr>
-              <a:t>.println</a:t>
-            </a:r>
-            <a:r>
-              <a:rPr lang="en-US" sz="2000" dirty="0">
-                <a:solidFill>
-                  <a:srgbClr val="000000"/>
-                </a:solidFill>
-                <a:latin typeface="Courier New" pitchFamily="49" charset="0"/>
-                <a:ea typeface="Calibri" pitchFamily="34" charset="0"/>
-                <a:cs typeface="Courier New" pitchFamily="49" charset="0"/>
-              </a:rPr>
-              <a:t>(</a:t>
-            </a:r>
-            <a:r>
-              <a:rPr lang="en-US" sz="2000" dirty="0">
-                <a:solidFill>
-                  <a:srgbClr val="2A00FF"/>
-                </a:solidFill>
-                <a:latin typeface="Courier New" pitchFamily="49" charset="0"/>
-                <a:ea typeface="Calibri" pitchFamily="34" charset="0"/>
-                <a:cs typeface="Courier New" pitchFamily="49" charset="0"/>
-              </a:rPr>
-              <a:t>"Priority queue using Comparable:"</a:t>
-            </a:r>
-            <a:r>
-              <a:rPr lang="en-US" sz="2000" dirty="0">
-                <a:solidFill>
-                  <a:srgbClr val="000000"/>
-                </a:solidFill>
-                <a:latin typeface="Courier New" pitchFamily="49" charset="0"/>
-                <a:ea typeface="Calibri" pitchFamily="34" charset="0"/>
-                <a:cs typeface="Courier New" pitchFamily="49" charset="0"/>
-              </a:rPr>
-              <a:t>);</a:t>
-            </a:r>
-            <a:endParaRPr lang="en-US" sz="2000" dirty="0">
-              <a:latin typeface="Arial" pitchFamily="34" charset="0"/>
-              <a:cs typeface="Arial" pitchFamily="34" charset="0"/>
-            </a:endParaRPr>
-          </a:p>
-          <a:p>
-            <a:pPr eaLnBrk="0" fontAlgn="base" hangingPunct="0">
-              <a:spcBef>
-                <a:spcPct val="0"/>
-              </a:spcBef>
-              <a:spcAft>
-                <a:spcPct val="0"/>
-              </a:spcAft>
-            </a:pPr>
-            <a:r>
-              <a:rPr lang="en-US" sz="2000" dirty="0">
-                <a:solidFill>
-                  <a:srgbClr val="000000"/>
-                </a:solidFill>
-                <a:latin typeface="Courier New" pitchFamily="49" charset="0"/>
-                <a:ea typeface="Calibri" pitchFamily="34" charset="0"/>
-                <a:cs typeface="Courier New" pitchFamily="49" charset="0"/>
-              </a:rPr>
-              <a:t>	</a:t>
-            </a:r>
-            <a:r>
-              <a:rPr lang="en-US" sz="2000" b="1" dirty="0">
-                <a:solidFill>
-                  <a:srgbClr val="7F0055"/>
-                </a:solidFill>
-                <a:latin typeface="Courier New" pitchFamily="49" charset="0"/>
-                <a:ea typeface="Calibri" pitchFamily="34" charset="0"/>
-                <a:cs typeface="Courier New" pitchFamily="49" charset="0"/>
-              </a:rPr>
-              <a:t>while</a:t>
-            </a:r>
-            <a:r>
-              <a:rPr lang="en-US" sz="2000" dirty="0">
-                <a:solidFill>
-                  <a:srgbClr val="000000"/>
-                </a:solidFill>
-                <a:latin typeface="Courier New" pitchFamily="49" charset="0"/>
-                <a:ea typeface="Calibri" pitchFamily="34" charset="0"/>
-                <a:cs typeface="Courier New" pitchFamily="49" charset="0"/>
-              </a:rPr>
-              <a:t> (queue1.size() &gt; 0) {</a:t>
-            </a:r>
-            <a:endParaRPr lang="en-US" sz="2000" dirty="0">
-              <a:latin typeface="Arial" pitchFamily="34" charset="0"/>
-              <a:cs typeface="Arial" pitchFamily="34" charset="0"/>
-            </a:endParaRPr>
-          </a:p>
-          <a:p>
-            <a:pPr eaLnBrk="0" fontAlgn="base" hangingPunct="0">
-              <a:spcBef>
-                <a:spcPct val="0"/>
-              </a:spcBef>
-              <a:spcAft>
-                <a:spcPct val="0"/>
-              </a:spcAft>
-            </a:pPr>
-            <a:r>
-              <a:rPr lang="en-US" sz="2000" dirty="0">
-                <a:solidFill>
-                  <a:srgbClr val="000000"/>
-                </a:solidFill>
-                <a:latin typeface="Courier New" pitchFamily="49" charset="0"/>
-                <a:ea typeface="Calibri" pitchFamily="34" charset="0"/>
-                <a:cs typeface="Courier New" pitchFamily="49" charset="0"/>
-              </a:rPr>
-              <a:t>		</a:t>
-            </a:r>
-            <a:r>
-              <a:rPr lang="en-US" sz="2000" dirty="0" err="1">
-                <a:solidFill>
-                  <a:srgbClr val="000000"/>
-                </a:solidFill>
-                <a:latin typeface="Courier New" pitchFamily="49" charset="0"/>
-                <a:ea typeface="Calibri" pitchFamily="34" charset="0"/>
-                <a:cs typeface="Courier New" pitchFamily="49" charset="0"/>
-              </a:rPr>
-              <a:t>System.</a:t>
-            </a:r>
-            <a:r>
-              <a:rPr lang="en-US" sz="2000" i="1" dirty="0" err="1">
-                <a:solidFill>
-                  <a:srgbClr val="0000C0"/>
-                </a:solidFill>
-                <a:latin typeface="Courier New" pitchFamily="49" charset="0"/>
-                <a:ea typeface="Calibri" pitchFamily="34" charset="0"/>
-                <a:cs typeface="Courier New" pitchFamily="49" charset="0"/>
-              </a:rPr>
-              <a:t>out</a:t>
-            </a:r>
-            <a:r>
-              <a:rPr lang="en-US" sz="2000" dirty="0" err="1">
-                <a:solidFill>
-                  <a:srgbClr val="000000"/>
-                </a:solidFill>
-                <a:latin typeface="Courier New" pitchFamily="49" charset="0"/>
-                <a:ea typeface="Calibri" pitchFamily="34" charset="0"/>
-                <a:cs typeface="Courier New" pitchFamily="49" charset="0"/>
-              </a:rPr>
-              <a:t>.print</a:t>
-            </a:r>
-            <a:r>
-              <a:rPr lang="en-US" sz="2000" dirty="0">
-                <a:solidFill>
-                  <a:srgbClr val="000000"/>
-                </a:solidFill>
-                <a:latin typeface="Courier New" pitchFamily="49" charset="0"/>
-                <a:ea typeface="Calibri" pitchFamily="34" charset="0"/>
-                <a:cs typeface="Courier New" pitchFamily="49" charset="0"/>
-              </a:rPr>
-              <a:t>(queue1.remove() + </a:t>
-            </a:r>
-            <a:r>
-              <a:rPr lang="en-US" sz="2000" dirty="0">
-                <a:solidFill>
-                  <a:srgbClr val="2A00FF"/>
-                </a:solidFill>
-                <a:latin typeface="Courier New" pitchFamily="49" charset="0"/>
-                <a:ea typeface="Calibri" pitchFamily="34" charset="0"/>
-                <a:cs typeface="Courier New" pitchFamily="49" charset="0"/>
-              </a:rPr>
-              <a:t>" "</a:t>
-            </a:r>
-            <a:r>
-              <a:rPr lang="en-US" sz="2000" dirty="0">
-                <a:solidFill>
-                  <a:srgbClr val="000000"/>
-                </a:solidFill>
-                <a:latin typeface="Courier New" pitchFamily="49" charset="0"/>
-                <a:ea typeface="Calibri" pitchFamily="34" charset="0"/>
-                <a:cs typeface="Courier New" pitchFamily="49" charset="0"/>
-              </a:rPr>
-              <a:t>);</a:t>
-            </a:r>
-            <a:endParaRPr lang="en-US" sz="2000" dirty="0">
-              <a:latin typeface="Arial" pitchFamily="34" charset="0"/>
-              <a:cs typeface="Arial" pitchFamily="34" charset="0"/>
-            </a:endParaRPr>
-          </a:p>
-          <a:p>
-            <a:pPr eaLnBrk="0" fontAlgn="base" hangingPunct="0">
-              <a:spcBef>
-                <a:spcPct val="0"/>
-              </a:spcBef>
-              <a:spcAft>
-                <a:spcPct val="0"/>
-              </a:spcAft>
-            </a:pPr>
-            <a:r>
-              <a:rPr lang="en-US" sz="2000" dirty="0">
-                <a:solidFill>
-                  <a:srgbClr val="000000"/>
-                </a:solidFill>
-                <a:latin typeface="Courier New" pitchFamily="49" charset="0"/>
-                <a:ea typeface="Calibri" pitchFamily="34" charset="0"/>
-                <a:cs typeface="Courier New" pitchFamily="49" charset="0"/>
-              </a:rPr>
-              <a:t>	}</a:t>
-            </a:r>
-            <a:endParaRPr lang="en-US" sz="2000" dirty="0">
-              <a:latin typeface="Arial" pitchFamily="34" charset="0"/>
-              <a:cs typeface="Arial" pitchFamily="34" charset="0"/>
-            </a:endParaRPr>
-          </a:p>
-          <a:p>
-            <a:pPr eaLnBrk="0" fontAlgn="base" hangingPunct="0">
-              <a:spcBef>
-                <a:spcPct val="0"/>
-              </a:spcBef>
-              <a:spcAft>
-                <a:spcPct val="0"/>
-              </a:spcAft>
-            </a:pPr>
-            <a:r>
-              <a:rPr lang="en-US" sz="2000" dirty="0">
-                <a:solidFill>
-                  <a:srgbClr val="000000"/>
-                </a:solidFill>
-                <a:latin typeface="Courier New" pitchFamily="49" charset="0"/>
-                <a:ea typeface="Calibri" pitchFamily="34" charset="0"/>
-                <a:cs typeface="Courier New" pitchFamily="49" charset="0"/>
-              </a:rPr>
-              <a:t>	</a:t>
-            </a:r>
-            <a:endParaRPr lang="en-US" sz="2000" dirty="0">
-              <a:latin typeface="Arial" pitchFamily="34" charset="0"/>
-              <a:cs typeface="Arial" pitchFamily="34" charset="0"/>
-            </a:endParaRPr>
-          </a:p>
-        </p:txBody>
-      </p:sp>
-    </p:spTree>
-    <p:extLst>
-      <p:ext uri="{BB962C8B-B14F-4D97-AF65-F5344CB8AC3E}">
-        <p14:creationId xmlns:p14="http://schemas.microsoft.com/office/powerpoint/2010/main" val="2527041500"/>
-      </p:ext>
-    </p:extLst>
-  </p:cSld>
-  <p:clrMapOvr>
-    <a:masterClrMapping/>
-  </p:clrMapOvr>
-</p:sld>
-</file>
-
-<file path=ppt/slides/slide26.xml><?xml version="1.0" encoding="utf-8"?>
-<p:sld xmlns:a="http://schemas.openxmlformats.org/drawingml/2006/main" xmlns:r="http://schemas.openxmlformats.org/officeDocument/2006/relationships" xmlns:p="http://schemas.openxmlformats.org/presentationml/2006/main">
-  <p:cSld>
-    <p:spTree>
-      <p:nvGrpSpPr>
-        <p:cNvPr id="1" name=""/>
-        <p:cNvGrpSpPr/>
-        <p:nvPr/>
-      </p:nvGrpSpPr>
-      <p:grpSpPr>
-        <a:xfrm>
-          <a:off x="0" y="0"/>
-          <a:ext cx="0" cy="0"/>
-          <a:chOff x="0" y="0"/>
-          <a:chExt cx="0" cy="0"/>
-        </a:xfrm>
-      </p:grpSpPr>
-      <p:sp>
-        <p:nvSpPr>
-          <p:cNvPr id="2" name="Заголовок 1"/>
-          <p:cNvSpPr>
-            <a:spLocks noGrp="1"/>
-          </p:cNvSpPr>
-          <p:nvPr>
-            <p:ph type="title"/>
-          </p:nvPr>
-        </p:nvSpPr>
-        <p:spPr>
-          <a:xfrm>
-            <a:off x="0" y="1"/>
-            <a:ext cx="12192000" cy="781040"/>
-          </a:xfrm>
-        </p:spPr>
-        <p:txBody>
-          <a:bodyPr/>
-          <a:lstStyle/>
-          <a:p>
-            <a:pPr algn="ctr"/>
-            <a:r>
-              <a:rPr lang="uk-UA" dirty="0">
-                <a:latin typeface="Times New Roman" panose="02020603050405020304" pitchFamily="18" charset="0"/>
-                <a:cs typeface="Times New Roman" panose="02020603050405020304" pitchFamily="18" charset="0"/>
-              </a:rPr>
-              <a:t>Черги</a:t>
-            </a:r>
-            <a:r>
-              <a:rPr lang="ru-RU" dirty="0">
-                <a:latin typeface="Times New Roman" panose="02020603050405020304" pitchFamily="18" charset="0"/>
-                <a:cs typeface="Times New Roman" panose="02020603050405020304" pitchFamily="18" charset="0"/>
-              </a:rPr>
-              <a:t> </a:t>
-            </a:r>
-            <a:r>
-              <a:rPr lang="pl-PL" dirty="0">
-                <a:latin typeface="Times New Roman" panose="02020603050405020304" pitchFamily="18" charset="0"/>
-                <a:cs typeface="Times New Roman" panose="02020603050405020304" pitchFamily="18" charset="0"/>
-              </a:rPr>
-              <a:t>Queue</a:t>
-            </a:r>
-            <a:r>
-              <a:rPr lang="ru-RU" dirty="0">
-                <a:latin typeface="Times New Roman" panose="02020603050405020304" pitchFamily="18" charset="0"/>
-                <a:cs typeface="Times New Roman" panose="02020603050405020304" pitchFamily="18" charset="0"/>
-              </a:rPr>
-              <a:t>. </a:t>
-            </a:r>
-            <a:r>
-              <a:rPr lang="uk-UA" dirty="0">
-                <a:latin typeface="Times New Roman" panose="02020603050405020304" pitchFamily="18" charset="0"/>
-                <a:cs typeface="Times New Roman" panose="02020603050405020304" pitchFamily="18" charset="0"/>
-              </a:rPr>
-              <a:t>Приклад</a:t>
-            </a:r>
-            <a:endParaRPr lang="en-US" dirty="0">
-              <a:latin typeface="Times New Roman" panose="02020603050405020304" pitchFamily="18" charset="0"/>
-              <a:cs typeface="Times New Roman" panose="02020603050405020304" pitchFamily="18" charset="0"/>
-            </a:endParaRPr>
-          </a:p>
-        </p:txBody>
-      </p:sp>
-      <p:sp>
-        <p:nvSpPr>
-          <p:cNvPr id="5" name="Номер слайда 4"/>
-          <p:cNvSpPr>
-            <a:spLocks noGrp="1"/>
-          </p:cNvSpPr>
-          <p:nvPr>
-            <p:ph type="sldNum" sz="quarter" idx="11"/>
-          </p:nvPr>
-        </p:nvSpPr>
-        <p:spPr/>
-        <p:txBody>
-          <a:bodyPr/>
-          <a:lstStyle/>
-          <a:p>
-            <a:endParaRPr lang="en-US" dirty="0"/>
-          </a:p>
-        </p:txBody>
-      </p:sp>
-      <p:sp>
-        <p:nvSpPr>
-          <p:cNvPr id="112641" name="Rectangle 1"/>
-          <p:cNvSpPr>
-            <a:spLocks noChangeArrowheads="1"/>
-          </p:cNvSpPr>
-          <p:nvPr/>
-        </p:nvSpPr>
-        <p:spPr bwMode="auto">
-          <a:xfrm>
-            <a:off x="496478" y="829133"/>
-            <a:ext cx="9879628" cy="4093428"/>
-          </a:xfrm>
-          <a:prstGeom prst="rect">
-            <a:avLst/>
-          </a:prstGeom>
-          <a:solidFill>
-            <a:schemeClr val="bg1">
-              <a:lumMod val="95000"/>
-            </a:schemeClr>
-          </a:solidFill>
-          <a:ln w="9525">
-            <a:noFill/>
-            <a:miter lim="800000"/>
-            <a:headEnd/>
-            <a:tailEnd/>
-          </a:ln>
-          <a:effectLst/>
-        </p:spPr>
-        <p:txBody>
-          <a:bodyPr vert="horz" wrap="none" lIns="91440" tIns="45720" rIns="91440" bIns="45720" numCol="1" anchor="ctr" anchorCtr="0" compatLnSpc="1">
-            <a:prstTxWarp prst="textNoShape">
-              <a:avLst/>
-            </a:prstTxWarp>
-            <a:spAutoFit/>
-          </a:bodyPr>
-          <a:lstStyle/>
-          <a:p>
-            <a:pPr eaLnBrk="0" fontAlgn="base" hangingPunct="0">
-              <a:spcBef>
-                <a:spcPct val="0"/>
-              </a:spcBef>
-              <a:spcAft>
-                <a:spcPct val="0"/>
-              </a:spcAft>
-            </a:pPr>
-            <a:r>
-              <a:rPr lang="en-US" sz="2000" dirty="0">
-                <a:solidFill>
-                  <a:srgbClr val="000000"/>
-                </a:solidFill>
-                <a:latin typeface="Courier New" pitchFamily="49" charset="0"/>
-                <a:ea typeface="Calibri" pitchFamily="34" charset="0"/>
-                <a:cs typeface="Courier New" pitchFamily="49" charset="0"/>
-              </a:rPr>
-              <a:t>	</a:t>
-            </a:r>
-            <a:r>
-              <a:rPr lang="en-US" sz="2000" dirty="0" err="1">
-                <a:solidFill>
-                  <a:srgbClr val="000000"/>
-                </a:solidFill>
-                <a:latin typeface="Courier New" pitchFamily="49" charset="0"/>
-                <a:ea typeface="Calibri" pitchFamily="34" charset="0"/>
-                <a:cs typeface="Courier New" pitchFamily="49" charset="0"/>
-              </a:rPr>
-              <a:t>PriorityQueue</a:t>
-            </a:r>
-            <a:r>
-              <a:rPr lang="en-US" sz="2000" dirty="0">
-                <a:solidFill>
-                  <a:srgbClr val="000000"/>
-                </a:solidFill>
-                <a:latin typeface="Courier New" pitchFamily="49" charset="0"/>
-                <a:ea typeface="Calibri" pitchFamily="34" charset="0"/>
-                <a:cs typeface="Courier New" pitchFamily="49" charset="0"/>
-              </a:rPr>
-              <a:t>&lt;String&gt; queue2 </a:t>
-            </a:r>
-            <a:endParaRPr lang="ru-RU" sz="2000" dirty="0">
-              <a:solidFill>
-                <a:srgbClr val="000000"/>
-              </a:solidFill>
-              <a:latin typeface="Courier New" pitchFamily="49" charset="0"/>
-              <a:ea typeface="Calibri" pitchFamily="34" charset="0"/>
-              <a:cs typeface="Courier New" pitchFamily="49" charset="0"/>
-            </a:endParaRPr>
-          </a:p>
-          <a:p>
-            <a:pPr eaLnBrk="0" fontAlgn="base" hangingPunct="0">
-              <a:spcBef>
-                <a:spcPct val="0"/>
-              </a:spcBef>
-              <a:spcAft>
-                <a:spcPct val="0"/>
-              </a:spcAft>
-            </a:pPr>
-            <a:r>
-              <a:rPr lang="ru-RU" sz="2000" dirty="0">
-                <a:solidFill>
-                  <a:srgbClr val="000000"/>
-                </a:solidFill>
-                <a:latin typeface="Courier New" pitchFamily="49" charset="0"/>
-                <a:ea typeface="Calibri" pitchFamily="34" charset="0"/>
-                <a:cs typeface="Courier New" pitchFamily="49" charset="0"/>
-              </a:rPr>
-              <a:t>			</a:t>
-            </a:r>
-            <a:r>
-              <a:rPr lang="en-US" sz="2000" dirty="0">
-                <a:solidFill>
-                  <a:srgbClr val="000000"/>
-                </a:solidFill>
-                <a:latin typeface="Courier New" pitchFamily="49" charset="0"/>
-                <a:ea typeface="Calibri" pitchFamily="34" charset="0"/>
-                <a:cs typeface="Courier New" pitchFamily="49" charset="0"/>
-              </a:rPr>
-              <a:t>= </a:t>
-            </a:r>
-            <a:r>
-              <a:rPr lang="en-US" sz="2000" b="1" dirty="0">
-                <a:solidFill>
-                  <a:srgbClr val="7F0055"/>
-                </a:solidFill>
-                <a:latin typeface="Courier New" pitchFamily="49" charset="0"/>
-                <a:ea typeface="Calibri" pitchFamily="34" charset="0"/>
-                <a:cs typeface="Courier New" pitchFamily="49" charset="0"/>
-              </a:rPr>
-              <a:t>new</a:t>
-            </a:r>
-            <a:r>
-              <a:rPr lang="en-US" sz="2000" dirty="0">
-                <a:solidFill>
-                  <a:srgbClr val="000000"/>
-                </a:solidFill>
-                <a:latin typeface="Courier New" pitchFamily="49" charset="0"/>
-                <a:ea typeface="Calibri" pitchFamily="34" charset="0"/>
-                <a:cs typeface="Courier New" pitchFamily="49" charset="0"/>
-              </a:rPr>
-              <a:t> </a:t>
-            </a:r>
-            <a:r>
-              <a:rPr lang="en-US" sz="2000" dirty="0" err="1">
-                <a:solidFill>
-                  <a:srgbClr val="000000"/>
-                </a:solidFill>
-                <a:latin typeface="Courier New" pitchFamily="49" charset="0"/>
-                <a:ea typeface="Calibri" pitchFamily="34" charset="0"/>
-                <a:cs typeface="Courier New" pitchFamily="49" charset="0"/>
-              </a:rPr>
-              <a:t>PriorityQueue</a:t>
-            </a:r>
-            <a:r>
-              <a:rPr lang="en-US" sz="2000" dirty="0">
-                <a:solidFill>
-                  <a:srgbClr val="000000"/>
-                </a:solidFill>
-                <a:latin typeface="Courier New" pitchFamily="49" charset="0"/>
-                <a:ea typeface="Calibri" pitchFamily="34" charset="0"/>
-                <a:cs typeface="Courier New" pitchFamily="49" charset="0"/>
-              </a:rPr>
-              <a:t>&lt;String&gt;(4,</a:t>
-            </a:r>
-            <a:endParaRPr lang="en-US" sz="2000" dirty="0">
-              <a:latin typeface="Arial" pitchFamily="34" charset="0"/>
-              <a:cs typeface="Arial" pitchFamily="34" charset="0"/>
-            </a:endParaRPr>
-          </a:p>
-          <a:p>
-            <a:pPr eaLnBrk="0" fontAlgn="base" hangingPunct="0">
-              <a:spcBef>
-                <a:spcPct val="0"/>
-              </a:spcBef>
-              <a:spcAft>
-                <a:spcPct val="0"/>
-              </a:spcAft>
-            </a:pPr>
-            <a:r>
-              <a:rPr lang="en-US" sz="2000" dirty="0">
-                <a:solidFill>
-                  <a:srgbClr val="000000"/>
-                </a:solidFill>
-                <a:latin typeface="Courier New" pitchFamily="49" charset="0"/>
-                <a:ea typeface="Calibri" pitchFamily="34" charset="0"/>
-                <a:cs typeface="Courier New" pitchFamily="49" charset="0"/>
-              </a:rPr>
-              <a:t>			</a:t>
-            </a:r>
-            <a:r>
-              <a:rPr lang="en-US" sz="2000" dirty="0" err="1">
-                <a:solidFill>
-                  <a:srgbClr val="000000"/>
-                </a:solidFill>
-                <a:latin typeface="Courier New" pitchFamily="49" charset="0"/>
-                <a:ea typeface="Calibri" pitchFamily="34" charset="0"/>
-                <a:cs typeface="Courier New" pitchFamily="49" charset="0"/>
-              </a:rPr>
-              <a:t>Collections.</a:t>
-            </a:r>
-            <a:r>
-              <a:rPr lang="en-US" sz="2000" i="1" dirty="0" err="1">
-                <a:solidFill>
-                  <a:srgbClr val="000000"/>
-                </a:solidFill>
-                <a:latin typeface="Courier New" pitchFamily="49" charset="0"/>
-                <a:ea typeface="Calibri" pitchFamily="34" charset="0"/>
-                <a:cs typeface="Courier New" pitchFamily="49" charset="0"/>
-              </a:rPr>
-              <a:t>reverseOrder</a:t>
-            </a:r>
-            <a:r>
-              <a:rPr lang="en-US" sz="2000" dirty="0">
-                <a:solidFill>
-                  <a:srgbClr val="000000"/>
-                </a:solidFill>
-                <a:latin typeface="Courier New" pitchFamily="49" charset="0"/>
-                <a:ea typeface="Calibri" pitchFamily="34" charset="0"/>
-                <a:cs typeface="Courier New" pitchFamily="49" charset="0"/>
-              </a:rPr>
-              <a:t>());</a:t>
-            </a:r>
-            <a:endParaRPr lang="en-US" sz="2000" dirty="0">
-              <a:latin typeface="Arial" pitchFamily="34" charset="0"/>
-              <a:cs typeface="Arial" pitchFamily="34" charset="0"/>
-            </a:endParaRPr>
-          </a:p>
-          <a:p>
-            <a:pPr eaLnBrk="0" fontAlgn="base" hangingPunct="0">
-              <a:spcBef>
-                <a:spcPct val="0"/>
-              </a:spcBef>
-              <a:spcAft>
-                <a:spcPct val="0"/>
-              </a:spcAft>
-            </a:pPr>
-            <a:r>
-              <a:rPr lang="en-US" sz="2000" dirty="0">
-                <a:solidFill>
-                  <a:srgbClr val="000000"/>
-                </a:solidFill>
-                <a:latin typeface="Courier New" pitchFamily="49" charset="0"/>
-                <a:ea typeface="Calibri" pitchFamily="34" charset="0"/>
-                <a:cs typeface="Courier New" pitchFamily="49" charset="0"/>
-              </a:rPr>
-              <a:t>	queue2.offer(</a:t>
-            </a:r>
-            <a:r>
-              <a:rPr lang="en-US" sz="2000" dirty="0">
-                <a:solidFill>
-                  <a:srgbClr val="2A00FF"/>
-                </a:solidFill>
-                <a:latin typeface="Courier New" pitchFamily="49" charset="0"/>
-                <a:ea typeface="Calibri" pitchFamily="34" charset="0"/>
-                <a:cs typeface="Courier New" pitchFamily="49" charset="0"/>
-              </a:rPr>
-              <a:t>"Oklahoma"</a:t>
-            </a:r>
-            <a:r>
-              <a:rPr lang="en-US" sz="2000" dirty="0">
-                <a:solidFill>
-                  <a:srgbClr val="000000"/>
-                </a:solidFill>
-                <a:latin typeface="Courier New" pitchFamily="49" charset="0"/>
-                <a:ea typeface="Calibri" pitchFamily="34" charset="0"/>
-                <a:cs typeface="Courier New" pitchFamily="49" charset="0"/>
-              </a:rPr>
-              <a:t>);</a:t>
-            </a:r>
-            <a:endParaRPr lang="en-US" sz="2000" dirty="0">
-              <a:latin typeface="Arial" pitchFamily="34" charset="0"/>
-              <a:cs typeface="Arial" pitchFamily="34" charset="0"/>
-            </a:endParaRPr>
-          </a:p>
-          <a:p>
-            <a:pPr eaLnBrk="0" fontAlgn="base" hangingPunct="0">
-              <a:spcBef>
-                <a:spcPct val="0"/>
-              </a:spcBef>
-              <a:spcAft>
-                <a:spcPct val="0"/>
-              </a:spcAft>
-            </a:pPr>
-            <a:r>
-              <a:rPr lang="en-US" sz="2000" dirty="0">
-                <a:solidFill>
-                  <a:srgbClr val="000000"/>
-                </a:solidFill>
-                <a:latin typeface="Courier New" pitchFamily="49" charset="0"/>
-                <a:ea typeface="Calibri" pitchFamily="34" charset="0"/>
-                <a:cs typeface="Courier New" pitchFamily="49" charset="0"/>
-              </a:rPr>
-              <a:t>	queue2.offer(</a:t>
-            </a:r>
-            <a:r>
-              <a:rPr lang="en-US" sz="2000" dirty="0">
-                <a:solidFill>
-                  <a:srgbClr val="2A00FF"/>
-                </a:solidFill>
-                <a:latin typeface="Courier New" pitchFamily="49" charset="0"/>
-                <a:ea typeface="Calibri" pitchFamily="34" charset="0"/>
-                <a:cs typeface="Courier New" pitchFamily="49" charset="0"/>
-              </a:rPr>
-              <a:t>"Indiana"</a:t>
-            </a:r>
-            <a:r>
-              <a:rPr lang="en-US" sz="2000" dirty="0">
-                <a:solidFill>
-                  <a:srgbClr val="000000"/>
-                </a:solidFill>
-                <a:latin typeface="Courier New" pitchFamily="49" charset="0"/>
-                <a:ea typeface="Calibri" pitchFamily="34" charset="0"/>
-                <a:cs typeface="Courier New" pitchFamily="49" charset="0"/>
-              </a:rPr>
-              <a:t>);</a:t>
-            </a:r>
-            <a:endParaRPr lang="en-US" sz="2000" dirty="0">
-              <a:latin typeface="Arial" pitchFamily="34" charset="0"/>
-              <a:cs typeface="Arial" pitchFamily="34" charset="0"/>
-            </a:endParaRPr>
-          </a:p>
-          <a:p>
-            <a:pPr eaLnBrk="0" fontAlgn="base" hangingPunct="0">
-              <a:spcBef>
-                <a:spcPct val="0"/>
-              </a:spcBef>
-              <a:spcAft>
-                <a:spcPct val="0"/>
-              </a:spcAft>
-            </a:pPr>
-            <a:r>
-              <a:rPr lang="en-US" sz="2000" dirty="0">
-                <a:solidFill>
-                  <a:srgbClr val="000000"/>
-                </a:solidFill>
-                <a:latin typeface="Courier New" pitchFamily="49" charset="0"/>
-                <a:ea typeface="Calibri" pitchFamily="34" charset="0"/>
-                <a:cs typeface="Courier New" pitchFamily="49" charset="0"/>
-              </a:rPr>
-              <a:t>	queue2.offer(</a:t>
-            </a:r>
-            <a:r>
-              <a:rPr lang="en-US" sz="2000" dirty="0">
-                <a:solidFill>
-                  <a:srgbClr val="2A00FF"/>
-                </a:solidFill>
-                <a:latin typeface="Courier New" pitchFamily="49" charset="0"/>
-                <a:ea typeface="Calibri" pitchFamily="34" charset="0"/>
-                <a:cs typeface="Courier New" pitchFamily="49" charset="0"/>
-              </a:rPr>
-              <a:t>"Georgia"</a:t>
-            </a:r>
-            <a:r>
-              <a:rPr lang="en-US" sz="2000" dirty="0">
-                <a:solidFill>
-                  <a:srgbClr val="000000"/>
-                </a:solidFill>
-                <a:latin typeface="Courier New" pitchFamily="49" charset="0"/>
-                <a:ea typeface="Calibri" pitchFamily="34" charset="0"/>
-                <a:cs typeface="Courier New" pitchFamily="49" charset="0"/>
-              </a:rPr>
-              <a:t>);</a:t>
-            </a:r>
-            <a:endParaRPr lang="en-US" sz="2000" dirty="0">
-              <a:latin typeface="Arial" pitchFamily="34" charset="0"/>
-              <a:cs typeface="Arial" pitchFamily="34" charset="0"/>
-            </a:endParaRPr>
-          </a:p>
-          <a:p>
-            <a:pPr eaLnBrk="0" fontAlgn="base" hangingPunct="0">
-              <a:spcBef>
-                <a:spcPct val="0"/>
-              </a:spcBef>
-              <a:spcAft>
-                <a:spcPct val="0"/>
-              </a:spcAft>
-            </a:pPr>
-            <a:r>
-              <a:rPr lang="en-US" sz="2000" dirty="0">
-                <a:solidFill>
-                  <a:srgbClr val="000000"/>
-                </a:solidFill>
-                <a:latin typeface="Courier New" pitchFamily="49" charset="0"/>
-                <a:ea typeface="Calibri" pitchFamily="34" charset="0"/>
-                <a:cs typeface="Courier New" pitchFamily="49" charset="0"/>
-              </a:rPr>
-              <a:t>	queue2.offer(</a:t>
-            </a:r>
-            <a:r>
-              <a:rPr lang="en-US" sz="2000" dirty="0">
-                <a:solidFill>
-                  <a:srgbClr val="2A00FF"/>
-                </a:solidFill>
-                <a:latin typeface="Courier New" pitchFamily="49" charset="0"/>
-                <a:ea typeface="Calibri" pitchFamily="34" charset="0"/>
-                <a:cs typeface="Courier New" pitchFamily="49" charset="0"/>
-              </a:rPr>
-              <a:t>"Texas"</a:t>
-            </a:r>
-            <a:r>
-              <a:rPr lang="en-US" sz="2000" dirty="0">
-                <a:solidFill>
-                  <a:srgbClr val="000000"/>
-                </a:solidFill>
-                <a:latin typeface="Courier New" pitchFamily="49" charset="0"/>
-                <a:ea typeface="Calibri" pitchFamily="34" charset="0"/>
-                <a:cs typeface="Courier New" pitchFamily="49" charset="0"/>
-              </a:rPr>
-              <a:t>);</a:t>
-            </a:r>
-            <a:endParaRPr lang="en-US" sz="2000" dirty="0">
-              <a:latin typeface="Arial" pitchFamily="34" charset="0"/>
-              <a:cs typeface="Arial" pitchFamily="34" charset="0"/>
-            </a:endParaRPr>
-          </a:p>
-          <a:p>
-            <a:pPr eaLnBrk="0" fontAlgn="base" hangingPunct="0">
-              <a:spcBef>
-                <a:spcPct val="0"/>
-              </a:spcBef>
-              <a:spcAft>
-                <a:spcPct val="0"/>
-              </a:spcAft>
-            </a:pPr>
-            <a:r>
-              <a:rPr lang="en-US" sz="2000" dirty="0">
-                <a:solidFill>
-                  <a:srgbClr val="000000"/>
-                </a:solidFill>
-                <a:latin typeface="Courier New" pitchFamily="49" charset="0"/>
-                <a:ea typeface="Calibri" pitchFamily="34" charset="0"/>
-                <a:cs typeface="Courier New" pitchFamily="49" charset="0"/>
-              </a:rPr>
-              <a:t>	</a:t>
-            </a:r>
-            <a:r>
-              <a:rPr lang="en-US" sz="2000" dirty="0" err="1">
-                <a:solidFill>
-                  <a:srgbClr val="000000"/>
-                </a:solidFill>
-                <a:latin typeface="Courier New" pitchFamily="49" charset="0"/>
-                <a:ea typeface="Calibri" pitchFamily="34" charset="0"/>
-                <a:cs typeface="Courier New" pitchFamily="49" charset="0"/>
-              </a:rPr>
-              <a:t>System.</a:t>
-            </a:r>
-            <a:r>
-              <a:rPr lang="en-US" sz="2000" i="1" dirty="0" err="1">
-                <a:solidFill>
-                  <a:srgbClr val="0000C0"/>
-                </a:solidFill>
-                <a:latin typeface="Courier New" pitchFamily="49" charset="0"/>
-                <a:ea typeface="Calibri" pitchFamily="34" charset="0"/>
-                <a:cs typeface="Courier New" pitchFamily="49" charset="0"/>
-              </a:rPr>
-              <a:t>out</a:t>
-            </a:r>
-            <a:r>
-              <a:rPr lang="en-US" sz="2000" dirty="0" err="1">
-                <a:solidFill>
-                  <a:srgbClr val="000000"/>
-                </a:solidFill>
-                <a:latin typeface="Courier New" pitchFamily="49" charset="0"/>
-                <a:ea typeface="Calibri" pitchFamily="34" charset="0"/>
-                <a:cs typeface="Courier New" pitchFamily="49" charset="0"/>
-              </a:rPr>
-              <a:t>.println</a:t>
-            </a:r>
-            <a:r>
-              <a:rPr lang="en-US" sz="2000" dirty="0">
-                <a:solidFill>
-                  <a:srgbClr val="000000"/>
-                </a:solidFill>
-                <a:latin typeface="Courier New" pitchFamily="49" charset="0"/>
-                <a:ea typeface="Calibri" pitchFamily="34" charset="0"/>
-                <a:cs typeface="Courier New" pitchFamily="49" charset="0"/>
-              </a:rPr>
-              <a:t>(</a:t>
-            </a:r>
-            <a:r>
-              <a:rPr lang="en-US" sz="2000" dirty="0">
-                <a:solidFill>
-                  <a:srgbClr val="2A00FF"/>
-                </a:solidFill>
-                <a:latin typeface="Courier New" pitchFamily="49" charset="0"/>
-                <a:ea typeface="Calibri" pitchFamily="34" charset="0"/>
-                <a:cs typeface="Courier New" pitchFamily="49" charset="0"/>
-              </a:rPr>
-              <a:t>"\</a:t>
-            </a:r>
-            <a:r>
-              <a:rPr lang="en-US" sz="2000" dirty="0" err="1">
-                <a:solidFill>
-                  <a:srgbClr val="2A00FF"/>
-                </a:solidFill>
-                <a:latin typeface="Courier New" pitchFamily="49" charset="0"/>
-                <a:ea typeface="Calibri" pitchFamily="34" charset="0"/>
-                <a:cs typeface="Courier New" pitchFamily="49" charset="0"/>
-              </a:rPr>
-              <a:t>nPriority</a:t>
-            </a:r>
-            <a:r>
-              <a:rPr lang="en-US" sz="2000" dirty="0">
-                <a:solidFill>
-                  <a:srgbClr val="2A00FF"/>
-                </a:solidFill>
-                <a:latin typeface="Courier New" pitchFamily="49" charset="0"/>
-                <a:ea typeface="Calibri" pitchFamily="34" charset="0"/>
-                <a:cs typeface="Courier New" pitchFamily="49" charset="0"/>
-              </a:rPr>
-              <a:t> queue using Comparator:"</a:t>
-            </a:r>
-            <a:r>
-              <a:rPr lang="en-US" sz="2000" dirty="0">
-                <a:solidFill>
-                  <a:srgbClr val="000000"/>
-                </a:solidFill>
-                <a:latin typeface="Courier New" pitchFamily="49" charset="0"/>
-                <a:ea typeface="Calibri" pitchFamily="34" charset="0"/>
-                <a:cs typeface="Courier New" pitchFamily="49" charset="0"/>
-              </a:rPr>
-              <a:t>);</a:t>
-            </a:r>
-            <a:endParaRPr lang="en-US" sz="2000" dirty="0">
-              <a:latin typeface="Arial" pitchFamily="34" charset="0"/>
-              <a:cs typeface="Arial" pitchFamily="34" charset="0"/>
-            </a:endParaRPr>
-          </a:p>
-          <a:p>
-            <a:pPr eaLnBrk="0" fontAlgn="base" hangingPunct="0">
-              <a:spcBef>
-                <a:spcPct val="0"/>
-              </a:spcBef>
-              <a:spcAft>
-                <a:spcPct val="0"/>
-              </a:spcAft>
-            </a:pPr>
-            <a:r>
-              <a:rPr lang="en-US" sz="2000" dirty="0">
-                <a:solidFill>
-                  <a:srgbClr val="000000"/>
-                </a:solidFill>
-                <a:latin typeface="Courier New" pitchFamily="49" charset="0"/>
-                <a:ea typeface="Calibri" pitchFamily="34" charset="0"/>
-                <a:cs typeface="Courier New" pitchFamily="49" charset="0"/>
-              </a:rPr>
-              <a:t>	</a:t>
-            </a:r>
-            <a:r>
-              <a:rPr lang="en-US" sz="2000" b="1" dirty="0">
-                <a:solidFill>
-                  <a:srgbClr val="7F0055"/>
-                </a:solidFill>
-                <a:latin typeface="Courier New" pitchFamily="49" charset="0"/>
-                <a:ea typeface="Calibri" pitchFamily="34" charset="0"/>
-                <a:cs typeface="Courier New" pitchFamily="49" charset="0"/>
-              </a:rPr>
-              <a:t>while</a:t>
-            </a:r>
-            <a:r>
-              <a:rPr lang="en-US" sz="2000" dirty="0">
-                <a:solidFill>
-                  <a:srgbClr val="000000"/>
-                </a:solidFill>
-                <a:latin typeface="Courier New" pitchFamily="49" charset="0"/>
-                <a:ea typeface="Calibri" pitchFamily="34" charset="0"/>
-                <a:cs typeface="Courier New" pitchFamily="49" charset="0"/>
-              </a:rPr>
-              <a:t> (queue2.size() &gt; 0) {</a:t>
-            </a:r>
-            <a:endParaRPr lang="en-US" sz="2000" dirty="0">
-              <a:latin typeface="Arial" pitchFamily="34" charset="0"/>
-              <a:cs typeface="Arial" pitchFamily="34" charset="0"/>
-            </a:endParaRPr>
-          </a:p>
-          <a:p>
-            <a:pPr eaLnBrk="0" fontAlgn="base" hangingPunct="0">
-              <a:spcBef>
-                <a:spcPct val="0"/>
-              </a:spcBef>
-              <a:spcAft>
-                <a:spcPct val="0"/>
-              </a:spcAft>
-            </a:pPr>
-            <a:r>
-              <a:rPr lang="en-US" sz="2000" dirty="0">
-                <a:solidFill>
-                  <a:srgbClr val="000000"/>
-                </a:solidFill>
-                <a:latin typeface="Courier New" pitchFamily="49" charset="0"/>
-                <a:ea typeface="Calibri" pitchFamily="34" charset="0"/>
-                <a:cs typeface="Courier New" pitchFamily="49" charset="0"/>
-              </a:rPr>
-              <a:t>		</a:t>
-            </a:r>
-            <a:r>
-              <a:rPr lang="en-US" sz="2000" dirty="0" err="1">
-                <a:solidFill>
-                  <a:srgbClr val="000000"/>
-                </a:solidFill>
-                <a:latin typeface="Courier New" pitchFamily="49" charset="0"/>
-                <a:ea typeface="Calibri" pitchFamily="34" charset="0"/>
-                <a:cs typeface="Courier New" pitchFamily="49" charset="0"/>
-              </a:rPr>
-              <a:t>System.</a:t>
-            </a:r>
-            <a:r>
-              <a:rPr lang="en-US" sz="2000" i="1" dirty="0" err="1">
-                <a:solidFill>
-                  <a:srgbClr val="0000C0"/>
-                </a:solidFill>
-                <a:latin typeface="Courier New" pitchFamily="49" charset="0"/>
-                <a:ea typeface="Calibri" pitchFamily="34" charset="0"/>
-                <a:cs typeface="Courier New" pitchFamily="49" charset="0"/>
-              </a:rPr>
-              <a:t>out</a:t>
-            </a:r>
-            <a:r>
-              <a:rPr lang="en-US" sz="2000" dirty="0" err="1">
-                <a:solidFill>
-                  <a:srgbClr val="000000"/>
-                </a:solidFill>
-                <a:latin typeface="Courier New" pitchFamily="49" charset="0"/>
-                <a:ea typeface="Calibri" pitchFamily="34" charset="0"/>
-                <a:cs typeface="Courier New" pitchFamily="49" charset="0"/>
-              </a:rPr>
-              <a:t>.print</a:t>
-            </a:r>
-            <a:r>
-              <a:rPr lang="en-US" sz="2000" dirty="0">
-                <a:solidFill>
-                  <a:srgbClr val="000000"/>
-                </a:solidFill>
-                <a:latin typeface="Courier New" pitchFamily="49" charset="0"/>
-                <a:ea typeface="Calibri" pitchFamily="34" charset="0"/>
-                <a:cs typeface="Courier New" pitchFamily="49" charset="0"/>
-              </a:rPr>
-              <a:t>(queue2.remove() + </a:t>
-            </a:r>
-            <a:r>
-              <a:rPr lang="en-US" sz="2000" dirty="0">
-                <a:solidFill>
-                  <a:srgbClr val="2A00FF"/>
-                </a:solidFill>
-                <a:latin typeface="Courier New" pitchFamily="49" charset="0"/>
-                <a:ea typeface="Calibri" pitchFamily="34" charset="0"/>
-                <a:cs typeface="Courier New" pitchFamily="49" charset="0"/>
-              </a:rPr>
-              <a:t>" "</a:t>
-            </a:r>
-            <a:r>
-              <a:rPr lang="en-US" sz="2000" dirty="0">
-                <a:solidFill>
-                  <a:srgbClr val="000000"/>
-                </a:solidFill>
-                <a:latin typeface="Courier New" pitchFamily="49" charset="0"/>
-                <a:ea typeface="Calibri" pitchFamily="34" charset="0"/>
-                <a:cs typeface="Courier New" pitchFamily="49" charset="0"/>
-              </a:rPr>
-              <a:t>);</a:t>
-            </a:r>
-            <a:endParaRPr lang="en-US" sz="2000" dirty="0">
-              <a:latin typeface="Arial" pitchFamily="34" charset="0"/>
-              <a:cs typeface="Arial" pitchFamily="34" charset="0"/>
-            </a:endParaRPr>
-          </a:p>
-          <a:p>
-            <a:pPr eaLnBrk="0" fontAlgn="base" hangingPunct="0">
-              <a:spcBef>
-                <a:spcPct val="0"/>
-              </a:spcBef>
-              <a:spcAft>
-                <a:spcPct val="0"/>
-              </a:spcAft>
-            </a:pPr>
-            <a:r>
-              <a:rPr lang="en-US" sz="2000" dirty="0">
-                <a:solidFill>
-                  <a:srgbClr val="000000"/>
-                </a:solidFill>
-                <a:latin typeface="Courier New" pitchFamily="49" charset="0"/>
-                <a:ea typeface="Calibri" pitchFamily="34" charset="0"/>
-                <a:cs typeface="Courier New" pitchFamily="49" charset="0"/>
-              </a:rPr>
-              <a:t>	}</a:t>
-            </a:r>
-            <a:endParaRPr lang="en-US" sz="2000" dirty="0">
-              <a:latin typeface="Arial" pitchFamily="34" charset="0"/>
-              <a:cs typeface="Arial" pitchFamily="34" charset="0"/>
-            </a:endParaRPr>
-          </a:p>
-          <a:p>
-            <a:pPr eaLnBrk="0" fontAlgn="base" hangingPunct="0">
-              <a:spcBef>
-                <a:spcPct val="0"/>
-              </a:spcBef>
-              <a:spcAft>
-                <a:spcPct val="0"/>
-              </a:spcAft>
-            </a:pPr>
-            <a:r>
-              <a:rPr lang="ru-RU" sz="2000" dirty="0">
-                <a:solidFill>
-                  <a:srgbClr val="000000"/>
-                </a:solidFill>
-                <a:latin typeface="Courier New" pitchFamily="49" charset="0"/>
-                <a:ea typeface="Calibri" pitchFamily="34" charset="0"/>
-                <a:cs typeface="Courier New" pitchFamily="49" charset="0"/>
-              </a:rPr>
-              <a:t>  </a:t>
-            </a:r>
-            <a:r>
-              <a:rPr lang="en-US" sz="2000" dirty="0">
-                <a:solidFill>
-                  <a:srgbClr val="000000"/>
-                </a:solidFill>
-                <a:latin typeface="Courier New" pitchFamily="49" charset="0"/>
-                <a:ea typeface="Calibri" pitchFamily="34" charset="0"/>
-                <a:cs typeface="Courier New" pitchFamily="49" charset="0"/>
-              </a:rPr>
-              <a:t>}</a:t>
-            </a:r>
-            <a:endParaRPr lang="en-US" sz="2000" dirty="0">
-              <a:latin typeface="Arial" pitchFamily="34" charset="0"/>
-              <a:cs typeface="Arial" pitchFamily="34" charset="0"/>
-            </a:endParaRPr>
-          </a:p>
-          <a:p>
-            <a:pPr eaLnBrk="0" fontAlgn="base" hangingPunct="0">
-              <a:spcBef>
-                <a:spcPct val="0"/>
-              </a:spcBef>
-              <a:spcAft>
-                <a:spcPct val="0"/>
-              </a:spcAft>
-            </a:pPr>
-            <a:r>
-              <a:rPr lang="en-US" sz="2000" dirty="0">
-                <a:solidFill>
-                  <a:srgbClr val="000000"/>
-                </a:solidFill>
-                <a:latin typeface="Courier New" pitchFamily="49" charset="0"/>
-                <a:ea typeface="Calibri" pitchFamily="34" charset="0"/>
-                <a:cs typeface="Courier New" pitchFamily="49" charset="0"/>
-              </a:rPr>
-              <a:t>}</a:t>
-            </a:r>
-            <a:endParaRPr lang="en-US" sz="2000" dirty="0">
-              <a:latin typeface="Arial" pitchFamily="34" charset="0"/>
-              <a:cs typeface="Arial" pitchFamily="34" charset="0"/>
-            </a:endParaRPr>
-          </a:p>
-        </p:txBody>
-      </p:sp>
-      <p:sp>
-        <p:nvSpPr>
-          <p:cNvPr id="6" name="Содержимое 2"/>
-          <p:cNvSpPr>
-            <a:spLocks noGrp="1"/>
-          </p:cNvSpPr>
-          <p:nvPr>
-            <p:ph idx="1"/>
-          </p:nvPr>
-        </p:nvSpPr>
-        <p:spPr>
-          <a:xfrm>
-            <a:off x="7595870" y="4986986"/>
-            <a:ext cx="1578429" cy="390520"/>
-          </a:xfrm>
-        </p:spPr>
-        <p:txBody>
-          <a:bodyPr>
-            <a:normAutofit lnSpcReduction="10000"/>
-          </a:bodyPr>
-          <a:lstStyle/>
-          <a:p>
-            <a:pPr>
-              <a:buNone/>
-            </a:pPr>
-            <a:r>
-              <a:rPr lang="ru-RU" sz="2400" dirty="0">
-                <a:latin typeface="Times New Roman" panose="02020603050405020304" pitchFamily="18" charset="0"/>
-                <a:cs typeface="Times New Roman" panose="02020603050405020304" pitchFamily="18" charset="0"/>
-              </a:rPr>
-              <a:t>Результат:</a:t>
-            </a:r>
-            <a:endParaRPr lang="en-US" sz="2400" dirty="0">
-              <a:latin typeface="Times New Roman" panose="02020603050405020304" pitchFamily="18" charset="0"/>
-              <a:cs typeface="Times New Roman" panose="02020603050405020304" pitchFamily="18" charset="0"/>
-            </a:endParaRPr>
-          </a:p>
-        </p:txBody>
-      </p:sp>
-      <p:sp>
-        <p:nvSpPr>
-          <p:cNvPr id="7" name="Rectangle 2"/>
-          <p:cNvSpPr>
-            <a:spLocks noChangeAspect="1" noChangeArrowheads="1"/>
-          </p:cNvSpPr>
-          <p:nvPr/>
-        </p:nvSpPr>
-        <p:spPr bwMode="auto">
-          <a:xfrm>
-            <a:off x="7595870" y="5425598"/>
-            <a:ext cx="4596130" cy="1200329"/>
-          </a:xfrm>
-          <a:prstGeom prst="rect">
-            <a:avLst/>
-          </a:prstGeom>
-          <a:solidFill>
-            <a:schemeClr val="bg1">
-              <a:lumMod val="95000"/>
-            </a:schemeClr>
-          </a:solidFill>
-          <a:ln w="9525">
-            <a:noFill/>
-            <a:miter lim="800000"/>
-            <a:headEnd/>
-            <a:tailEnd/>
-          </a:ln>
-          <a:effectLst/>
-        </p:spPr>
-        <p:txBody>
-          <a:bodyPr vert="horz" wrap="none" lIns="91440" tIns="45720" rIns="91440" bIns="45720" numCol="1" anchor="ctr" anchorCtr="0" compatLnSpc="1">
-            <a:prstTxWarp prst="textNoShape">
-              <a:avLst/>
-            </a:prstTxWarp>
-            <a:spAutoFit/>
-          </a:bodyPr>
-          <a:lstStyle/>
-          <a:p>
-            <a:pPr fontAlgn="base">
-              <a:spcBef>
-                <a:spcPct val="0"/>
-              </a:spcBef>
-              <a:spcAft>
-                <a:spcPct val="0"/>
-              </a:spcAft>
-            </a:pPr>
-            <a:r>
-              <a:rPr lang="en-US" dirty="0">
-                <a:solidFill>
-                  <a:srgbClr val="000000"/>
-                </a:solidFill>
-                <a:latin typeface="Courier New" pitchFamily="49" charset="0"/>
-                <a:ea typeface="Calibri" pitchFamily="34" charset="0"/>
-                <a:cs typeface="Courier New" pitchFamily="49" charset="0"/>
-              </a:rPr>
-              <a:t>Priority queue using Comparable:</a:t>
-            </a:r>
-            <a:endParaRPr lang="en-US" dirty="0">
-              <a:latin typeface="Arial" pitchFamily="34" charset="0"/>
-              <a:cs typeface="Arial" pitchFamily="34" charset="0"/>
-            </a:endParaRPr>
-          </a:p>
-          <a:p>
-            <a:pPr eaLnBrk="0" fontAlgn="base" hangingPunct="0">
-              <a:spcBef>
-                <a:spcPct val="0"/>
-              </a:spcBef>
-              <a:spcAft>
-                <a:spcPct val="0"/>
-              </a:spcAft>
-            </a:pPr>
-            <a:r>
-              <a:rPr lang="en-US" dirty="0">
-                <a:solidFill>
-                  <a:srgbClr val="000000"/>
-                </a:solidFill>
-                <a:latin typeface="Courier New" pitchFamily="49" charset="0"/>
-                <a:ea typeface="Calibri" pitchFamily="34" charset="0"/>
-                <a:cs typeface="Courier New" pitchFamily="49" charset="0"/>
-              </a:rPr>
-              <a:t>Georgia Indiana Oklahoma Texas </a:t>
-            </a:r>
-            <a:endParaRPr lang="en-US" dirty="0">
-              <a:latin typeface="Arial" pitchFamily="34" charset="0"/>
-              <a:cs typeface="Arial" pitchFamily="34" charset="0"/>
-            </a:endParaRPr>
-          </a:p>
-          <a:p>
-            <a:pPr eaLnBrk="0" fontAlgn="base" hangingPunct="0">
-              <a:spcBef>
-                <a:spcPct val="0"/>
-              </a:spcBef>
-              <a:spcAft>
-                <a:spcPct val="0"/>
-              </a:spcAft>
-            </a:pPr>
-            <a:r>
-              <a:rPr lang="en-US" dirty="0">
-                <a:solidFill>
-                  <a:srgbClr val="000000"/>
-                </a:solidFill>
-                <a:latin typeface="Courier New" pitchFamily="49" charset="0"/>
-                <a:ea typeface="Calibri" pitchFamily="34" charset="0"/>
-                <a:cs typeface="Courier New" pitchFamily="49" charset="0"/>
-              </a:rPr>
-              <a:t>Priority queue using Comparator:</a:t>
-            </a:r>
-            <a:endParaRPr lang="en-US" dirty="0">
-              <a:latin typeface="Arial" pitchFamily="34" charset="0"/>
-              <a:cs typeface="Arial" pitchFamily="34" charset="0"/>
-            </a:endParaRPr>
-          </a:p>
-          <a:p>
-            <a:pPr eaLnBrk="0" fontAlgn="base" hangingPunct="0">
-              <a:spcBef>
-                <a:spcPct val="0"/>
-              </a:spcBef>
-              <a:spcAft>
-                <a:spcPct val="0"/>
-              </a:spcAft>
-            </a:pPr>
-            <a:r>
-              <a:rPr lang="en-US" dirty="0">
-                <a:solidFill>
-                  <a:srgbClr val="000000"/>
-                </a:solidFill>
-                <a:latin typeface="Courier New" pitchFamily="49" charset="0"/>
-                <a:ea typeface="Calibri" pitchFamily="34" charset="0"/>
-                <a:cs typeface="Courier New" pitchFamily="49" charset="0"/>
-              </a:rPr>
-              <a:t>Texas Oklahoma Indiana Georgia</a:t>
-            </a:r>
-            <a:endParaRPr lang="en-US" dirty="0">
-              <a:latin typeface="Arial" pitchFamily="34" charset="0"/>
-              <a:cs typeface="Arial" pitchFamily="34" charset="0"/>
-            </a:endParaRPr>
-          </a:p>
-        </p:txBody>
-      </p:sp>
-    </p:spTree>
-    <p:extLst>
-      <p:ext uri="{BB962C8B-B14F-4D97-AF65-F5344CB8AC3E}">
-        <p14:creationId xmlns:p14="http://schemas.microsoft.com/office/powerpoint/2010/main" val="989906326"/>
       </p:ext>
     </p:extLst>
   </p:cSld>
